--- a/document/02_develop_webdb_on_paas/図版.pptx
+++ b/document/02_develop_webdb_on_paas/図版.pptx
@@ -6,7 +6,6 @@
   </p:sldMasterIdLst>
   <p:sldIdLst>
     <p:sldId id="293" r:id="rId2"/>
-    <p:sldId id="283" r:id="rId3"/>
   </p:sldIdLst>
   <p:sldSz cx="12192000" cy="6858000"/>
   <p:notesSz cx="6858000" cy="9144000"/>
@@ -3615,203 +3614,12 @@
           <a:chExt cx="0" cy="0"/>
         </a:xfrm>
       </p:grpSpPr>
-      <p:sp>
-        <p:nvSpPr>
-          <p:cNvPr id="2" name="楕円 1">
-            <a:extLst>
-              <a:ext uri="{FF2B5EF4-FFF2-40B4-BE49-F238E27FC236}">
-                <a16:creationId xmlns:a16="http://schemas.microsoft.com/office/drawing/2014/main" id="{315BE9CA-83F2-4BC3-9CEE-7F87C0B47130}"/>
-              </a:ext>
-            </a:extLst>
-          </p:cNvPr>
-          <p:cNvSpPr/>
-          <p:nvPr/>
-        </p:nvSpPr>
-        <p:spPr>
-          <a:xfrm>
-            <a:off x="314502" y="755048"/>
-            <a:ext cx="1013637" cy="411790"/>
-          </a:xfrm>
-          <a:prstGeom prst="ellipse">
-            <a:avLst/>
-          </a:prstGeom>
-          <a:noFill/>
-          <a:ln w="38100">
-            <a:solidFill>
-              <a:srgbClr val="FF0000"/>
-            </a:solidFill>
-          </a:ln>
-        </p:spPr>
-        <p:style>
-          <a:lnRef idx="2">
-            <a:schemeClr val="accent1">
-              <a:shade val="50000"/>
-            </a:schemeClr>
-          </a:lnRef>
-          <a:fillRef idx="1">
-            <a:schemeClr val="accent1"/>
-          </a:fillRef>
-          <a:effectRef idx="0">
-            <a:schemeClr val="accent1"/>
-          </a:effectRef>
-          <a:fontRef idx="minor">
-            <a:schemeClr val="lt1"/>
-          </a:fontRef>
-        </p:style>
-        <p:txBody>
-          <a:bodyPr rtlCol="0" anchor="ctr"/>
-          <a:lstStyle/>
-          <a:p>
-            <a:pPr algn="ctr"/>
-            <a:endParaRPr kumimoji="1" lang="ja-JP" altLang="en-US"/>
-          </a:p>
-        </p:txBody>
-      </p:sp>
-      <p:sp>
-        <p:nvSpPr>
-          <p:cNvPr id="4" name="四角形: 角を丸くする 3">
-            <a:extLst>
-              <a:ext uri="{FF2B5EF4-FFF2-40B4-BE49-F238E27FC236}">
-                <a16:creationId xmlns:a16="http://schemas.microsoft.com/office/drawing/2014/main" id="{2F5B3D98-FE7B-47AB-B5F9-9D98A3A6468E}"/>
-              </a:ext>
-            </a:extLst>
-          </p:cNvPr>
-          <p:cNvSpPr/>
-          <p:nvPr/>
-        </p:nvSpPr>
-        <p:spPr>
-          <a:xfrm>
-            <a:off x="1122311" y="1331101"/>
-            <a:ext cx="1205804" cy="427085"/>
-          </a:xfrm>
-          <a:prstGeom prst="roundRect">
-            <a:avLst/>
-          </a:prstGeom>
-          <a:noFill/>
-          <a:ln w="38100">
-            <a:solidFill>
-              <a:srgbClr val="FF0000"/>
-            </a:solidFill>
-          </a:ln>
-        </p:spPr>
-        <p:style>
-          <a:lnRef idx="2">
-            <a:schemeClr val="accent1">
-              <a:shade val="50000"/>
-            </a:schemeClr>
-          </a:lnRef>
-          <a:fillRef idx="1">
-            <a:schemeClr val="accent1"/>
-          </a:fillRef>
-          <a:effectRef idx="0">
-            <a:schemeClr val="accent1"/>
-          </a:effectRef>
-          <a:fontRef idx="minor">
-            <a:schemeClr val="lt1"/>
-          </a:fontRef>
-        </p:style>
-        <p:txBody>
-          <a:bodyPr rot="0" spcFirstLastPara="0" vertOverflow="overflow" horzOverflow="overflow" vert="horz" wrap="square" lIns="91440" tIns="45720" rIns="91440" bIns="45720" numCol="1" spcCol="0" rtlCol="0" fromWordArt="0" anchor="ctr" anchorCtr="0" forceAA="0" compatLnSpc="1">
-            <a:prstTxWarp prst="textNoShape">
-              <a:avLst/>
-            </a:prstTxWarp>
-            <a:noAutofit/>
-          </a:bodyPr>
-          <a:lstStyle/>
-          <a:p>
-            <a:pPr algn="ctr"/>
-            <a:endParaRPr lang="ja-JP" altLang="en-US"/>
-          </a:p>
-        </p:txBody>
-      </p:sp>
-    </p:spTree>
-    <p:extLst>
-      <p:ext uri="{BB962C8B-B14F-4D97-AF65-F5344CB8AC3E}">
-        <p14:creationId xmlns:p14="http://schemas.microsoft.com/office/powerpoint/2010/main" val="661507049"/>
-      </p:ext>
-    </p:extLst>
-  </p:cSld>
-  <p:clrMapOvr>
-    <a:masterClrMapping/>
-  </p:clrMapOvr>
-</p:sld>
-</file>
-
-<file path=ppt/slides/slide2.xml><?xml version="1.0" encoding="utf-8"?>
-<p:sld xmlns:a="http://schemas.openxmlformats.org/drawingml/2006/main" xmlns:r="http://schemas.openxmlformats.org/officeDocument/2006/relationships" xmlns:p="http://schemas.openxmlformats.org/presentationml/2006/main">
-  <p:cSld>
-    <p:spTree>
-      <p:nvGrpSpPr>
-        <p:cNvPr id="1" name=""/>
-        <p:cNvGrpSpPr/>
-        <p:nvPr/>
-      </p:nvGrpSpPr>
-      <p:grpSpPr>
-        <a:xfrm>
-          <a:off x="0" y="0"/>
-          <a:ext cx="0" cy="0"/>
-          <a:chOff x="0" y="0"/>
-          <a:chExt cx="0" cy="0"/>
-        </a:xfrm>
-      </p:grpSpPr>
-      <p:sp>
-        <p:nvSpPr>
-          <p:cNvPr id="53" name="正方形/長方形 52">
-            <a:extLst>
-              <a:ext uri="{FF2B5EF4-FFF2-40B4-BE49-F238E27FC236}">
-                <a16:creationId xmlns:a16="http://schemas.microsoft.com/office/drawing/2014/main" id="{1BB65589-6A01-427B-B106-6EB3D8143AC1}"/>
-              </a:ext>
-            </a:extLst>
-          </p:cNvPr>
-          <p:cNvSpPr/>
-          <p:nvPr/>
-        </p:nvSpPr>
-        <p:spPr>
-          <a:xfrm>
-            <a:off x="6023945" y="2502716"/>
-            <a:ext cx="951728" cy="3350539"/>
-          </a:xfrm>
-          <a:prstGeom prst="rect">
-            <a:avLst/>
-          </a:prstGeom>
-          <a:noFill/>
-          <a:ln w="28575">
-            <a:solidFill>
-              <a:srgbClr val="00B050"/>
-            </a:solidFill>
-          </a:ln>
-        </p:spPr>
-        <p:style>
-          <a:lnRef idx="2">
-            <a:schemeClr val="accent1">
-              <a:shade val="50000"/>
-            </a:schemeClr>
-          </a:lnRef>
-          <a:fillRef idx="1">
-            <a:schemeClr val="accent1"/>
-          </a:fillRef>
-          <a:effectRef idx="0">
-            <a:schemeClr val="accent1"/>
-          </a:effectRef>
-          <a:fontRef idx="minor">
-            <a:schemeClr val="lt1"/>
-          </a:fontRef>
-        </p:style>
-        <p:txBody>
-          <a:bodyPr rtlCol="0" anchor="ctr"/>
-          <a:lstStyle/>
-          <a:p>
-            <a:pPr algn="ctr"/>
-            <a:endParaRPr kumimoji="1" lang="ja-JP" altLang="en-US"/>
-          </a:p>
-        </p:txBody>
-      </p:sp>
       <p:pic>
         <p:nvPicPr>
-          <p:cNvPr id="2" name="図 1">
-            <a:extLst>
-              <a:ext uri="{FF2B5EF4-FFF2-40B4-BE49-F238E27FC236}">
-                <a16:creationId xmlns:a16="http://schemas.microsoft.com/office/drawing/2014/main" id="{7EB79F28-1537-43D5-BF2B-5153C2441494}"/>
+          <p:cNvPr id="5" name="図 4">
+            <a:extLst>
+              <a:ext uri="{FF2B5EF4-FFF2-40B4-BE49-F238E27FC236}">
+                <a16:creationId xmlns:a16="http://schemas.microsoft.com/office/drawing/2014/main" id="{F8CA9DD5-21CA-4532-847E-DBB1362905A1}"/>
               </a:ext>
             </a:extLst>
           </p:cNvPr>
@@ -3828,295 +3636,20 @@
         </p:blipFill>
         <p:spPr>
           <a:xfrm>
-            <a:off x="5022252" y="1200804"/>
-            <a:ext cx="484499" cy="484499"/>
+            <a:off x="3171874" y="1529961"/>
+            <a:ext cx="858319" cy="858319"/>
           </a:xfrm>
           <a:prstGeom prst="rect">
             <a:avLst/>
           </a:prstGeom>
         </p:spPr>
       </p:pic>
-      <p:sp>
-        <p:nvSpPr>
-          <p:cNvPr id="3" name="四角形: 角を丸くする 2">
-            <a:extLst>
-              <a:ext uri="{FF2B5EF4-FFF2-40B4-BE49-F238E27FC236}">
-                <a16:creationId xmlns:a16="http://schemas.microsoft.com/office/drawing/2014/main" id="{6EC2D3F7-75D5-4416-8BDD-C7488BDA6E7D}"/>
-              </a:ext>
-            </a:extLst>
-          </p:cNvPr>
-          <p:cNvSpPr/>
-          <p:nvPr/>
-        </p:nvSpPr>
-        <p:spPr bwMode="auto">
-          <a:xfrm>
-            <a:off x="4933576" y="1227573"/>
-            <a:ext cx="5795041" cy="4220504"/>
-          </a:xfrm>
-          <a:prstGeom prst="roundRect">
-            <a:avLst>
-              <a:gd name="adj" fmla="val 3326"/>
-            </a:avLst>
-          </a:prstGeom>
-          <a:noFill/>
-          <a:ln>
-            <a:solidFill>
-              <a:schemeClr val="accent1"/>
-            </a:solidFill>
-            <a:headEnd type="none" w="med" len="med"/>
-            <a:tailEnd type="none" w="med" len="med"/>
-          </a:ln>
-        </p:spPr>
-        <p:style>
-          <a:lnRef idx="1">
-            <a:schemeClr val="accent2"/>
-          </a:lnRef>
-          <a:fillRef idx="2">
-            <a:schemeClr val="accent2"/>
-          </a:fillRef>
-          <a:effectRef idx="1">
-            <a:schemeClr val="accent2"/>
-          </a:effectRef>
-          <a:fontRef idx="minor">
-            <a:schemeClr val="dk1"/>
-          </a:fontRef>
-        </p:style>
-        <p:txBody>
-          <a:bodyPr rot="0" spcFirstLastPara="0" vertOverflow="overflow" horzOverflow="overflow" vert="horz" wrap="square" lIns="182880" tIns="146304" rIns="182880" bIns="146304" numCol="1" spcCol="0" rtlCol="0" fromWordArt="0" anchor="ctr" anchorCtr="0" forceAA="0" compatLnSpc="1">
-            <a:prstTxWarp prst="textNoShape">
-              <a:avLst/>
-            </a:prstTxWarp>
-            <a:noAutofit/>
-          </a:bodyPr>
-          <a:lstStyle/>
-          <a:p>
-            <a:pPr algn="ctr" defTabSz="932472" fontAlgn="base">
-              <a:lnSpc>
-                <a:spcPct val="90000"/>
-              </a:lnSpc>
-              <a:spcBef>
-                <a:spcPct val="0"/>
-              </a:spcBef>
-              <a:spcAft>
-                <a:spcPct val="0"/>
-              </a:spcAft>
-            </a:pPr>
-            <a:endParaRPr kumimoji="1" lang="ja-JP" altLang="en-US" sz="1400" dirty="0">
-              <a:solidFill>
-                <a:schemeClr val="tx2"/>
-              </a:solidFill>
-              <a:cs typeface="Segoe UI" pitchFamily="34" charset="0"/>
-            </a:endParaRPr>
-          </a:p>
-        </p:txBody>
-      </p:sp>
-      <p:sp>
-        <p:nvSpPr>
-          <p:cNvPr id="4" name="テキスト ボックス 3">
-            <a:extLst>
-              <a:ext uri="{FF2B5EF4-FFF2-40B4-BE49-F238E27FC236}">
-                <a16:creationId xmlns:a16="http://schemas.microsoft.com/office/drawing/2014/main" id="{690ECDA0-D232-4B14-BB80-44D6790C4412}"/>
-              </a:ext>
-            </a:extLst>
-          </p:cNvPr>
-          <p:cNvSpPr txBox="1"/>
-          <p:nvPr/>
-        </p:nvSpPr>
-        <p:spPr>
-          <a:xfrm>
-            <a:off x="5477337" y="1217286"/>
-            <a:ext cx="2215991" cy="547458"/>
-          </a:xfrm>
-          <a:prstGeom prst="rect">
-            <a:avLst/>
-          </a:prstGeom>
-          <a:noFill/>
-        </p:spPr>
-        <p:txBody>
-          <a:bodyPr wrap="none" lIns="182880" tIns="146304" rIns="182880" bIns="146304" rtlCol="0">
-            <a:spAutoFit/>
-          </a:bodyPr>
-          <a:lstStyle/>
-          <a:p>
-            <a:pPr>
-              <a:lnSpc>
-                <a:spcPct val="90000"/>
-              </a:lnSpc>
-              <a:spcAft>
-                <a:spcPts val="600"/>
-              </a:spcAft>
-            </a:pPr>
-            <a:r>
-              <a:rPr kumimoji="1" lang="ja-JP" altLang="en-US" dirty="0">
-                <a:gradFill>
-                  <a:gsLst>
-                    <a:gs pos="2917">
-                      <a:schemeClr val="tx1"/>
-                    </a:gs>
-                    <a:gs pos="30000">
-                      <a:schemeClr val="tx1"/>
-                    </a:gs>
-                  </a:gsLst>
-                  <a:lin ang="5400000" scaled="0"/>
-                </a:gradFill>
-              </a:rPr>
-              <a:t>仮想ネットワーク</a:t>
-            </a:r>
-          </a:p>
-        </p:txBody>
-      </p:sp>
-      <p:sp>
-        <p:nvSpPr>
-          <p:cNvPr id="5" name="四角形: 角を丸くする 4">
-            <a:extLst>
-              <a:ext uri="{FF2B5EF4-FFF2-40B4-BE49-F238E27FC236}">
-                <a16:creationId xmlns:a16="http://schemas.microsoft.com/office/drawing/2014/main" id="{8E1E4BCA-28FE-4DF3-AF5E-D7A08218FA38}"/>
-              </a:ext>
-            </a:extLst>
-          </p:cNvPr>
-          <p:cNvSpPr/>
-          <p:nvPr/>
-        </p:nvSpPr>
-        <p:spPr bwMode="auto">
-          <a:xfrm>
-            <a:off x="5096739" y="1883411"/>
-            <a:ext cx="2727350" cy="3400403"/>
-          </a:xfrm>
-          <a:prstGeom prst="roundRect">
-            <a:avLst>
-              <a:gd name="adj" fmla="val 5748"/>
-            </a:avLst>
-          </a:prstGeom>
-          <a:noFill/>
-          <a:ln>
-            <a:solidFill>
-              <a:schemeClr val="accent1"/>
-            </a:solidFill>
-            <a:prstDash val="dash"/>
-            <a:headEnd type="none" w="med" len="med"/>
-            <a:tailEnd type="none" w="med" len="med"/>
-          </a:ln>
-        </p:spPr>
-        <p:style>
-          <a:lnRef idx="1">
-            <a:schemeClr val="accent2"/>
-          </a:lnRef>
-          <a:fillRef idx="2">
-            <a:schemeClr val="accent2"/>
-          </a:fillRef>
-          <a:effectRef idx="1">
-            <a:schemeClr val="accent2"/>
-          </a:effectRef>
-          <a:fontRef idx="minor">
-            <a:schemeClr val="dk1"/>
-          </a:fontRef>
-        </p:style>
-        <p:txBody>
-          <a:bodyPr rot="0" spcFirstLastPara="0" vertOverflow="overflow" horzOverflow="overflow" vert="horz" wrap="square" lIns="182880" tIns="146304" rIns="182880" bIns="146304" numCol="1" spcCol="0" rtlCol="0" fromWordArt="0" anchor="ctr" anchorCtr="0" forceAA="0" compatLnSpc="1">
-            <a:prstTxWarp prst="textNoShape">
-              <a:avLst/>
-            </a:prstTxWarp>
-            <a:noAutofit/>
-          </a:bodyPr>
-          <a:lstStyle/>
-          <a:p>
-            <a:pPr algn="ctr" defTabSz="932472" fontAlgn="base">
-              <a:lnSpc>
-                <a:spcPct val="90000"/>
-              </a:lnSpc>
-              <a:spcBef>
-                <a:spcPct val="0"/>
-              </a:spcBef>
-              <a:spcAft>
-                <a:spcPct val="0"/>
-              </a:spcAft>
-            </a:pPr>
-            <a:endParaRPr kumimoji="1" lang="ja-JP" altLang="en-US" sz="1400" dirty="0">
-              <a:solidFill>
-                <a:schemeClr val="tx2"/>
-              </a:solidFill>
-              <a:cs typeface="Segoe UI" pitchFamily="34" charset="0"/>
-            </a:endParaRPr>
-          </a:p>
-        </p:txBody>
-      </p:sp>
-      <p:sp>
-        <p:nvSpPr>
-          <p:cNvPr id="6" name="テキスト ボックス 5">
-            <a:extLst>
-              <a:ext uri="{FF2B5EF4-FFF2-40B4-BE49-F238E27FC236}">
-                <a16:creationId xmlns:a16="http://schemas.microsoft.com/office/drawing/2014/main" id="{737B899B-5A69-424A-9897-5C1922A1818A}"/>
-              </a:ext>
-            </a:extLst>
-          </p:cNvPr>
-          <p:cNvSpPr txBox="1"/>
-          <p:nvPr/>
-        </p:nvSpPr>
-        <p:spPr>
-          <a:xfrm>
-            <a:off x="5185864" y="1837353"/>
-            <a:ext cx="1387239" cy="491481"/>
-          </a:xfrm>
-          <a:prstGeom prst="rect">
-            <a:avLst/>
-          </a:prstGeom>
-          <a:noFill/>
-        </p:spPr>
-        <p:txBody>
-          <a:bodyPr wrap="none" lIns="182880" tIns="146304" rIns="182880" bIns="146304" rtlCol="0">
-            <a:spAutoFit/>
-          </a:bodyPr>
-          <a:lstStyle/>
-          <a:p>
-            <a:pPr>
-              <a:lnSpc>
-                <a:spcPct val="90000"/>
-              </a:lnSpc>
-              <a:spcAft>
-                <a:spcPts val="600"/>
-              </a:spcAft>
-            </a:pPr>
-            <a:r>
-              <a:rPr lang="en-US" altLang="ja-JP" sz="1400" dirty="0">
-                <a:gradFill>
-                  <a:gsLst>
-                    <a:gs pos="2917">
-                      <a:schemeClr val="tx1"/>
-                    </a:gs>
-                    <a:gs pos="30000">
-                      <a:schemeClr val="tx1"/>
-                    </a:gs>
-                  </a:gsLst>
-                  <a:lin ang="5400000" scaled="0"/>
-                </a:gradFill>
-              </a:rPr>
-              <a:t>Web-s</a:t>
-            </a:r>
-            <a:r>
-              <a:rPr kumimoji="1" lang="en-US" altLang="ja-JP" sz="1400" dirty="0">
-                <a:gradFill>
-                  <a:gsLst>
-                    <a:gs pos="2917">
-                      <a:schemeClr val="tx1"/>
-                    </a:gs>
-                    <a:gs pos="30000">
-                      <a:schemeClr val="tx1"/>
-                    </a:gs>
-                  </a:gsLst>
-                  <a:lin ang="5400000" scaled="0"/>
-                </a:gradFill>
-              </a:rPr>
-              <a:t>ubnet</a:t>
-            </a:r>
-          </a:p>
-        </p:txBody>
-      </p:sp>
       <p:pic>
         <p:nvPicPr>
-          <p:cNvPr id="8" name="図 7" descr="電子機器, ディスプレイ が含まれている画像&#10;&#10;非常に高い精度で生成された説明">
-            <a:extLst>
-              <a:ext uri="{FF2B5EF4-FFF2-40B4-BE49-F238E27FC236}">
-                <a16:creationId xmlns:a16="http://schemas.microsoft.com/office/drawing/2014/main" id="{A8B55A96-3080-45D0-8B46-E10389C13FBF}"/>
+          <p:cNvPr id="6" name="図 5">
+            <a:extLst>
+              <a:ext uri="{FF2B5EF4-FFF2-40B4-BE49-F238E27FC236}">
+                <a16:creationId xmlns:a16="http://schemas.microsoft.com/office/drawing/2014/main" id="{CAC03DD8-A0A2-4490-A85A-1FB3720E8DEA}"/>
               </a:ext>
             </a:extLst>
           </p:cNvPr>
@@ -4133,98 +3666,8 @@
         </p:blipFill>
         <p:spPr>
           <a:xfrm>
-            <a:off x="6189711" y="2714028"/>
-            <a:ext cx="644868" cy="644868"/>
-          </a:xfrm>
-          <a:prstGeom prst="rect">
-            <a:avLst/>
-          </a:prstGeom>
-        </p:spPr>
-      </p:pic>
-      <p:pic>
-        <p:nvPicPr>
-          <p:cNvPr id="9" name="図 8">
-            <a:extLst>
-              <a:ext uri="{FF2B5EF4-FFF2-40B4-BE49-F238E27FC236}">
-                <a16:creationId xmlns:a16="http://schemas.microsoft.com/office/drawing/2014/main" id="{FA996670-36DF-4A3D-8BE5-138A6F5065BB}"/>
-              </a:ext>
-            </a:extLst>
-          </p:cNvPr>
-          <p:cNvPicPr>
-            <a:picLocks noChangeAspect="1"/>
-          </p:cNvPicPr>
-          <p:nvPr/>
-        </p:nvPicPr>
-        <p:blipFill>
-          <a:blip r:embed="rId4"/>
-          <a:stretch>
-            <a:fillRect/>
-          </a:stretch>
-        </p:blipFill>
-        <p:spPr>
-          <a:xfrm>
-            <a:off x="4145163" y="3534310"/>
-            <a:ext cx="709355" cy="709355"/>
-          </a:xfrm>
-          <a:prstGeom prst="rect">
-            <a:avLst/>
-          </a:prstGeom>
-        </p:spPr>
-      </p:pic>
-      <p:pic>
-        <p:nvPicPr>
-          <p:cNvPr id="10" name="図 9">
-            <a:extLst>
-              <a:ext uri="{FF2B5EF4-FFF2-40B4-BE49-F238E27FC236}">
-                <a16:creationId xmlns:a16="http://schemas.microsoft.com/office/drawing/2014/main" id="{AE83678E-ED61-4B90-80DC-C678F6A50705}"/>
-              </a:ext>
-            </a:extLst>
-          </p:cNvPr>
-          <p:cNvPicPr>
-            <a:picLocks noChangeAspect="1"/>
-          </p:cNvPicPr>
-          <p:nvPr/>
-        </p:nvPicPr>
-        <p:blipFill>
-          <a:blip r:embed="rId5"/>
-          <a:stretch>
-            <a:fillRect/>
-          </a:stretch>
-        </p:blipFill>
-        <p:spPr>
-          <a:xfrm>
-            <a:off x="3163999" y="3369704"/>
-            <a:ext cx="1038566" cy="1038566"/>
-          </a:xfrm>
-          <a:prstGeom prst="rect">
-            <a:avLst/>
-          </a:prstGeom>
-        </p:spPr>
-      </p:pic>
-      <p:pic>
-        <p:nvPicPr>
-          <p:cNvPr id="13" name="図 12" descr="電子機器, ディスプレイ が含まれている画像&#10;&#10;非常に高い精度で生成された説明">
-            <a:extLst>
-              <a:ext uri="{FF2B5EF4-FFF2-40B4-BE49-F238E27FC236}">
-                <a16:creationId xmlns:a16="http://schemas.microsoft.com/office/drawing/2014/main" id="{AE4ADD9A-9CAB-45F6-BBE6-8BBB7CD1D9EC}"/>
-              </a:ext>
-            </a:extLst>
-          </p:cNvPr>
-          <p:cNvPicPr>
-            <a:picLocks noChangeAspect="1"/>
-          </p:cNvPicPr>
-          <p:nvPr/>
-        </p:nvPicPr>
-        <p:blipFill>
-          <a:blip r:embed="rId3"/>
-          <a:stretch>
-            <a:fillRect/>
-          </a:stretch>
-        </p:blipFill>
-        <p:spPr>
-          <a:xfrm>
-            <a:off x="6189711" y="4275510"/>
-            <a:ext cx="644868" cy="644868"/>
+            <a:off x="5336454" y="1529961"/>
+            <a:ext cx="858319" cy="858319"/>
           </a:xfrm>
           <a:prstGeom prst="rect">
             <a:avLst/>
@@ -4233,29 +3676,34 @@
       </p:pic>
       <p:cxnSp>
         <p:nvCxnSpPr>
-          <p:cNvPr id="15" name="コネクタ: カギ線 14">
-            <a:extLst>
-              <a:ext uri="{FF2B5EF4-FFF2-40B4-BE49-F238E27FC236}">
-                <a16:creationId xmlns:a16="http://schemas.microsoft.com/office/drawing/2014/main" id="{E9AB97E2-AEA0-4BFD-8B8F-3B6B398C397A}"/>
+          <p:cNvPr id="7" name="直線矢印コネクタ 6">
+            <a:extLst>
+              <a:ext uri="{FF2B5EF4-FFF2-40B4-BE49-F238E27FC236}">
+                <a16:creationId xmlns:a16="http://schemas.microsoft.com/office/drawing/2014/main" id="{0921FC8A-AA04-4F28-AB10-92AED829013B}"/>
               </a:ext>
             </a:extLst>
           </p:cNvPr>
           <p:cNvCxnSpPr>
-            <a:stCxn id="9" idx="0"/>
-            <a:endCxn id="8" idx="1"/>
+            <a:cxnSpLocks/>
+            <a:stCxn id="5" idx="3"/>
+            <a:endCxn id="6" idx="1"/>
           </p:cNvCxnSpPr>
           <p:nvPr/>
         </p:nvCxnSpPr>
         <p:spPr>
-          <a:xfrm rot="5400000" flipH="1" flipV="1">
-            <a:off x="5095852" y="2440451"/>
-            <a:ext cx="497848" cy="1689870"/>
+          <a:xfrm>
+            <a:off x="4030193" y="1959121"/>
+            <a:ext cx="1306261" cy="0"/>
           </a:xfrm>
-          <a:prstGeom prst="bentConnector2">
+          <a:prstGeom prst="straightConnector1">
             <a:avLst/>
           </a:prstGeom>
-          <a:ln>
-            <a:tailEnd type="triangle"/>
+          <a:ln w="38100">
+            <a:solidFill>
+              <a:schemeClr val="accent1"/>
+            </a:solidFill>
+            <a:headEnd type="none" w="med" len="med"/>
+            <a:tailEnd type="arrow" w="med" len="med"/>
           </a:ln>
         </p:spPr>
         <p:style>
@@ -4273,55 +3721,12 @@
           </a:fontRef>
         </p:style>
       </p:cxnSp>
-      <p:cxnSp>
-        <p:nvCxnSpPr>
-          <p:cNvPr id="16" name="コネクタ: カギ線 15">
-            <a:extLst>
-              <a:ext uri="{FF2B5EF4-FFF2-40B4-BE49-F238E27FC236}">
-                <a16:creationId xmlns:a16="http://schemas.microsoft.com/office/drawing/2014/main" id="{07B26D7F-267E-4D9A-8457-157436A8EAAA}"/>
-              </a:ext>
-            </a:extLst>
-          </p:cNvPr>
-          <p:cNvCxnSpPr>
-            <a:cxnSpLocks/>
-            <a:stCxn id="9" idx="2"/>
-            <a:endCxn id="13" idx="1"/>
-          </p:cNvCxnSpPr>
-          <p:nvPr/>
-        </p:nvCxnSpPr>
-        <p:spPr>
-          <a:xfrm rot="16200000" flipH="1">
-            <a:off x="5167637" y="3575869"/>
-            <a:ext cx="354279" cy="1689870"/>
-          </a:xfrm>
-          <a:prstGeom prst="bentConnector2">
-            <a:avLst/>
-          </a:prstGeom>
-          <a:ln>
-            <a:tailEnd type="triangle"/>
-          </a:ln>
-        </p:spPr>
-        <p:style>
-          <a:lnRef idx="1">
-            <a:schemeClr val="accent1"/>
-          </a:lnRef>
-          <a:fillRef idx="0">
-            <a:schemeClr val="accent1"/>
-          </a:fillRef>
-          <a:effectRef idx="0">
-            <a:schemeClr val="accent1"/>
-          </a:effectRef>
-          <a:fontRef idx="minor">
-            <a:schemeClr val="tx1"/>
-          </a:fontRef>
-        </p:style>
-      </p:cxnSp>
-      <p:sp>
-        <p:nvSpPr>
-          <p:cNvPr id="31" name="テキスト ボックス 30">
-            <a:extLst>
-              <a:ext uri="{FF2B5EF4-FFF2-40B4-BE49-F238E27FC236}">
-                <a16:creationId xmlns:a16="http://schemas.microsoft.com/office/drawing/2014/main" id="{1DA7C68C-10F9-4D27-9B95-20B0B02B2233}"/>
+      <p:sp>
+        <p:nvSpPr>
+          <p:cNvPr id="8" name="テキスト ボックス 7">
+            <a:extLst>
+              <a:ext uri="{FF2B5EF4-FFF2-40B4-BE49-F238E27FC236}">
+                <a16:creationId xmlns:a16="http://schemas.microsoft.com/office/drawing/2014/main" id="{06C64BA6-7282-4A9D-99F8-33C90FA763B9}"/>
               </a:ext>
             </a:extLst>
           </p:cNvPr>
@@ -4330,8 +3735,8 @@
         </p:nvSpPr>
         <p:spPr>
           <a:xfrm>
-            <a:off x="2468949" y="3008304"/>
-            <a:ext cx="1831271" cy="762325"/>
+            <a:off x="4899671" y="2388280"/>
+            <a:ext cx="1731884" cy="519501"/>
           </a:xfrm>
           <a:prstGeom prst="rect">
             <a:avLst/>
@@ -4353,7 +3758,7 @@
               </a:spcAft>
             </a:pPr>
             <a:r>
-              <a:rPr lang="en-US" altLang="ja-JP" sz="1400" dirty="0">
+              <a:rPr kumimoji="1" lang="en-US" altLang="ja-JP" sz="1600" dirty="0">
                 <a:gradFill>
                   <a:gsLst>
                     <a:gs pos="2917">
@@ -4366,188 +3771,10 @@
                   <a:lin ang="5400000" scaled="0"/>
                 </a:gradFill>
               </a:rPr>
-              <a:t>Public IP </a:t>
-            </a:r>
-            <a:r>
-              <a:rPr kumimoji="1" lang="en-US" altLang="ja-JP" sz="1400" dirty="0">
-                <a:gradFill>
-                  <a:gsLst>
-                    <a:gs pos="2917">
-                      <a:schemeClr val="tx1"/>
-                    </a:gs>
-                    <a:gs pos="30000">
-                      <a:schemeClr val="tx1"/>
-                    </a:gs>
-                  </a:gsLst>
-                  <a:lin ang="5400000" scaled="0"/>
-                </a:gradFill>
-              </a:rPr>
-              <a:t>Address</a:t>
-            </a:r>
-          </a:p>
-          <a:p>
-            <a:pPr>
-              <a:lnSpc>
-                <a:spcPct val="90000"/>
-              </a:lnSpc>
-              <a:spcAft>
-                <a:spcPts val="600"/>
-              </a:spcAft>
-            </a:pPr>
-            <a:r>
-              <a:rPr kumimoji="1" lang="en-US" altLang="ja-JP" sz="1400" dirty="0">
-                <a:gradFill>
-                  <a:gsLst>
-                    <a:gs pos="2917">
-                      <a:schemeClr val="tx1"/>
-                    </a:gs>
-                    <a:gs pos="30000">
-                      <a:schemeClr val="tx1"/>
-                    </a:gs>
-                  </a:gsLst>
-                  <a:lin ang="5400000" scaled="0"/>
-                </a:gradFill>
-              </a:rPr>
-              <a:t>+ FQDN</a:t>
-            </a:r>
-          </a:p>
-        </p:txBody>
-      </p:sp>
-      <p:sp>
-        <p:nvSpPr>
-          <p:cNvPr id="32" name="テキスト ボックス 31">
-            <a:extLst>
-              <a:ext uri="{FF2B5EF4-FFF2-40B4-BE49-F238E27FC236}">
-                <a16:creationId xmlns:a16="http://schemas.microsoft.com/office/drawing/2014/main" id="{CA55CA0C-2975-4D74-AA8C-6E0EDEB1A4B0}"/>
-              </a:ext>
-            </a:extLst>
-          </p:cNvPr>
-          <p:cNvSpPr txBox="1"/>
-          <p:nvPr/>
-        </p:nvSpPr>
-        <p:spPr>
-          <a:xfrm>
-            <a:off x="3529633" y="4157761"/>
-            <a:ext cx="1568378" cy="762325"/>
-          </a:xfrm>
-          <a:prstGeom prst="rect">
-            <a:avLst/>
-          </a:prstGeom>
-          <a:noFill/>
-        </p:spPr>
-        <p:txBody>
-          <a:bodyPr wrap="none" lIns="182880" tIns="146304" rIns="182880" bIns="146304" rtlCol="0">
-            <a:spAutoFit/>
-          </a:bodyPr>
-          <a:lstStyle/>
-          <a:p>
-            <a:pPr>
-              <a:lnSpc>
-                <a:spcPct val="90000"/>
-              </a:lnSpc>
-              <a:spcAft>
-                <a:spcPts val="600"/>
-              </a:spcAft>
-            </a:pPr>
-            <a:r>
-              <a:rPr lang="en-US" altLang="ja-JP" sz="1400" dirty="0">
-                <a:gradFill>
-                  <a:gsLst>
-                    <a:gs pos="2917">
-                      <a:schemeClr val="tx1"/>
-                    </a:gs>
-                    <a:gs pos="30000">
-                      <a:schemeClr val="tx1"/>
-                    </a:gs>
-                  </a:gsLst>
-                  <a:lin ang="5400000" scaled="0"/>
-                </a:gradFill>
-              </a:rPr>
-              <a:t>External</a:t>
-            </a:r>
-          </a:p>
-          <a:p>
-            <a:pPr>
-              <a:lnSpc>
-                <a:spcPct val="90000"/>
-              </a:lnSpc>
-              <a:spcAft>
-                <a:spcPts val="600"/>
-              </a:spcAft>
-            </a:pPr>
-            <a:r>
-              <a:rPr lang="en-US" altLang="ja-JP" sz="1400" dirty="0">
-                <a:gradFill>
-                  <a:gsLst>
-                    <a:gs pos="2917">
-                      <a:schemeClr val="tx1"/>
-                    </a:gs>
-                    <a:gs pos="30000">
-                      <a:schemeClr val="tx1"/>
-                    </a:gs>
-                  </a:gsLst>
-                  <a:lin ang="5400000" scaled="0"/>
-                </a:gradFill>
-              </a:rPr>
-              <a:t>Load Balancer</a:t>
-            </a:r>
-          </a:p>
-        </p:txBody>
-      </p:sp>
-      <p:sp>
-        <p:nvSpPr>
-          <p:cNvPr id="33" name="テキスト ボックス 32">
-            <a:extLst>
-              <a:ext uri="{FF2B5EF4-FFF2-40B4-BE49-F238E27FC236}">
-                <a16:creationId xmlns:a16="http://schemas.microsoft.com/office/drawing/2014/main" id="{0133CEC3-7849-46ED-BC8C-78491B68B21A}"/>
-              </a:ext>
-            </a:extLst>
-          </p:cNvPr>
-          <p:cNvSpPr txBox="1"/>
-          <p:nvPr/>
-        </p:nvSpPr>
-        <p:spPr>
-          <a:xfrm>
-            <a:off x="5221657" y="3374339"/>
-            <a:ext cx="2727350" cy="491481"/>
-          </a:xfrm>
-          <a:prstGeom prst="rect">
-            <a:avLst/>
-          </a:prstGeom>
-          <a:noFill/>
-        </p:spPr>
-        <p:txBody>
-          <a:bodyPr wrap="none" lIns="182880" tIns="146304" rIns="182880" bIns="146304" rtlCol="0">
-            <a:spAutoFit/>
-          </a:bodyPr>
-          <a:lstStyle/>
-          <a:p>
-            <a:pPr>
-              <a:lnSpc>
-                <a:spcPct val="90000"/>
-              </a:lnSpc>
-              <a:spcAft>
-                <a:spcPts val="600"/>
-              </a:spcAft>
-            </a:pPr>
-            <a:r>
-              <a:rPr lang="en-US" altLang="ja-JP" sz="1400" dirty="0">
-                <a:gradFill>
-                  <a:gsLst>
-                    <a:gs pos="2917">
-                      <a:schemeClr val="tx1"/>
-                    </a:gs>
-                    <a:gs pos="30000">
-                      <a:schemeClr val="tx1"/>
-                    </a:gs>
-                  </a:gsLst>
-                  <a:lin ang="5400000" scaled="0"/>
-                </a:gradFill>
-              </a:rPr>
-              <a:t>Windows VM</a:t>
-            </a:r>
-            <a:r>
-              <a:rPr lang="ja-JP" altLang="en-US" sz="1400" dirty="0">
+              <a:t>SQL</a:t>
+            </a:r>
+            <a:r>
+              <a:rPr kumimoji="1" lang="ja-JP" altLang="en-US" sz="1600" dirty="0">
                 <a:gradFill>
                   <a:gsLst>
                     <a:gs pos="2917">
@@ -4563,7 +3790,7 @@
               <a:t> </a:t>
             </a:r>
             <a:r>
-              <a:rPr lang="en-US" altLang="ja-JP" sz="1400" dirty="0">
+              <a:rPr kumimoji="1" lang="en-US" altLang="ja-JP" sz="1600" dirty="0">
                 <a:gradFill>
                   <a:gsLst>
                     <a:gs pos="2917">
@@ -4576,17 +3803,30 @@
                   <a:lin ang="5400000" scaled="0"/>
                 </a:gradFill>
               </a:rPr>
-              <a:t>(demo-web01)</a:t>
-            </a:r>
-          </a:p>
-        </p:txBody>
-      </p:sp>
-      <p:sp>
-        <p:nvSpPr>
-          <p:cNvPr id="34" name="テキスト ボックス 33">
-            <a:extLst>
-              <a:ext uri="{FF2B5EF4-FFF2-40B4-BE49-F238E27FC236}">
-                <a16:creationId xmlns:a16="http://schemas.microsoft.com/office/drawing/2014/main" id="{F13CF33E-ECB5-421E-9FE5-97E3DE8CDCF7}"/>
+              <a:t>Database</a:t>
+            </a:r>
+            <a:endParaRPr kumimoji="1" lang="ja-JP" altLang="en-US" sz="1600" dirty="0" err="1">
+              <a:gradFill>
+                <a:gsLst>
+                  <a:gs pos="2917">
+                    <a:schemeClr val="tx1"/>
+                  </a:gs>
+                  <a:gs pos="30000">
+                    <a:schemeClr val="tx1"/>
+                  </a:gs>
+                </a:gsLst>
+                <a:lin ang="5400000" scaled="0"/>
+              </a:gradFill>
+            </a:endParaRPr>
+          </a:p>
+        </p:txBody>
+      </p:sp>
+      <p:sp>
+        <p:nvSpPr>
+          <p:cNvPr id="9" name="テキスト ボックス 8">
+            <a:extLst>
+              <a:ext uri="{FF2B5EF4-FFF2-40B4-BE49-F238E27FC236}">
+                <a16:creationId xmlns:a16="http://schemas.microsoft.com/office/drawing/2014/main" id="{6D2CC20E-3FA9-4A4F-B690-628E23D4506D}"/>
               </a:ext>
             </a:extLst>
           </p:cNvPr>
@@ -4595,8 +3835,8 @@
         </p:nvSpPr>
         <p:spPr>
           <a:xfrm>
-            <a:off x="5440887" y="4899985"/>
-            <a:ext cx="2424382" cy="491481"/>
+            <a:off x="2989968" y="2388279"/>
+            <a:ext cx="1222129" cy="519501"/>
           </a:xfrm>
           <a:prstGeom prst="rect">
             <a:avLst/>
@@ -4604,12 +3844,12 @@
           <a:noFill/>
         </p:spPr>
         <p:txBody>
-          <a:bodyPr wrap="square" lIns="182880" tIns="146304" rIns="182880" bIns="146304" rtlCol="0">
+          <a:bodyPr wrap="none" lIns="182880" tIns="146304" rIns="182880" bIns="146304" rtlCol="0">
             <a:spAutoFit/>
           </a:bodyPr>
           <a:lstStyle/>
           <a:p>
-            <a:pPr>
+            <a:pPr algn="ctr">
               <a:lnSpc>
                 <a:spcPct val="90000"/>
               </a:lnSpc>
@@ -4618,7 +3858,7 @@
               </a:spcAft>
             </a:pPr>
             <a:r>
-              <a:rPr lang="en-US" altLang="ja-JP" sz="1400" dirty="0">
+              <a:rPr kumimoji="1" lang="en-US" altLang="ja-JP" sz="1600" dirty="0">
                 <a:gradFill>
                   <a:gsLst>
                     <a:gs pos="2917">
@@ -4631,124 +3871,10 @@
                   <a:lin ang="5400000" scaled="0"/>
                 </a:gradFill>
               </a:rPr>
-              <a:t>Linux VM (demo-web02)</a:t>
-            </a:r>
-          </a:p>
-        </p:txBody>
-      </p:sp>
-      <p:sp>
-        <p:nvSpPr>
-          <p:cNvPr id="35" name="四角形: 角を丸くする 34">
-            <a:extLst>
-              <a:ext uri="{FF2B5EF4-FFF2-40B4-BE49-F238E27FC236}">
-                <a16:creationId xmlns:a16="http://schemas.microsoft.com/office/drawing/2014/main" id="{CCF4F96B-CD28-420B-8813-31D97E7C8F50}"/>
-              </a:ext>
-            </a:extLst>
-          </p:cNvPr>
-          <p:cNvSpPr/>
-          <p:nvPr/>
-        </p:nvSpPr>
-        <p:spPr bwMode="auto">
-          <a:xfrm>
-            <a:off x="8023710" y="1883410"/>
-            <a:ext cx="2547340" cy="3400404"/>
-          </a:xfrm>
-          <a:prstGeom prst="roundRect">
-            <a:avLst>
-              <a:gd name="adj" fmla="val 5748"/>
-            </a:avLst>
-          </a:prstGeom>
-          <a:noFill/>
-          <a:ln>
-            <a:solidFill>
-              <a:schemeClr val="accent1"/>
-            </a:solidFill>
-            <a:prstDash val="dash"/>
-            <a:headEnd type="none" w="med" len="med"/>
-            <a:tailEnd type="none" w="med" len="med"/>
-          </a:ln>
-        </p:spPr>
-        <p:style>
-          <a:lnRef idx="1">
-            <a:schemeClr val="accent2"/>
-          </a:lnRef>
-          <a:fillRef idx="2">
-            <a:schemeClr val="accent2"/>
-          </a:fillRef>
-          <a:effectRef idx="1">
-            <a:schemeClr val="accent2"/>
-          </a:effectRef>
-          <a:fontRef idx="minor">
-            <a:schemeClr val="dk1"/>
-          </a:fontRef>
-        </p:style>
-        <p:txBody>
-          <a:bodyPr rot="0" spcFirstLastPara="0" vertOverflow="overflow" horzOverflow="overflow" vert="horz" wrap="square" lIns="182880" tIns="146304" rIns="182880" bIns="146304" numCol="1" spcCol="0" rtlCol="0" fromWordArt="0" anchor="ctr" anchorCtr="0" forceAA="0" compatLnSpc="1">
-            <a:prstTxWarp prst="textNoShape">
-              <a:avLst/>
-            </a:prstTxWarp>
-            <a:noAutofit/>
-          </a:bodyPr>
-          <a:lstStyle/>
-          <a:p>
-            <a:pPr algn="ctr" defTabSz="932472" fontAlgn="base">
-              <a:lnSpc>
-                <a:spcPct val="90000"/>
-              </a:lnSpc>
-              <a:spcBef>
-                <a:spcPct val="0"/>
-              </a:spcBef>
-              <a:spcAft>
-                <a:spcPct val="0"/>
-              </a:spcAft>
-            </a:pPr>
-            <a:endParaRPr kumimoji="1" lang="ja-JP" altLang="en-US" sz="1400" dirty="0">
-              <a:solidFill>
-                <a:schemeClr val="tx2"/>
-              </a:solidFill>
-              <a:cs typeface="Segoe UI" pitchFamily="34" charset="0"/>
-            </a:endParaRPr>
-          </a:p>
-        </p:txBody>
-      </p:sp>
-      <p:sp>
-        <p:nvSpPr>
-          <p:cNvPr id="36" name="テキスト ボックス 35">
-            <a:extLst>
-              <a:ext uri="{FF2B5EF4-FFF2-40B4-BE49-F238E27FC236}">
-                <a16:creationId xmlns:a16="http://schemas.microsoft.com/office/drawing/2014/main" id="{C51DC0F9-BBA2-4492-9B41-5DD141A21F6E}"/>
-              </a:ext>
-            </a:extLst>
-          </p:cNvPr>
-          <p:cNvSpPr txBox="1"/>
-          <p:nvPr/>
-        </p:nvSpPr>
-        <p:spPr>
-          <a:xfrm>
-            <a:off x="8015176" y="1883410"/>
-            <a:ext cx="1223733" cy="491481"/>
-          </a:xfrm>
-          <a:prstGeom prst="rect">
-            <a:avLst/>
-          </a:prstGeom>
-          <a:noFill/>
-        </p:spPr>
-        <p:txBody>
-          <a:bodyPr wrap="none" lIns="182880" tIns="146304" rIns="182880" bIns="146304" rtlCol="0">
-            <a:spAutoFit/>
-          </a:bodyPr>
-          <a:lstStyle/>
-          <a:p>
-            <a:pPr>
-              <a:lnSpc>
-                <a:spcPct val="90000"/>
-              </a:lnSpc>
-              <a:spcAft>
-                <a:spcPts val="600"/>
-              </a:spcAft>
-            </a:pPr>
-            <a:r>
-              <a:rPr lang="en-US" altLang="ja-JP" sz="1400" dirty="0" err="1">
+              <a:t>Web</a:t>
+            </a:r>
+            <a:r>
+              <a:rPr kumimoji="1" lang="ja-JP" altLang="en-US" sz="1600" dirty="0">
                 <a:gradFill>
                   <a:gsLst>
                     <a:gs pos="2917">
@@ -4761,10 +3887,10 @@
                   <a:lin ang="5400000" scaled="0"/>
                 </a:gradFill>
               </a:rPr>
-              <a:t>db</a:t>
-            </a:r>
-            <a:r>
-              <a:rPr lang="en-US" altLang="ja-JP" sz="1400" dirty="0">
+              <a:t> </a:t>
+            </a:r>
+            <a:r>
+              <a:rPr kumimoji="1" lang="en-US" altLang="ja-JP" sz="1600" dirty="0">
                 <a:gradFill>
                   <a:gsLst>
                     <a:gs pos="2917">
@@ -4777,656 +3903,29 @@
                   <a:lin ang="5400000" scaled="0"/>
                 </a:gradFill>
               </a:rPr>
-              <a:t>-s</a:t>
-            </a:r>
-            <a:r>
-              <a:rPr kumimoji="1" lang="en-US" altLang="ja-JP" sz="1400" dirty="0">
-                <a:gradFill>
-                  <a:gsLst>
-                    <a:gs pos="2917">
-                      <a:schemeClr val="tx1"/>
-                    </a:gs>
-                    <a:gs pos="30000">
-                      <a:schemeClr val="tx1"/>
-                    </a:gs>
-                  </a:gsLst>
-                  <a:lin ang="5400000" scaled="0"/>
-                </a:gradFill>
-              </a:rPr>
-              <a:t>ubnet</a:t>
-            </a:r>
-          </a:p>
-        </p:txBody>
-      </p:sp>
-      <p:pic>
-        <p:nvPicPr>
-          <p:cNvPr id="38" name="図 37" descr="電子機器, ディスプレイ が含まれている画像&#10;&#10;非常に高い精度で生成された説明">
-            <a:extLst>
-              <a:ext uri="{FF2B5EF4-FFF2-40B4-BE49-F238E27FC236}">
-                <a16:creationId xmlns:a16="http://schemas.microsoft.com/office/drawing/2014/main" id="{C3B40D59-0CEC-4FD5-9DD8-2C8164231A9E}"/>
-              </a:ext>
-            </a:extLst>
-          </p:cNvPr>
-          <p:cNvPicPr>
-            <a:picLocks noChangeAspect="1"/>
-          </p:cNvPicPr>
-          <p:nvPr/>
-        </p:nvPicPr>
-        <p:blipFill>
-          <a:blip r:embed="rId3"/>
-          <a:stretch>
-            <a:fillRect/>
-          </a:stretch>
-        </p:blipFill>
-        <p:spPr>
-          <a:xfrm>
-            <a:off x="9378127" y="3266604"/>
-            <a:ext cx="644868" cy="644868"/>
-          </a:xfrm>
-          <a:prstGeom prst="rect">
-            <a:avLst/>
-          </a:prstGeom>
-        </p:spPr>
-      </p:pic>
-      <p:sp>
-        <p:nvSpPr>
-          <p:cNvPr id="44" name="テキスト ボックス 43">
-            <a:extLst>
-              <a:ext uri="{FF2B5EF4-FFF2-40B4-BE49-F238E27FC236}">
-                <a16:creationId xmlns:a16="http://schemas.microsoft.com/office/drawing/2014/main" id="{93378A73-1DAD-4E48-8D3B-2CD6AFCCD5C3}"/>
-              </a:ext>
-            </a:extLst>
-          </p:cNvPr>
-          <p:cNvSpPr txBox="1"/>
-          <p:nvPr/>
-        </p:nvSpPr>
-        <p:spPr>
-          <a:xfrm>
-            <a:off x="8855458" y="3809031"/>
-            <a:ext cx="1690206" cy="762325"/>
-          </a:xfrm>
-          <a:prstGeom prst="rect">
-            <a:avLst/>
-          </a:prstGeom>
-          <a:noFill/>
-        </p:spPr>
-        <p:txBody>
-          <a:bodyPr wrap="none" lIns="182880" tIns="146304" rIns="182880" bIns="146304" rtlCol="0">
-            <a:spAutoFit/>
-          </a:bodyPr>
-          <a:lstStyle/>
-          <a:p>
-            <a:pPr algn="ctr">
-              <a:lnSpc>
-                <a:spcPct val="90000"/>
-              </a:lnSpc>
-              <a:spcAft>
-                <a:spcPts val="600"/>
-              </a:spcAft>
-            </a:pPr>
-            <a:r>
-              <a:rPr lang="en-US" altLang="ja-JP" sz="1400" dirty="0">
-                <a:gradFill>
-                  <a:gsLst>
-                    <a:gs pos="2917">
-                      <a:schemeClr val="tx1"/>
-                    </a:gs>
-                    <a:gs pos="30000">
-                      <a:schemeClr val="tx1"/>
-                    </a:gs>
-                  </a:gsLst>
-                  <a:lin ang="5400000" scaled="0"/>
-                </a:gradFill>
-              </a:rPr>
-              <a:t> SQL Server VM</a:t>
-            </a:r>
-          </a:p>
-          <a:p>
-            <a:pPr algn="ctr">
-              <a:lnSpc>
-                <a:spcPct val="90000"/>
-              </a:lnSpc>
-              <a:spcAft>
-                <a:spcPts val="600"/>
-              </a:spcAft>
-            </a:pPr>
-            <a:r>
-              <a:rPr lang="en-US" altLang="ja-JP" sz="1400" dirty="0">
-                <a:gradFill>
-                  <a:gsLst>
-                    <a:gs pos="2917">
-                      <a:schemeClr val="tx1"/>
-                    </a:gs>
-                    <a:gs pos="30000">
-                      <a:schemeClr val="tx1"/>
-                    </a:gs>
-                  </a:gsLst>
-                  <a:lin ang="5400000" scaled="0"/>
-                </a:gradFill>
-              </a:rPr>
-              <a:t>(demo-db01)</a:t>
+              <a:t>App</a:t>
             </a:r>
           </a:p>
         </p:txBody>
       </p:sp>
       <p:cxnSp>
         <p:nvCxnSpPr>
-          <p:cNvPr id="46" name="直線矢印コネクタ 45">
-            <a:extLst>
-              <a:ext uri="{FF2B5EF4-FFF2-40B4-BE49-F238E27FC236}">
-                <a16:creationId xmlns:a16="http://schemas.microsoft.com/office/drawing/2014/main" id="{0919F16C-0103-4C36-B5D9-159964AD3D8E}"/>
+          <p:cNvPr id="10" name="直線矢印コネクタ 9">
+            <a:extLst>
+              <a:ext uri="{FF2B5EF4-FFF2-40B4-BE49-F238E27FC236}">
+                <a16:creationId xmlns:a16="http://schemas.microsoft.com/office/drawing/2014/main" id="{500DF1B6-2372-4679-8631-878D4B0207B9}"/>
               </a:ext>
             </a:extLst>
           </p:cNvPr>
           <p:cNvCxnSpPr>
-            <a:stCxn id="8" idx="3"/>
-            <a:endCxn id="38" idx="1"/>
-          </p:cNvCxnSpPr>
-          <p:nvPr/>
-        </p:nvCxnSpPr>
-        <p:spPr>
-          <a:xfrm>
-            <a:off x="6834579" y="3036462"/>
-            <a:ext cx="2543548" cy="552576"/>
-          </a:xfrm>
-          <a:prstGeom prst="straightConnector1">
-            <a:avLst/>
-          </a:prstGeom>
-          <a:ln>
-            <a:tailEnd type="triangle"/>
-          </a:ln>
-        </p:spPr>
-        <p:style>
-          <a:lnRef idx="1">
-            <a:schemeClr val="accent1"/>
-          </a:lnRef>
-          <a:fillRef idx="0">
-            <a:schemeClr val="accent1"/>
-          </a:fillRef>
-          <a:effectRef idx="0">
-            <a:schemeClr val="accent1"/>
-          </a:effectRef>
-          <a:fontRef idx="minor">
-            <a:schemeClr val="tx1"/>
-          </a:fontRef>
-        </p:style>
-      </p:cxnSp>
-      <p:pic>
-        <p:nvPicPr>
-          <p:cNvPr id="48" name="図 47">
-            <a:extLst>
-              <a:ext uri="{FF2B5EF4-FFF2-40B4-BE49-F238E27FC236}">
-                <a16:creationId xmlns:a16="http://schemas.microsoft.com/office/drawing/2014/main" id="{8CB53DDC-C157-4E05-9ADD-305B3F903C35}"/>
-              </a:ext>
-            </a:extLst>
-          </p:cNvPr>
-          <p:cNvPicPr>
-            <a:picLocks noChangeAspect="1"/>
-          </p:cNvPicPr>
-          <p:nvPr/>
-        </p:nvPicPr>
-        <p:blipFill>
-          <a:blip r:embed="rId6">
-            <a:extLst>
-              <a:ext uri="{28A0092B-C50C-407E-A947-70E740481C1C}">
-                <a14:useLocalDpi xmlns:a14="http://schemas.microsoft.com/office/drawing/2010/main" val="0"/>
-              </a:ext>
-            </a:extLst>
-          </a:blip>
-          <a:stretch>
-            <a:fillRect/>
-          </a:stretch>
-        </p:blipFill>
-        <p:spPr>
-          <a:xfrm>
-            <a:off x="6712393" y="5603787"/>
-            <a:ext cx="526559" cy="498845"/>
-          </a:xfrm>
-          <a:prstGeom prst="rect">
-            <a:avLst/>
-          </a:prstGeom>
-        </p:spPr>
-      </p:pic>
-      <p:pic>
-        <p:nvPicPr>
-          <p:cNvPr id="50" name="図 49">
-            <a:extLst>
-              <a:ext uri="{FF2B5EF4-FFF2-40B4-BE49-F238E27FC236}">
-                <a16:creationId xmlns:a16="http://schemas.microsoft.com/office/drawing/2014/main" id="{8461E049-1E22-4C40-A43D-6FE65ED813EC}"/>
-              </a:ext>
-            </a:extLst>
-          </p:cNvPr>
-          <p:cNvPicPr>
-            <a:picLocks noChangeAspect="1"/>
-          </p:cNvPicPr>
-          <p:nvPr/>
-        </p:nvPicPr>
-        <p:blipFill>
-          <a:blip r:embed="rId7">
-            <a:extLst>
-              <a:ext uri="{28A0092B-C50C-407E-A947-70E740481C1C}">
-                <a14:useLocalDpi xmlns:a14="http://schemas.microsoft.com/office/drawing/2010/main" val="0"/>
-              </a:ext>
-            </a:extLst>
-          </a:blip>
-          <a:stretch>
-            <a:fillRect/>
-          </a:stretch>
-        </p:blipFill>
-        <p:spPr>
-          <a:xfrm>
-            <a:off x="5463539" y="2826237"/>
-            <a:ext cx="347212" cy="440367"/>
-          </a:xfrm>
-          <a:prstGeom prst="rect">
-            <a:avLst/>
-          </a:prstGeom>
-        </p:spPr>
-      </p:pic>
-      <p:pic>
-        <p:nvPicPr>
-          <p:cNvPr id="56" name="図 55">
-            <a:extLst>
-              <a:ext uri="{FF2B5EF4-FFF2-40B4-BE49-F238E27FC236}">
-                <a16:creationId xmlns:a16="http://schemas.microsoft.com/office/drawing/2014/main" id="{1011A621-7E75-4868-B2C6-3A13B467DD52}"/>
-              </a:ext>
-            </a:extLst>
-          </p:cNvPr>
-          <p:cNvPicPr>
-            <a:picLocks noChangeAspect="1"/>
-          </p:cNvPicPr>
-          <p:nvPr/>
-        </p:nvPicPr>
-        <p:blipFill>
-          <a:blip r:embed="rId7">
-            <a:extLst>
-              <a:ext uri="{28A0092B-C50C-407E-A947-70E740481C1C}">
-                <a14:useLocalDpi xmlns:a14="http://schemas.microsoft.com/office/drawing/2010/main" val="0"/>
-              </a:ext>
-            </a:extLst>
-          </a:blip>
-          <a:stretch>
-            <a:fillRect/>
-          </a:stretch>
-        </p:blipFill>
-        <p:spPr>
-          <a:xfrm>
-            <a:off x="5454220" y="4400284"/>
-            <a:ext cx="347212" cy="440367"/>
-          </a:xfrm>
-          <a:prstGeom prst="rect">
-            <a:avLst/>
-          </a:prstGeom>
-        </p:spPr>
-      </p:pic>
-      <p:sp>
-        <p:nvSpPr>
-          <p:cNvPr id="57" name="テキスト ボックス 56">
-            <a:extLst>
-              <a:ext uri="{FF2B5EF4-FFF2-40B4-BE49-F238E27FC236}">
-                <a16:creationId xmlns:a16="http://schemas.microsoft.com/office/drawing/2014/main" id="{E48879A1-91EB-4103-81AB-9D357791A6D8}"/>
-              </a:ext>
-            </a:extLst>
-          </p:cNvPr>
-          <p:cNvSpPr txBox="1"/>
-          <p:nvPr/>
-        </p:nvSpPr>
-        <p:spPr>
-          <a:xfrm>
-            <a:off x="7058965" y="5632252"/>
-            <a:ext cx="2789866" cy="491481"/>
-          </a:xfrm>
-          <a:prstGeom prst="rect">
-            <a:avLst/>
-          </a:prstGeom>
-          <a:noFill/>
-        </p:spPr>
-        <p:txBody>
-          <a:bodyPr wrap="none" lIns="182880" tIns="146304" rIns="182880" bIns="146304" rtlCol="0">
-            <a:spAutoFit/>
-          </a:bodyPr>
-          <a:lstStyle/>
-          <a:p>
-            <a:pPr>
-              <a:lnSpc>
-                <a:spcPct val="90000"/>
-              </a:lnSpc>
-              <a:spcAft>
-                <a:spcPts val="600"/>
-              </a:spcAft>
-            </a:pPr>
-            <a:r>
-              <a:rPr kumimoji="1" lang="ja-JP" altLang="en-US" sz="1400" dirty="0">
-                <a:gradFill>
-                  <a:gsLst>
-                    <a:gs pos="2917">
-                      <a:schemeClr val="tx1"/>
-                    </a:gs>
-                    <a:gs pos="30000">
-                      <a:schemeClr val="tx1"/>
-                    </a:gs>
-                  </a:gsLst>
-                  <a:lin ang="5400000" scaled="0"/>
-                </a:gradFill>
-              </a:rPr>
-              <a:t>可用性セット </a:t>
-            </a:r>
-            <a:r>
-              <a:rPr kumimoji="1" lang="en-US" altLang="ja-JP" sz="1400" dirty="0">
-                <a:gradFill>
-                  <a:gsLst>
-                    <a:gs pos="2917">
-                      <a:schemeClr val="tx1"/>
-                    </a:gs>
-                    <a:gs pos="30000">
-                      <a:schemeClr val="tx1"/>
-                    </a:gs>
-                  </a:gsLst>
-                  <a:lin ang="5400000" scaled="0"/>
-                </a:gradFill>
-              </a:rPr>
-              <a:t>(demo-web-as)</a:t>
-            </a:r>
-          </a:p>
-        </p:txBody>
-      </p:sp>
-      <p:pic>
-        <p:nvPicPr>
-          <p:cNvPr id="58" name="図 57">
-            <a:extLst>
-              <a:ext uri="{FF2B5EF4-FFF2-40B4-BE49-F238E27FC236}">
-                <a16:creationId xmlns:a16="http://schemas.microsoft.com/office/drawing/2014/main" id="{EFAFB3FD-40E8-4AD0-8B0A-C9E3179A7EB5}"/>
-              </a:ext>
-            </a:extLst>
-          </p:cNvPr>
-          <p:cNvPicPr>
-            <a:picLocks noChangeAspect="1"/>
-          </p:cNvPicPr>
-          <p:nvPr/>
-        </p:nvPicPr>
-        <p:blipFill>
-          <a:blip r:embed="rId7">
-            <a:extLst>
-              <a:ext uri="{28A0092B-C50C-407E-A947-70E740481C1C}">
-                <a14:useLocalDpi xmlns:a14="http://schemas.microsoft.com/office/drawing/2010/main" val="0"/>
-              </a:ext>
-            </a:extLst>
-          </a:blip>
-          <a:stretch>
-            <a:fillRect/>
-          </a:stretch>
-        </p:blipFill>
-        <p:spPr>
-          <a:xfrm>
-            <a:off x="8451992" y="3226526"/>
-            <a:ext cx="347212" cy="440367"/>
-          </a:xfrm>
-          <a:prstGeom prst="rect">
-            <a:avLst/>
-          </a:prstGeom>
-        </p:spPr>
-      </p:pic>
-      <p:sp>
-        <p:nvSpPr>
-          <p:cNvPr id="59" name="テキスト ボックス 58">
-            <a:extLst>
-              <a:ext uri="{FF2B5EF4-FFF2-40B4-BE49-F238E27FC236}">
-                <a16:creationId xmlns:a16="http://schemas.microsoft.com/office/drawing/2014/main" id="{79EFACD4-D639-4754-8549-1905AE3560A4}"/>
-              </a:ext>
-            </a:extLst>
-          </p:cNvPr>
-          <p:cNvSpPr txBox="1"/>
-          <p:nvPr/>
-        </p:nvSpPr>
-        <p:spPr>
-          <a:xfrm>
-            <a:off x="5098011" y="2268993"/>
-            <a:ext cx="1063433" cy="762325"/>
-          </a:xfrm>
-          <a:prstGeom prst="rect">
-            <a:avLst/>
-          </a:prstGeom>
-          <a:noFill/>
-        </p:spPr>
-        <p:txBody>
-          <a:bodyPr wrap="none" lIns="182880" tIns="146304" rIns="182880" bIns="146304" rtlCol="0">
-            <a:spAutoFit/>
-          </a:bodyPr>
-          <a:lstStyle/>
-          <a:p>
-            <a:pPr algn="ctr">
-              <a:lnSpc>
-                <a:spcPct val="90000"/>
-              </a:lnSpc>
-              <a:spcAft>
-                <a:spcPts val="600"/>
-              </a:spcAft>
-            </a:pPr>
-            <a:r>
-              <a:rPr lang="en-US" altLang="ja-JP" sz="1400" dirty="0">
-                <a:gradFill>
-                  <a:gsLst>
-                    <a:gs pos="2917">
-                      <a:schemeClr val="tx1"/>
-                    </a:gs>
-                    <a:gs pos="30000">
-                      <a:schemeClr val="tx1"/>
-                    </a:gs>
-                  </a:gsLst>
-                  <a:lin ang="5400000" scaled="0"/>
-                </a:gradFill>
-              </a:rPr>
-              <a:t>NSG</a:t>
-            </a:r>
-          </a:p>
-          <a:p>
-            <a:pPr algn="ctr">
-              <a:lnSpc>
-                <a:spcPct val="90000"/>
-              </a:lnSpc>
-              <a:spcAft>
-                <a:spcPts val="600"/>
-              </a:spcAft>
-            </a:pPr>
-            <a:r>
-              <a:rPr lang="en-US" altLang="ja-JP" sz="1400" dirty="0">
-                <a:gradFill>
-                  <a:gsLst>
-                    <a:gs pos="2917">
-                      <a:schemeClr val="tx1"/>
-                    </a:gs>
-                    <a:gs pos="30000">
-                      <a:schemeClr val="tx1"/>
-                    </a:gs>
-                  </a:gsLst>
-                  <a:lin ang="5400000" scaled="0"/>
-                </a:gradFill>
-              </a:rPr>
-              <a:t>80, 3389</a:t>
-            </a:r>
-          </a:p>
-        </p:txBody>
-      </p:sp>
-      <p:sp>
-        <p:nvSpPr>
-          <p:cNvPr id="60" name="テキスト ボックス 59">
-            <a:extLst>
-              <a:ext uri="{FF2B5EF4-FFF2-40B4-BE49-F238E27FC236}">
-                <a16:creationId xmlns:a16="http://schemas.microsoft.com/office/drawing/2014/main" id="{68DCB75B-AD7F-48DF-8CDC-EF4498293AE6}"/>
-              </a:ext>
-            </a:extLst>
-          </p:cNvPr>
-          <p:cNvSpPr txBox="1"/>
-          <p:nvPr/>
-        </p:nvSpPr>
-        <p:spPr>
-          <a:xfrm>
-            <a:off x="5188350" y="3822534"/>
-            <a:ext cx="864660" cy="762325"/>
-          </a:xfrm>
-          <a:prstGeom prst="rect">
-            <a:avLst/>
-          </a:prstGeom>
-          <a:noFill/>
-        </p:spPr>
-        <p:txBody>
-          <a:bodyPr wrap="none" lIns="182880" tIns="146304" rIns="182880" bIns="146304" rtlCol="0">
-            <a:spAutoFit/>
-          </a:bodyPr>
-          <a:lstStyle/>
-          <a:p>
-            <a:pPr algn="ctr">
-              <a:lnSpc>
-                <a:spcPct val="90000"/>
-              </a:lnSpc>
-              <a:spcAft>
-                <a:spcPts val="600"/>
-              </a:spcAft>
-            </a:pPr>
-            <a:r>
-              <a:rPr lang="en-US" altLang="ja-JP" sz="1400" dirty="0">
-                <a:gradFill>
-                  <a:gsLst>
-                    <a:gs pos="2917">
-                      <a:schemeClr val="tx1"/>
-                    </a:gs>
-                    <a:gs pos="30000">
-                      <a:schemeClr val="tx1"/>
-                    </a:gs>
-                  </a:gsLst>
-                  <a:lin ang="5400000" scaled="0"/>
-                </a:gradFill>
-              </a:rPr>
-              <a:t>NSG</a:t>
-            </a:r>
-          </a:p>
-          <a:p>
-            <a:pPr algn="ctr">
-              <a:lnSpc>
-                <a:spcPct val="90000"/>
-              </a:lnSpc>
-              <a:spcAft>
-                <a:spcPts val="600"/>
-              </a:spcAft>
-            </a:pPr>
-            <a:r>
-              <a:rPr lang="en-US" altLang="ja-JP" sz="1400" dirty="0">
-                <a:gradFill>
-                  <a:gsLst>
-                    <a:gs pos="2917">
-                      <a:schemeClr val="tx1"/>
-                    </a:gs>
-                    <a:gs pos="30000">
-                      <a:schemeClr val="tx1"/>
-                    </a:gs>
-                  </a:gsLst>
-                  <a:lin ang="5400000" scaled="0"/>
-                </a:gradFill>
-              </a:rPr>
-              <a:t>80, 22</a:t>
-            </a:r>
-          </a:p>
-        </p:txBody>
-      </p:sp>
-      <p:sp>
-        <p:nvSpPr>
-          <p:cNvPr id="64" name="テキスト ボックス 63">
-            <a:extLst>
-              <a:ext uri="{FF2B5EF4-FFF2-40B4-BE49-F238E27FC236}">
-                <a16:creationId xmlns:a16="http://schemas.microsoft.com/office/drawing/2014/main" id="{448E7D07-A7EB-4083-8737-6A5C0AE52D43}"/>
-              </a:ext>
-            </a:extLst>
-          </p:cNvPr>
-          <p:cNvSpPr txBox="1"/>
-          <p:nvPr/>
-        </p:nvSpPr>
-        <p:spPr>
-          <a:xfrm>
-            <a:off x="7955496" y="2601265"/>
-            <a:ext cx="1262205" cy="762325"/>
-          </a:xfrm>
-          <a:prstGeom prst="rect">
-            <a:avLst/>
-          </a:prstGeom>
-          <a:noFill/>
-        </p:spPr>
-        <p:txBody>
-          <a:bodyPr wrap="none" lIns="182880" tIns="146304" rIns="182880" bIns="146304" rtlCol="0">
-            <a:spAutoFit/>
-          </a:bodyPr>
-          <a:lstStyle/>
-          <a:p>
-            <a:pPr algn="ctr">
-              <a:lnSpc>
-                <a:spcPct val="90000"/>
-              </a:lnSpc>
-              <a:spcAft>
-                <a:spcPts val="600"/>
-              </a:spcAft>
-            </a:pPr>
-            <a:r>
-              <a:rPr lang="en-US" altLang="ja-JP" sz="1400" dirty="0">
-                <a:gradFill>
-                  <a:gsLst>
-                    <a:gs pos="2917">
-                      <a:schemeClr val="tx1"/>
-                    </a:gs>
-                    <a:gs pos="30000">
-                      <a:schemeClr val="tx1"/>
-                    </a:gs>
-                  </a:gsLst>
-                  <a:lin ang="5400000" scaled="0"/>
-                </a:gradFill>
-              </a:rPr>
-              <a:t>NSG</a:t>
-            </a:r>
-          </a:p>
-          <a:p>
-            <a:pPr algn="ctr">
-              <a:lnSpc>
-                <a:spcPct val="90000"/>
-              </a:lnSpc>
-              <a:spcAft>
-                <a:spcPts val="600"/>
-              </a:spcAft>
-            </a:pPr>
-            <a:r>
-              <a:rPr lang="en-US" altLang="ja-JP" sz="1400" dirty="0">
-                <a:gradFill>
-                  <a:gsLst>
-                    <a:gs pos="2917">
-                      <a:schemeClr val="tx1"/>
-                    </a:gs>
-                    <a:gs pos="30000">
-                      <a:schemeClr val="tx1"/>
-                    </a:gs>
-                  </a:gsLst>
-                  <a:lin ang="5400000" scaled="0"/>
-                </a:gradFill>
-              </a:rPr>
-              <a:t>1433, 3389</a:t>
-            </a:r>
-          </a:p>
-        </p:txBody>
-      </p:sp>
-      <p:cxnSp>
-        <p:nvCxnSpPr>
-          <p:cNvPr id="67" name="直線矢印コネクタ 66">
-            <a:extLst>
-              <a:ext uri="{FF2B5EF4-FFF2-40B4-BE49-F238E27FC236}">
-                <a16:creationId xmlns:a16="http://schemas.microsoft.com/office/drawing/2014/main" id="{5D3FCC33-C052-4FDC-B8D4-7137C1DF79A5}"/>
-              </a:ext>
-            </a:extLst>
-          </p:cNvPr>
-          <p:cNvCxnSpPr>
-            <a:endCxn id="10" idx="1"/>
+            <a:cxnSpLocks/>
           </p:cNvCxnSpPr>
           <p:nvPr/>
         </p:nvCxnSpPr>
         <p:spPr>
           <a:xfrm flipV="1">
-            <a:off x="804891" y="3888987"/>
-            <a:ext cx="2359108" cy="1010998"/>
+            <a:off x="1290198" y="1959121"/>
+            <a:ext cx="1867741" cy="804683"/>
           </a:xfrm>
           <a:prstGeom prst="straightConnector1">
             <a:avLst/>
@@ -5452,10 +3951,10 @@
       </p:cxnSp>
       <p:pic>
         <p:nvPicPr>
-          <p:cNvPr id="65" name="図 64" descr="シルエット が含まれている画像&#10;&#10;非常に高い精度で生成された説明">
-            <a:extLst>
-              <a:ext uri="{FF2B5EF4-FFF2-40B4-BE49-F238E27FC236}">
-                <a16:creationId xmlns:a16="http://schemas.microsoft.com/office/drawing/2014/main" id="{7B026174-BE9C-472D-AB8E-845E0A38CFEC}"/>
+          <p:cNvPr id="11" name="図 10" descr="シルエット が含まれている画像&#10;&#10;非常に高い精度で生成された説明">
+            <a:extLst>
+              <a:ext uri="{FF2B5EF4-FFF2-40B4-BE49-F238E27FC236}">
+                <a16:creationId xmlns:a16="http://schemas.microsoft.com/office/drawing/2014/main" id="{FB691B50-C620-4922-B96F-9301EEC9F150}"/>
               </a:ext>
             </a:extLst>
           </p:cNvPr>
@@ -5465,14 +3964,14 @@
           <p:nvPr/>
         </p:nvPicPr>
         <p:blipFill>
-          <a:blip r:embed="rId8"/>
+          <a:blip r:embed="rId4"/>
           <a:stretch>
             <a:fillRect/>
           </a:stretch>
         </p:blipFill>
         <p:spPr>
           <a:xfrm>
-            <a:off x="1798364" y="3913380"/>
+            <a:off x="1877052" y="1911097"/>
             <a:ext cx="780290" cy="780290"/>
           </a:xfrm>
           <a:prstGeom prst="rect">
@@ -5482,10 +3981,10 @@
       </p:pic>
       <p:sp>
         <p:nvSpPr>
-          <p:cNvPr id="68" name="テキスト ボックス 67">
-            <a:extLst>
-              <a:ext uri="{FF2B5EF4-FFF2-40B4-BE49-F238E27FC236}">
-                <a16:creationId xmlns:a16="http://schemas.microsoft.com/office/drawing/2014/main" id="{BAF119D9-FDCF-444B-81FF-126D878DA2AE}"/>
+          <p:cNvPr id="12" name="テキスト ボックス 11">
+            <a:extLst>
+              <a:ext uri="{FF2B5EF4-FFF2-40B4-BE49-F238E27FC236}">
+                <a16:creationId xmlns:a16="http://schemas.microsoft.com/office/drawing/2014/main" id="{69ED71E7-CEC5-4D69-8844-F7EF80499417}"/>
               </a:ext>
             </a:extLst>
           </p:cNvPr>
@@ -5494,7 +3993,7 @@
         </p:nvSpPr>
         <p:spPr>
           <a:xfrm>
-            <a:off x="1023406" y="3864162"/>
+            <a:off x="1290198" y="1737773"/>
             <a:ext cx="1023357" cy="491481"/>
           </a:xfrm>
           <a:prstGeom prst="rect">
@@ -5551,7 +4050,7 @@
     </p:spTree>
     <p:extLst>
       <p:ext uri="{BB962C8B-B14F-4D97-AF65-F5344CB8AC3E}">
-        <p14:creationId xmlns:p14="http://schemas.microsoft.com/office/powerpoint/2010/main" val="959931201"/>
+        <p14:creationId xmlns:p14="http://schemas.microsoft.com/office/powerpoint/2010/main" val="661507049"/>
       </p:ext>
     </p:extLst>
   </p:cSld>

--- a/document/02_develop_webdb_on_paas/図版.pptx
+++ b/document/02_develop_webdb_on_paas/図版.pptx
@@ -6,6 +6,11 @@
   </p:sldMasterIdLst>
   <p:sldIdLst>
     <p:sldId id="293" r:id="rId2"/>
+    <p:sldId id="295" r:id="rId3"/>
+    <p:sldId id="296" r:id="rId4"/>
+    <p:sldId id="297" r:id="rId5"/>
+    <p:sldId id="298" r:id="rId6"/>
+    <p:sldId id="299" r:id="rId7"/>
   </p:sldIdLst>
   <p:sldSz cx="12192000" cy="6858000"/>
   <p:notesSz cx="6858000" cy="9144000"/>
@@ -259,7 +264,7 @@
           <a:p>
             <a:fld id="{BAD14A03-038F-4C81-AA81-028A8293EF95}" type="datetimeFigureOut">
               <a:rPr kumimoji="1" lang="ja-JP" altLang="en-US" smtClean="0"/>
-              <a:t>2018/9/3</a:t>
+              <a:t>2018/9/4</a:t>
             </a:fld>
             <a:endParaRPr kumimoji="1" lang="ja-JP" altLang="en-US"/>
           </a:p>
@@ -489,7 +494,7 @@
           <a:p>
             <a:fld id="{BAD14A03-038F-4C81-AA81-028A8293EF95}" type="datetimeFigureOut">
               <a:rPr kumimoji="1" lang="ja-JP" altLang="en-US" smtClean="0"/>
-              <a:t>2018/9/3</a:t>
+              <a:t>2018/9/4</a:t>
             </a:fld>
             <a:endParaRPr kumimoji="1" lang="ja-JP" altLang="en-US"/>
           </a:p>
@@ -729,7 +734,7 @@
           <a:p>
             <a:fld id="{BAD14A03-038F-4C81-AA81-028A8293EF95}" type="datetimeFigureOut">
               <a:rPr kumimoji="1" lang="ja-JP" altLang="en-US" smtClean="0"/>
-              <a:t>2018/9/3</a:t>
+              <a:t>2018/9/4</a:t>
             </a:fld>
             <a:endParaRPr kumimoji="1" lang="ja-JP" altLang="en-US"/>
           </a:p>
@@ -959,7 +964,7 @@
           <a:p>
             <a:fld id="{BAD14A03-038F-4C81-AA81-028A8293EF95}" type="datetimeFigureOut">
               <a:rPr kumimoji="1" lang="ja-JP" altLang="en-US" smtClean="0"/>
-              <a:t>2018/9/3</a:t>
+              <a:t>2018/9/4</a:t>
             </a:fld>
             <a:endParaRPr kumimoji="1" lang="ja-JP" altLang="en-US"/>
           </a:p>
@@ -1234,7 +1239,7 @@
           <a:p>
             <a:fld id="{BAD14A03-038F-4C81-AA81-028A8293EF95}" type="datetimeFigureOut">
               <a:rPr kumimoji="1" lang="ja-JP" altLang="en-US" smtClean="0"/>
-              <a:t>2018/9/3</a:t>
+              <a:t>2018/9/4</a:t>
             </a:fld>
             <a:endParaRPr kumimoji="1" lang="ja-JP" altLang="en-US"/>
           </a:p>
@@ -1563,7 +1568,7 @@
           <a:p>
             <a:fld id="{BAD14A03-038F-4C81-AA81-028A8293EF95}" type="datetimeFigureOut">
               <a:rPr kumimoji="1" lang="ja-JP" altLang="en-US" smtClean="0"/>
-              <a:t>2018/9/3</a:t>
+              <a:t>2018/9/4</a:t>
             </a:fld>
             <a:endParaRPr kumimoji="1" lang="ja-JP" altLang="en-US"/>
           </a:p>
@@ -2039,7 +2044,7 @@
           <a:p>
             <a:fld id="{BAD14A03-038F-4C81-AA81-028A8293EF95}" type="datetimeFigureOut">
               <a:rPr kumimoji="1" lang="ja-JP" altLang="en-US" smtClean="0"/>
-              <a:t>2018/9/3</a:t>
+              <a:t>2018/9/4</a:t>
             </a:fld>
             <a:endParaRPr kumimoji="1" lang="ja-JP" altLang="en-US"/>
           </a:p>
@@ -2180,7 +2185,7 @@
           <a:p>
             <a:fld id="{BAD14A03-038F-4C81-AA81-028A8293EF95}" type="datetimeFigureOut">
               <a:rPr kumimoji="1" lang="ja-JP" altLang="en-US" smtClean="0"/>
-              <a:t>2018/9/3</a:t>
+              <a:t>2018/9/4</a:t>
             </a:fld>
             <a:endParaRPr kumimoji="1" lang="ja-JP" altLang="en-US"/>
           </a:p>
@@ -2293,7 +2298,7 @@
           <a:p>
             <a:fld id="{BAD14A03-038F-4C81-AA81-028A8293EF95}" type="datetimeFigureOut">
               <a:rPr kumimoji="1" lang="ja-JP" altLang="en-US" smtClean="0"/>
-              <a:t>2018/9/3</a:t>
+              <a:t>2018/9/4</a:t>
             </a:fld>
             <a:endParaRPr kumimoji="1" lang="ja-JP" altLang="en-US"/>
           </a:p>
@@ -2636,7 +2641,7 @@
           <a:p>
             <a:fld id="{BAD14A03-038F-4C81-AA81-028A8293EF95}" type="datetimeFigureOut">
               <a:rPr kumimoji="1" lang="ja-JP" altLang="en-US" smtClean="0"/>
-              <a:t>2018/9/3</a:t>
+              <a:t>2018/9/4</a:t>
             </a:fld>
             <a:endParaRPr kumimoji="1" lang="ja-JP" altLang="en-US"/>
           </a:p>
@@ -2924,7 +2929,7 @@
           <a:p>
             <a:fld id="{BAD14A03-038F-4C81-AA81-028A8293EF95}" type="datetimeFigureOut">
               <a:rPr kumimoji="1" lang="ja-JP" altLang="en-US" smtClean="0"/>
-              <a:t>2018/9/3</a:t>
+              <a:t>2018/9/4</a:t>
             </a:fld>
             <a:endParaRPr kumimoji="1" lang="ja-JP" altLang="en-US"/>
           </a:p>
@@ -3197,7 +3202,7 @@
           <a:p>
             <a:fld id="{BAD14A03-038F-4C81-AA81-028A8293EF95}" type="datetimeFigureOut">
               <a:rPr kumimoji="1" lang="ja-JP" altLang="en-US" smtClean="0"/>
-              <a:t>2018/9/3</a:t>
+              <a:t>2018/9/4</a:t>
             </a:fld>
             <a:endParaRPr kumimoji="1" lang="ja-JP" altLang="en-US"/>
           </a:p>
@@ -4060,6 +4065,2078 @@
 </p:sld>
 </file>
 
+<file path=ppt/slides/slide2.xml><?xml version="1.0" encoding="utf-8"?>
+<p:sld xmlns:a="http://schemas.openxmlformats.org/drawingml/2006/main" xmlns:r="http://schemas.openxmlformats.org/officeDocument/2006/relationships" xmlns:p="http://schemas.openxmlformats.org/presentationml/2006/main">
+  <p:cSld>
+    <p:spTree>
+      <p:nvGrpSpPr>
+        <p:cNvPr id="1" name=""/>
+        <p:cNvGrpSpPr/>
+        <p:nvPr/>
+      </p:nvGrpSpPr>
+      <p:grpSpPr>
+        <a:xfrm>
+          <a:off x="0" y="0"/>
+          <a:ext cx="0" cy="0"/>
+          <a:chOff x="0" y="0"/>
+          <a:chExt cx="0" cy="0"/>
+        </a:xfrm>
+      </p:grpSpPr>
+      <p:pic>
+        <p:nvPicPr>
+          <p:cNvPr id="2" name="図 1" descr="スクリーンショット が含まれている画像&#10;&#10;非常に高い精度で生成された説明">
+            <a:extLst>
+              <a:ext uri="{FF2B5EF4-FFF2-40B4-BE49-F238E27FC236}">
+                <a16:creationId xmlns:a16="http://schemas.microsoft.com/office/drawing/2014/main" id="{2F0C7F98-2917-4143-AFC2-EAD92264AE0E}"/>
+              </a:ext>
+            </a:extLst>
+          </p:cNvPr>
+          <p:cNvPicPr>
+            <a:picLocks noChangeAspect="1"/>
+          </p:cNvPicPr>
+          <p:nvPr/>
+        </p:nvPicPr>
+        <p:blipFill rotWithShape="1">
+          <a:blip r:embed="rId2">
+            <a:extLst>
+              <a:ext uri="{28A0092B-C50C-407E-A947-70E740481C1C}">
+                <a14:useLocalDpi xmlns:a14="http://schemas.microsoft.com/office/drawing/2010/main" val="0"/>
+              </a:ext>
+            </a:extLst>
+          </a:blip>
+          <a:srcRect b="53127"/>
+          <a:stretch/>
+        </p:blipFill>
+        <p:spPr>
+          <a:xfrm>
+            <a:off x="303052" y="292586"/>
+            <a:ext cx="4589352" cy="1732366"/>
+          </a:xfrm>
+          <a:prstGeom prst="rect">
+            <a:avLst/>
+          </a:prstGeom>
+          <a:ln>
+            <a:noFill/>
+          </a:ln>
+          <a:effectLst>
+            <a:outerShdw blurRad="292100" dist="139700" dir="2700000" algn="tl" rotWithShape="0">
+              <a:srgbClr val="333333">
+                <a:alpha val="65000"/>
+              </a:srgbClr>
+            </a:outerShdw>
+          </a:effectLst>
+        </p:spPr>
+      </p:pic>
+      <p:sp>
+        <p:nvSpPr>
+          <p:cNvPr id="3" name="楕円 2">
+            <a:extLst>
+              <a:ext uri="{FF2B5EF4-FFF2-40B4-BE49-F238E27FC236}">
+                <a16:creationId xmlns:a16="http://schemas.microsoft.com/office/drawing/2014/main" id="{0FE87126-329D-4D98-BA8F-9860EBC19EA9}"/>
+              </a:ext>
+            </a:extLst>
+          </p:cNvPr>
+          <p:cNvSpPr/>
+          <p:nvPr/>
+        </p:nvSpPr>
+        <p:spPr>
+          <a:xfrm>
+            <a:off x="2459993" y="604982"/>
+            <a:ext cx="692350" cy="410769"/>
+          </a:xfrm>
+          <a:prstGeom prst="ellipse">
+            <a:avLst/>
+          </a:prstGeom>
+          <a:noFill/>
+          <a:ln w="28575">
+            <a:solidFill>
+              <a:srgbClr val="FF0000"/>
+            </a:solidFill>
+          </a:ln>
+        </p:spPr>
+        <p:style>
+          <a:lnRef idx="2">
+            <a:schemeClr val="accent1">
+              <a:shade val="50000"/>
+            </a:schemeClr>
+          </a:lnRef>
+          <a:fillRef idx="1">
+            <a:schemeClr val="accent1"/>
+          </a:fillRef>
+          <a:effectRef idx="0">
+            <a:schemeClr val="accent1"/>
+          </a:effectRef>
+          <a:fontRef idx="minor">
+            <a:schemeClr val="lt1"/>
+          </a:fontRef>
+        </p:style>
+        <p:txBody>
+          <a:bodyPr rot="0" spcFirstLastPara="0" vertOverflow="overflow" horzOverflow="overflow" vert="horz" wrap="square" lIns="91440" tIns="45720" rIns="91440" bIns="45720" numCol="1" spcCol="0" rtlCol="0" fromWordArt="0" anchor="ctr" anchorCtr="0" forceAA="0" compatLnSpc="1">
+            <a:prstTxWarp prst="textNoShape">
+              <a:avLst/>
+            </a:prstTxWarp>
+            <a:noAutofit/>
+          </a:bodyPr>
+          <a:lstStyle/>
+          <a:p>
+            <a:pPr algn="ctr"/>
+            <a:endParaRPr lang="ja-JP" altLang="en-US"/>
+          </a:p>
+        </p:txBody>
+      </p:sp>
+      <p:pic>
+        <p:nvPicPr>
+          <p:cNvPr id="4" name="図 3" descr="スクリーンショット が含まれている画像&#10;&#10;非常に高い精度で生成された説明">
+            <a:extLst>
+              <a:ext uri="{FF2B5EF4-FFF2-40B4-BE49-F238E27FC236}">
+                <a16:creationId xmlns:a16="http://schemas.microsoft.com/office/drawing/2014/main" id="{C09E22F8-3430-4714-9995-935DA84B19BC}"/>
+              </a:ext>
+            </a:extLst>
+          </p:cNvPr>
+          <p:cNvPicPr>
+            <a:picLocks noChangeAspect="1"/>
+          </p:cNvPicPr>
+          <p:nvPr/>
+        </p:nvPicPr>
+        <p:blipFill>
+          <a:blip r:embed="rId3">
+            <a:extLst>
+              <a:ext uri="{28A0092B-C50C-407E-A947-70E740481C1C}">
+                <a14:useLocalDpi xmlns:a14="http://schemas.microsoft.com/office/drawing/2010/main" val="0"/>
+              </a:ext>
+            </a:extLst>
+          </a:blip>
+          <a:stretch>
+            <a:fillRect/>
+          </a:stretch>
+        </p:blipFill>
+        <p:spPr>
+          <a:xfrm>
+            <a:off x="5223070" y="292586"/>
+            <a:ext cx="6529789" cy="2991344"/>
+          </a:xfrm>
+          <a:prstGeom prst="rect">
+            <a:avLst/>
+          </a:prstGeom>
+          <a:ln>
+            <a:noFill/>
+          </a:ln>
+          <a:effectLst>
+            <a:outerShdw blurRad="292100" dist="139700" dir="2700000" algn="tl" rotWithShape="0">
+              <a:srgbClr val="333333">
+                <a:alpha val="65000"/>
+              </a:srgbClr>
+            </a:outerShdw>
+          </a:effectLst>
+        </p:spPr>
+      </p:pic>
+      <p:sp>
+        <p:nvSpPr>
+          <p:cNvPr id="5" name="四角形: 角を丸くする 4">
+            <a:extLst>
+              <a:ext uri="{FF2B5EF4-FFF2-40B4-BE49-F238E27FC236}">
+                <a16:creationId xmlns:a16="http://schemas.microsoft.com/office/drawing/2014/main" id="{4BBF97D2-4380-47CA-BDEC-2BBAE1348E9D}"/>
+              </a:ext>
+            </a:extLst>
+          </p:cNvPr>
+          <p:cNvSpPr/>
+          <p:nvPr/>
+        </p:nvSpPr>
+        <p:spPr>
+          <a:xfrm>
+            <a:off x="5297217" y="1009163"/>
+            <a:ext cx="1369687" cy="441205"/>
+          </a:xfrm>
+          <a:prstGeom prst="roundRect">
+            <a:avLst/>
+          </a:prstGeom>
+          <a:noFill/>
+          <a:ln w="28575">
+            <a:solidFill>
+              <a:srgbClr val="FF0000"/>
+            </a:solidFill>
+          </a:ln>
+        </p:spPr>
+        <p:style>
+          <a:lnRef idx="2">
+            <a:schemeClr val="accent1">
+              <a:shade val="50000"/>
+            </a:schemeClr>
+          </a:lnRef>
+          <a:fillRef idx="1">
+            <a:schemeClr val="accent1"/>
+          </a:fillRef>
+          <a:effectRef idx="0">
+            <a:schemeClr val="accent1"/>
+          </a:effectRef>
+          <a:fontRef idx="minor">
+            <a:schemeClr val="lt1"/>
+          </a:fontRef>
+        </p:style>
+        <p:txBody>
+          <a:bodyPr rtlCol="0" anchor="ctr"/>
+          <a:lstStyle/>
+          <a:p>
+            <a:pPr algn="ctr"/>
+            <a:endParaRPr kumimoji="1" lang="ja-JP" altLang="en-US"/>
+          </a:p>
+        </p:txBody>
+      </p:sp>
+      <p:sp>
+        <p:nvSpPr>
+          <p:cNvPr id="6" name="四角形: 角を丸くする 5">
+            <a:extLst>
+              <a:ext uri="{FF2B5EF4-FFF2-40B4-BE49-F238E27FC236}">
+                <a16:creationId xmlns:a16="http://schemas.microsoft.com/office/drawing/2014/main" id="{9F5BB004-40E9-48C2-B43F-B5EC0CD374AC}"/>
+              </a:ext>
+            </a:extLst>
+          </p:cNvPr>
+          <p:cNvSpPr/>
+          <p:nvPr/>
+        </p:nvSpPr>
+        <p:spPr>
+          <a:xfrm>
+            <a:off x="5434952" y="2037634"/>
+            <a:ext cx="5479384" cy="441205"/>
+          </a:xfrm>
+          <a:prstGeom prst="roundRect">
+            <a:avLst/>
+          </a:prstGeom>
+          <a:noFill/>
+          <a:ln w="28575">
+            <a:solidFill>
+              <a:srgbClr val="FF0000"/>
+            </a:solidFill>
+          </a:ln>
+        </p:spPr>
+        <p:style>
+          <a:lnRef idx="2">
+            <a:schemeClr val="accent1">
+              <a:shade val="50000"/>
+            </a:schemeClr>
+          </a:lnRef>
+          <a:fillRef idx="1">
+            <a:schemeClr val="accent1"/>
+          </a:fillRef>
+          <a:effectRef idx="0">
+            <a:schemeClr val="accent1"/>
+          </a:effectRef>
+          <a:fontRef idx="minor">
+            <a:schemeClr val="lt1"/>
+          </a:fontRef>
+        </p:style>
+        <p:txBody>
+          <a:bodyPr rtlCol="0" anchor="ctr"/>
+          <a:lstStyle/>
+          <a:p>
+            <a:pPr algn="ctr"/>
+            <a:endParaRPr kumimoji="1" lang="ja-JP" altLang="en-US"/>
+          </a:p>
+        </p:txBody>
+      </p:sp>
+      <p:pic>
+        <p:nvPicPr>
+          <p:cNvPr id="7" name="図 6" descr="スクリーンショット が含まれている画像&#10;&#10;非常に高い精度で生成された説明">
+            <a:extLst>
+              <a:ext uri="{FF2B5EF4-FFF2-40B4-BE49-F238E27FC236}">
+                <a16:creationId xmlns:a16="http://schemas.microsoft.com/office/drawing/2014/main" id="{26137179-349E-4013-9073-5C462CE06FC4}"/>
+              </a:ext>
+            </a:extLst>
+          </p:cNvPr>
+          <p:cNvPicPr>
+            <a:picLocks noChangeAspect="1"/>
+          </p:cNvPicPr>
+          <p:nvPr/>
+        </p:nvPicPr>
+        <p:blipFill>
+          <a:blip r:embed="rId4">
+            <a:extLst>
+              <a:ext uri="{28A0092B-C50C-407E-A947-70E740481C1C}">
+                <a14:useLocalDpi xmlns:a14="http://schemas.microsoft.com/office/drawing/2010/main" val="0"/>
+              </a:ext>
+            </a:extLst>
+          </a:blip>
+          <a:stretch>
+            <a:fillRect/>
+          </a:stretch>
+        </p:blipFill>
+        <p:spPr>
+          <a:xfrm>
+            <a:off x="746135" y="2727682"/>
+            <a:ext cx="3295197" cy="4976849"/>
+          </a:xfrm>
+          <a:prstGeom prst="rect">
+            <a:avLst/>
+          </a:prstGeom>
+          <a:ln>
+            <a:noFill/>
+          </a:ln>
+          <a:effectLst>
+            <a:outerShdw blurRad="292100" dist="139700" dir="2700000" algn="tl" rotWithShape="0">
+              <a:srgbClr val="333333">
+                <a:alpha val="65000"/>
+              </a:srgbClr>
+            </a:outerShdw>
+          </a:effectLst>
+        </p:spPr>
+      </p:pic>
+      <p:sp>
+        <p:nvSpPr>
+          <p:cNvPr id="8" name="四角形: 角を丸くする 7">
+            <a:extLst>
+              <a:ext uri="{FF2B5EF4-FFF2-40B4-BE49-F238E27FC236}">
+                <a16:creationId xmlns:a16="http://schemas.microsoft.com/office/drawing/2014/main" id="{2731DAE5-2829-49B3-B781-9201B8D9CDCF}"/>
+              </a:ext>
+            </a:extLst>
+          </p:cNvPr>
+          <p:cNvSpPr/>
+          <p:nvPr/>
+        </p:nvSpPr>
+        <p:spPr>
+          <a:xfrm>
+            <a:off x="824133" y="3517434"/>
+            <a:ext cx="1338378" cy="508161"/>
+          </a:xfrm>
+          <a:prstGeom prst="roundRect">
+            <a:avLst/>
+          </a:prstGeom>
+          <a:noFill/>
+          <a:ln w="28575">
+            <a:solidFill>
+              <a:srgbClr val="FF0000"/>
+            </a:solidFill>
+          </a:ln>
+        </p:spPr>
+        <p:style>
+          <a:lnRef idx="2">
+            <a:schemeClr val="accent1">
+              <a:shade val="50000"/>
+            </a:schemeClr>
+          </a:lnRef>
+          <a:fillRef idx="1">
+            <a:schemeClr val="accent1"/>
+          </a:fillRef>
+          <a:effectRef idx="0">
+            <a:schemeClr val="accent1"/>
+          </a:effectRef>
+          <a:fontRef idx="minor">
+            <a:schemeClr val="lt1"/>
+          </a:fontRef>
+        </p:style>
+        <p:txBody>
+          <a:bodyPr rtlCol="0" anchor="ctr"/>
+          <a:lstStyle/>
+          <a:p>
+            <a:pPr algn="ctr"/>
+            <a:endParaRPr kumimoji="1" lang="ja-JP" altLang="en-US"/>
+          </a:p>
+        </p:txBody>
+      </p:sp>
+      <p:sp>
+        <p:nvSpPr>
+          <p:cNvPr id="10" name="四角形: 角を丸くする 9">
+            <a:extLst>
+              <a:ext uri="{FF2B5EF4-FFF2-40B4-BE49-F238E27FC236}">
+                <a16:creationId xmlns:a16="http://schemas.microsoft.com/office/drawing/2014/main" id="{CBE5CFF6-5768-49BE-9B91-2629F65CA70C}"/>
+              </a:ext>
+            </a:extLst>
+          </p:cNvPr>
+          <p:cNvSpPr/>
+          <p:nvPr/>
+        </p:nvSpPr>
+        <p:spPr>
+          <a:xfrm>
+            <a:off x="824133" y="4174833"/>
+            <a:ext cx="3038183" cy="1359333"/>
+          </a:xfrm>
+          <a:prstGeom prst="roundRect">
+            <a:avLst>
+              <a:gd name="adj" fmla="val 9338"/>
+            </a:avLst>
+          </a:prstGeom>
+          <a:noFill/>
+          <a:ln w="28575">
+            <a:solidFill>
+              <a:srgbClr val="FF0000"/>
+            </a:solidFill>
+          </a:ln>
+        </p:spPr>
+        <p:style>
+          <a:lnRef idx="2">
+            <a:schemeClr val="accent1">
+              <a:shade val="50000"/>
+            </a:schemeClr>
+          </a:lnRef>
+          <a:fillRef idx="1">
+            <a:schemeClr val="accent1"/>
+          </a:fillRef>
+          <a:effectRef idx="0">
+            <a:schemeClr val="accent1"/>
+          </a:effectRef>
+          <a:fontRef idx="minor">
+            <a:schemeClr val="lt1"/>
+          </a:fontRef>
+        </p:style>
+        <p:txBody>
+          <a:bodyPr rtlCol="0" anchor="ctr"/>
+          <a:lstStyle/>
+          <a:p>
+            <a:pPr algn="ctr"/>
+            <a:endParaRPr kumimoji="1" lang="ja-JP" altLang="en-US"/>
+          </a:p>
+        </p:txBody>
+      </p:sp>
+      <p:sp>
+        <p:nvSpPr>
+          <p:cNvPr id="11" name="楕円 10">
+            <a:extLst>
+              <a:ext uri="{FF2B5EF4-FFF2-40B4-BE49-F238E27FC236}">
+                <a16:creationId xmlns:a16="http://schemas.microsoft.com/office/drawing/2014/main" id="{39DA5718-6B1A-4D47-8334-16138D4F6745}"/>
+              </a:ext>
+            </a:extLst>
+          </p:cNvPr>
+          <p:cNvSpPr/>
+          <p:nvPr/>
+        </p:nvSpPr>
+        <p:spPr>
+          <a:xfrm>
+            <a:off x="1178484" y="5546523"/>
+            <a:ext cx="1115037" cy="410769"/>
+          </a:xfrm>
+          <a:prstGeom prst="ellipse">
+            <a:avLst/>
+          </a:prstGeom>
+          <a:noFill/>
+          <a:ln w="28575">
+            <a:solidFill>
+              <a:srgbClr val="FF0000"/>
+            </a:solidFill>
+          </a:ln>
+        </p:spPr>
+        <p:style>
+          <a:lnRef idx="2">
+            <a:schemeClr val="accent1">
+              <a:shade val="50000"/>
+            </a:schemeClr>
+          </a:lnRef>
+          <a:fillRef idx="1">
+            <a:schemeClr val="accent1"/>
+          </a:fillRef>
+          <a:effectRef idx="0">
+            <a:schemeClr val="accent1"/>
+          </a:effectRef>
+          <a:fontRef idx="minor">
+            <a:schemeClr val="lt1"/>
+          </a:fontRef>
+        </p:style>
+        <p:txBody>
+          <a:bodyPr rot="0" spcFirstLastPara="0" vertOverflow="overflow" horzOverflow="overflow" vert="horz" wrap="square" lIns="91440" tIns="45720" rIns="91440" bIns="45720" numCol="1" spcCol="0" rtlCol="0" fromWordArt="0" anchor="ctr" anchorCtr="0" forceAA="0" compatLnSpc="1">
+            <a:prstTxWarp prst="textNoShape">
+              <a:avLst/>
+            </a:prstTxWarp>
+            <a:noAutofit/>
+          </a:bodyPr>
+          <a:lstStyle/>
+          <a:p>
+            <a:pPr algn="ctr"/>
+            <a:endParaRPr lang="ja-JP" altLang="en-US"/>
+          </a:p>
+        </p:txBody>
+      </p:sp>
+      <p:pic>
+        <p:nvPicPr>
+          <p:cNvPr id="12" name="図 11" descr="スクリーンショット が含まれている画像&#10;&#10;非常に高い精度で生成された説明">
+            <a:extLst>
+              <a:ext uri="{FF2B5EF4-FFF2-40B4-BE49-F238E27FC236}">
+                <a16:creationId xmlns:a16="http://schemas.microsoft.com/office/drawing/2014/main" id="{DBD453DC-C800-477B-B2F0-8C2B10F7F74B}"/>
+              </a:ext>
+            </a:extLst>
+          </p:cNvPr>
+          <p:cNvPicPr>
+            <a:picLocks noChangeAspect="1"/>
+          </p:cNvPicPr>
+          <p:nvPr/>
+        </p:nvPicPr>
+        <p:blipFill>
+          <a:blip r:embed="rId5">
+            <a:extLst>
+              <a:ext uri="{28A0092B-C50C-407E-A947-70E740481C1C}">
+                <a14:useLocalDpi xmlns:a14="http://schemas.microsoft.com/office/drawing/2010/main" val="0"/>
+              </a:ext>
+            </a:extLst>
+          </a:blip>
+          <a:stretch>
+            <a:fillRect/>
+          </a:stretch>
+        </p:blipFill>
+        <p:spPr>
+          <a:xfrm>
+            <a:off x="4473681" y="4632696"/>
+            <a:ext cx="8548750" cy="3071835"/>
+          </a:xfrm>
+          <a:prstGeom prst="rect">
+            <a:avLst/>
+          </a:prstGeom>
+          <a:ln>
+            <a:noFill/>
+          </a:ln>
+          <a:effectLst>
+            <a:outerShdw blurRad="292100" dist="139700" dir="2700000" algn="tl" rotWithShape="0">
+              <a:srgbClr val="333333">
+                <a:alpha val="65000"/>
+              </a:srgbClr>
+            </a:outerShdw>
+          </a:effectLst>
+        </p:spPr>
+      </p:pic>
+      <p:cxnSp>
+        <p:nvCxnSpPr>
+          <p:cNvPr id="14" name="直線矢印コネクタ 13">
+            <a:extLst>
+              <a:ext uri="{FF2B5EF4-FFF2-40B4-BE49-F238E27FC236}">
+                <a16:creationId xmlns:a16="http://schemas.microsoft.com/office/drawing/2014/main" id="{60CAF605-0A3C-4D88-BB43-239C66BCA67F}"/>
+              </a:ext>
+            </a:extLst>
+          </p:cNvPr>
+          <p:cNvCxnSpPr>
+            <a:cxnSpLocks/>
+          </p:cNvCxnSpPr>
+          <p:nvPr/>
+        </p:nvCxnSpPr>
+        <p:spPr>
+          <a:xfrm>
+            <a:off x="3534452" y="6300148"/>
+            <a:ext cx="1357952" cy="0"/>
+          </a:xfrm>
+          <a:prstGeom prst="straightConnector1">
+            <a:avLst/>
+          </a:prstGeom>
+          <a:noFill/>
+          <a:ln w="28575">
+            <a:solidFill>
+              <a:srgbClr val="FF0000"/>
+            </a:solidFill>
+            <a:headEnd type="none" w="med" len="med"/>
+            <a:tailEnd type="arrow" w="med" len="med"/>
+          </a:ln>
+        </p:spPr>
+        <p:style>
+          <a:lnRef idx="2">
+            <a:schemeClr val="accent1">
+              <a:shade val="50000"/>
+            </a:schemeClr>
+          </a:lnRef>
+          <a:fillRef idx="1">
+            <a:schemeClr val="accent1"/>
+          </a:fillRef>
+          <a:effectRef idx="0">
+            <a:schemeClr val="accent1"/>
+          </a:effectRef>
+          <a:fontRef idx="minor">
+            <a:schemeClr val="lt1"/>
+          </a:fontRef>
+        </p:style>
+      </p:cxnSp>
+      <p:sp>
+        <p:nvSpPr>
+          <p:cNvPr id="16" name="四角形: 角を丸くする 15">
+            <a:extLst>
+              <a:ext uri="{FF2B5EF4-FFF2-40B4-BE49-F238E27FC236}">
+                <a16:creationId xmlns:a16="http://schemas.microsoft.com/office/drawing/2014/main" id="{381C1D31-090A-477D-B578-C06214116B82}"/>
+              </a:ext>
+            </a:extLst>
+          </p:cNvPr>
+          <p:cNvSpPr/>
+          <p:nvPr/>
+        </p:nvSpPr>
+        <p:spPr>
+          <a:xfrm>
+            <a:off x="10144447" y="5756107"/>
+            <a:ext cx="2884808" cy="543977"/>
+          </a:xfrm>
+          <a:prstGeom prst="roundRect">
+            <a:avLst/>
+          </a:prstGeom>
+          <a:noFill/>
+          <a:ln w="28575">
+            <a:solidFill>
+              <a:srgbClr val="FF0000"/>
+            </a:solidFill>
+          </a:ln>
+        </p:spPr>
+        <p:style>
+          <a:lnRef idx="2">
+            <a:schemeClr val="accent1">
+              <a:shade val="50000"/>
+            </a:schemeClr>
+          </a:lnRef>
+          <a:fillRef idx="1">
+            <a:schemeClr val="accent1"/>
+          </a:fillRef>
+          <a:effectRef idx="0">
+            <a:schemeClr val="accent1"/>
+          </a:effectRef>
+          <a:fontRef idx="minor">
+            <a:schemeClr val="lt1"/>
+          </a:fontRef>
+        </p:style>
+        <p:txBody>
+          <a:bodyPr rtlCol="0" anchor="ctr"/>
+          <a:lstStyle/>
+          <a:p>
+            <a:pPr algn="ctr"/>
+            <a:endParaRPr kumimoji="1" lang="ja-JP" altLang="en-US"/>
+          </a:p>
+        </p:txBody>
+      </p:sp>
+    </p:spTree>
+    <p:extLst>
+      <p:ext uri="{BB962C8B-B14F-4D97-AF65-F5344CB8AC3E}">
+        <p14:creationId xmlns:p14="http://schemas.microsoft.com/office/powerpoint/2010/main" val="754646891"/>
+      </p:ext>
+    </p:extLst>
+  </p:cSld>
+  <p:clrMapOvr>
+    <a:masterClrMapping/>
+  </p:clrMapOvr>
+</p:sld>
+</file>
+
+<file path=ppt/slides/slide3.xml><?xml version="1.0" encoding="utf-8"?>
+<p:sld xmlns:a="http://schemas.openxmlformats.org/drawingml/2006/main" xmlns:r="http://schemas.openxmlformats.org/officeDocument/2006/relationships" xmlns:p="http://schemas.openxmlformats.org/presentationml/2006/main">
+  <p:cSld>
+    <p:spTree>
+      <p:nvGrpSpPr>
+        <p:cNvPr id="1" name=""/>
+        <p:cNvGrpSpPr/>
+        <p:nvPr/>
+      </p:nvGrpSpPr>
+      <p:grpSpPr>
+        <a:xfrm>
+          <a:off x="0" y="0"/>
+          <a:ext cx="0" cy="0"/>
+          <a:chOff x="0" y="0"/>
+          <a:chExt cx="0" cy="0"/>
+        </a:xfrm>
+      </p:grpSpPr>
+      <p:pic>
+        <p:nvPicPr>
+          <p:cNvPr id="3" name="図 2" descr="スクリーンショット が含まれている画像&#10;&#10;非常に高い精度で生成された説明">
+            <a:extLst>
+              <a:ext uri="{FF2B5EF4-FFF2-40B4-BE49-F238E27FC236}">
+                <a16:creationId xmlns:a16="http://schemas.microsoft.com/office/drawing/2014/main" id="{FE9B4CDE-8811-4985-A2EF-07DB8D75E5EB}"/>
+              </a:ext>
+            </a:extLst>
+          </p:cNvPr>
+          <p:cNvPicPr>
+            <a:picLocks noChangeAspect="1"/>
+          </p:cNvPicPr>
+          <p:nvPr/>
+        </p:nvPicPr>
+        <p:blipFill>
+          <a:blip r:embed="rId2">
+            <a:extLst>
+              <a:ext uri="{28A0092B-C50C-407E-A947-70E740481C1C}">
+                <a14:useLocalDpi xmlns:a14="http://schemas.microsoft.com/office/drawing/2010/main" val="0"/>
+              </a:ext>
+            </a:extLst>
+          </a:blip>
+          <a:stretch>
+            <a:fillRect/>
+          </a:stretch>
+        </p:blipFill>
+        <p:spPr>
+          <a:xfrm>
+            <a:off x="159167" y="161666"/>
+            <a:ext cx="5802426" cy="2529761"/>
+          </a:xfrm>
+          <a:prstGeom prst="rect">
+            <a:avLst/>
+          </a:prstGeom>
+          <a:ln>
+            <a:noFill/>
+          </a:ln>
+          <a:effectLst>
+            <a:outerShdw blurRad="292100" dist="139700" dir="2700000" algn="tl" rotWithShape="0">
+              <a:srgbClr val="333333">
+                <a:alpha val="65000"/>
+              </a:srgbClr>
+            </a:outerShdw>
+          </a:effectLst>
+        </p:spPr>
+      </p:pic>
+      <p:pic>
+        <p:nvPicPr>
+          <p:cNvPr id="5" name="図 4" descr="スクリーンショット が含まれている画像&#10;&#10;非常に高い精度で生成された説明">
+            <a:extLst>
+              <a:ext uri="{FF2B5EF4-FFF2-40B4-BE49-F238E27FC236}">
+                <a16:creationId xmlns:a16="http://schemas.microsoft.com/office/drawing/2014/main" id="{17E86BEB-8DE9-4B7E-96E7-9911E91FDFA4}"/>
+              </a:ext>
+            </a:extLst>
+          </p:cNvPr>
+          <p:cNvPicPr>
+            <a:picLocks noChangeAspect="1"/>
+          </p:cNvPicPr>
+          <p:nvPr/>
+        </p:nvPicPr>
+        <p:blipFill>
+          <a:blip r:embed="rId3">
+            <a:extLst>
+              <a:ext uri="{28A0092B-C50C-407E-A947-70E740481C1C}">
+                <a14:useLocalDpi xmlns:a14="http://schemas.microsoft.com/office/drawing/2010/main" val="0"/>
+              </a:ext>
+            </a:extLst>
+          </a:blip>
+          <a:stretch>
+            <a:fillRect/>
+          </a:stretch>
+        </p:blipFill>
+        <p:spPr>
+          <a:xfrm>
+            <a:off x="6244765" y="161666"/>
+            <a:ext cx="6007735" cy="2529761"/>
+          </a:xfrm>
+          <a:prstGeom prst="rect">
+            <a:avLst/>
+          </a:prstGeom>
+          <a:ln>
+            <a:noFill/>
+          </a:ln>
+          <a:effectLst>
+            <a:outerShdw blurRad="292100" dist="139700" dir="2700000" algn="tl" rotWithShape="0">
+              <a:srgbClr val="333333">
+                <a:alpha val="65000"/>
+              </a:srgbClr>
+            </a:outerShdw>
+          </a:effectLst>
+        </p:spPr>
+      </p:pic>
+      <p:pic>
+        <p:nvPicPr>
+          <p:cNvPr id="7" name="図 6" descr="スクリーンショット が含まれている画像&#10;&#10;非常に高い精度で生成された説明">
+            <a:extLst>
+              <a:ext uri="{FF2B5EF4-FFF2-40B4-BE49-F238E27FC236}">
+                <a16:creationId xmlns:a16="http://schemas.microsoft.com/office/drawing/2014/main" id="{7E1251E5-B4D0-43E5-BEA8-2B95B82C138C}"/>
+              </a:ext>
+            </a:extLst>
+          </p:cNvPr>
+          <p:cNvPicPr>
+            <a:picLocks noChangeAspect="1"/>
+          </p:cNvPicPr>
+          <p:nvPr/>
+        </p:nvPicPr>
+        <p:blipFill>
+          <a:blip r:embed="rId4">
+            <a:extLst>
+              <a:ext uri="{28A0092B-C50C-407E-A947-70E740481C1C}">
+                <a14:useLocalDpi xmlns:a14="http://schemas.microsoft.com/office/drawing/2010/main" val="0"/>
+              </a:ext>
+            </a:extLst>
+          </a:blip>
+          <a:stretch>
+            <a:fillRect/>
+          </a:stretch>
+        </p:blipFill>
+        <p:spPr>
+          <a:xfrm>
+            <a:off x="1593023" y="2913776"/>
+            <a:ext cx="9005953" cy="5943643"/>
+          </a:xfrm>
+          <a:prstGeom prst="rect">
+            <a:avLst/>
+          </a:prstGeom>
+          <a:ln>
+            <a:noFill/>
+          </a:ln>
+          <a:effectLst>
+            <a:outerShdw blurRad="292100" dist="139700" dir="2700000" algn="tl" rotWithShape="0">
+              <a:srgbClr val="333333">
+                <a:alpha val="65000"/>
+              </a:srgbClr>
+            </a:outerShdw>
+          </a:effectLst>
+        </p:spPr>
+      </p:pic>
+      <p:sp>
+        <p:nvSpPr>
+          <p:cNvPr id="8" name="四角形: 角を丸くする 7">
+            <a:extLst>
+              <a:ext uri="{FF2B5EF4-FFF2-40B4-BE49-F238E27FC236}">
+                <a16:creationId xmlns:a16="http://schemas.microsoft.com/office/drawing/2014/main" id="{519A0ED3-C4CA-4EAD-8747-B9BE7AD61C68}"/>
+              </a:ext>
+            </a:extLst>
+          </p:cNvPr>
+          <p:cNvSpPr/>
+          <p:nvPr/>
+        </p:nvSpPr>
+        <p:spPr>
+          <a:xfrm>
+            <a:off x="1722002" y="3429000"/>
+            <a:ext cx="1338378" cy="508161"/>
+          </a:xfrm>
+          <a:prstGeom prst="roundRect">
+            <a:avLst/>
+          </a:prstGeom>
+          <a:noFill/>
+          <a:ln w="28575">
+            <a:solidFill>
+              <a:srgbClr val="FF0000"/>
+            </a:solidFill>
+          </a:ln>
+        </p:spPr>
+        <p:style>
+          <a:lnRef idx="2">
+            <a:schemeClr val="accent1">
+              <a:shade val="50000"/>
+            </a:schemeClr>
+          </a:lnRef>
+          <a:fillRef idx="1">
+            <a:schemeClr val="accent1"/>
+          </a:fillRef>
+          <a:effectRef idx="0">
+            <a:schemeClr val="accent1"/>
+          </a:effectRef>
+          <a:fontRef idx="minor">
+            <a:schemeClr val="lt1"/>
+          </a:fontRef>
+        </p:style>
+        <p:txBody>
+          <a:bodyPr rtlCol="0" anchor="ctr"/>
+          <a:lstStyle/>
+          <a:p>
+            <a:pPr algn="ctr"/>
+            <a:endParaRPr kumimoji="1" lang="ja-JP" altLang="en-US"/>
+          </a:p>
+        </p:txBody>
+      </p:sp>
+      <p:sp>
+        <p:nvSpPr>
+          <p:cNvPr id="9" name="楕円 8">
+            <a:extLst>
+              <a:ext uri="{FF2B5EF4-FFF2-40B4-BE49-F238E27FC236}">
+                <a16:creationId xmlns:a16="http://schemas.microsoft.com/office/drawing/2014/main" id="{953B07E3-F8A5-46F2-89C3-D3BDBD853A22}"/>
+              </a:ext>
+            </a:extLst>
+          </p:cNvPr>
+          <p:cNvSpPr/>
+          <p:nvPr/>
+        </p:nvSpPr>
+        <p:spPr>
+          <a:xfrm>
+            <a:off x="2842102" y="611806"/>
+            <a:ext cx="692350" cy="410769"/>
+          </a:xfrm>
+          <a:prstGeom prst="ellipse">
+            <a:avLst/>
+          </a:prstGeom>
+          <a:noFill/>
+          <a:ln w="28575">
+            <a:solidFill>
+              <a:srgbClr val="FF0000"/>
+            </a:solidFill>
+          </a:ln>
+        </p:spPr>
+        <p:style>
+          <a:lnRef idx="2">
+            <a:schemeClr val="accent1">
+              <a:shade val="50000"/>
+            </a:schemeClr>
+          </a:lnRef>
+          <a:fillRef idx="1">
+            <a:schemeClr val="accent1"/>
+          </a:fillRef>
+          <a:effectRef idx="0">
+            <a:schemeClr val="accent1"/>
+          </a:effectRef>
+          <a:fontRef idx="minor">
+            <a:schemeClr val="lt1"/>
+          </a:fontRef>
+        </p:style>
+        <p:txBody>
+          <a:bodyPr rot="0" spcFirstLastPara="0" vertOverflow="overflow" horzOverflow="overflow" vert="horz" wrap="square" lIns="91440" tIns="45720" rIns="91440" bIns="45720" numCol="1" spcCol="0" rtlCol="0" fromWordArt="0" anchor="ctr" anchorCtr="0" forceAA="0" compatLnSpc="1">
+            <a:prstTxWarp prst="textNoShape">
+              <a:avLst/>
+            </a:prstTxWarp>
+            <a:noAutofit/>
+          </a:bodyPr>
+          <a:lstStyle/>
+          <a:p>
+            <a:pPr algn="ctr"/>
+            <a:endParaRPr lang="ja-JP" altLang="en-US"/>
+          </a:p>
+        </p:txBody>
+      </p:sp>
+      <p:cxnSp>
+        <p:nvCxnSpPr>
+          <p:cNvPr id="10" name="直線矢印コネクタ 9">
+            <a:extLst>
+              <a:ext uri="{FF2B5EF4-FFF2-40B4-BE49-F238E27FC236}">
+                <a16:creationId xmlns:a16="http://schemas.microsoft.com/office/drawing/2014/main" id="{63CFBB8F-D60A-4E75-885A-A781396455AC}"/>
+              </a:ext>
+            </a:extLst>
+          </p:cNvPr>
+          <p:cNvCxnSpPr>
+            <a:cxnSpLocks/>
+          </p:cNvCxnSpPr>
+          <p:nvPr/>
+        </p:nvCxnSpPr>
+        <p:spPr>
+          <a:xfrm flipV="1">
+            <a:off x="4271431" y="3937161"/>
+            <a:ext cx="1690162" cy="2335692"/>
+          </a:xfrm>
+          <a:prstGeom prst="straightConnector1">
+            <a:avLst/>
+          </a:prstGeom>
+          <a:noFill/>
+          <a:ln w="28575">
+            <a:solidFill>
+              <a:srgbClr val="FF0000"/>
+            </a:solidFill>
+            <a:headEnd type="none" w="med" len="med"/>
+            <a:tailEnd type="arrow" w="med" len="med"/>
+          </a:ln>
+        </p:spPr>
+        <p:style>
+          <a:lnRef idx="2">
+            <a:schemeClr val="accent1">
+              <a:shade val="50000"/>
+            </a:schemeClr>
+          </a:lnRef>
+          <a:fillRef idx="1">
+            <a:schemeClr val="accent1"/>
+          </a:fillRef>
+          <a:effectRef idx="0">
+            <a:schemeClr val="accent1"/>
+          </a:effectRef>
+          <a:fontRef idx="minor">
+            <a:schemeClr val="lt1"/>
+          </a:fontRef>
+        </p:style>
+      </p:cxnSp>
+      <p:sp>
+        <p:nvSpPr>
+          <p:cNvPr id="11" name="四角形: 角を丸くする 10">
+            <a:extLst>
+              <a:ext uri="{FF2B5EF4-FFF2-40B4-BE49-F238E27FC236}">
+                <a16:creationId xmlns:a16="http://schemas.microsoft.com/office/drawing/2014/main" id="{00067EA7-AC22-4035-ADCB-F2D05B8E7FD6}"/>
+              </a:ext>
+            </a:extLst>
+          </p:cNvPr>
+          <p:cNvSpPr/>
+          <p:nvPr/>
+        </p:nvSpPr>
+        <p:spPr>
+          <a:xfrm>
+            <a:off x="6244765" y="785112"/>
+            <a:ext cx="1793766" cy="429883"/>
+          </a:xfrm>
+          <a:prstGeom prst="roundRect">
+            <a:avLst/>
+          </a:prstGeom>
+          <a:noFill/>
+          <a:ln w="28575">
+            <a:solidFill>
+              <a:srgbClr val="FF0000"/>
+            </a:solidFill>
+          </a:ln>
+        </p:spPr>
+        <p:style>
+          <a:lnRef idx="2">
+            <a:schemeClr val="accent1">
+              <a:shade val="50000"/>
+            </a:schemeClr>
+          </a:lnRef>
+          <a:fillRef idx="1">
+            <a:schemeClr val="accent1"/>
+          </a:fillRef>
+          <a:effectRef idx="0">
+            <a:schemeClr val="accent1"/>
+          </a:effectRef>
+          <a:fontRef idx="minor">
+            <a:schemeClr val="lt1"/>
+          </a:fontRef>
+        </p:style>
+        <p:txBody>
+          <a:bodyPr rtlCol="0" anchor="ctr"/>
+          <a:lstStyle/>
+          <a:p>
+            <a:pPr algn="ctr"/>
+            <a:endParaRPr kumimoji="1" lang="ja-JP" altLang="en-US"/>
+          </a:p>
+        </p:txBody>
+      </p:sp>
+      <p:sp>
+        <p:nvSpPr>
+          <p:cNvPr id="12" name="四角形: 角を丸くする 11">
+            <a:extLst>
+              <a:ext uri="{FF2B5EF4-FFF2-40B4-BE49-F238E27FC236}">
+                <a16:creationId xmlns:a16="http://schemas.microsoft.com/office/drawing/2014/main" id="{C58DB006-86CD-40DD-A9AF-3A903C269867}"/>
+              </a:ext>
+            </a:extLst>
+          </p:cNvPr>
+          <p:cNvSpPr/>
+          <p:nvPr/>
+        </p:nvSpPr>
+        <p:spPr>
+          <a:xfrm>
+            <a:off x="1722001" y="4018129"/>
+            <a:ext cx="2658929" cy="1345441"/>
+          </a:xfrm>
+          <a:prstGeom prst="roundRect">
+            <a:avLst>
+              <a:gd name="adj" fmla="val 6871"/>
+            </a:avLst>
+          </a:prstGeom>
+          <a:noFill/>
+          <a:ln w="28575">
+            <a:solidFill>
+              <a:srgbClr val="FF0000"/>
+            </a:solidFill>
+          </a:ln>
+        </p:spPr>
+        <p:style>
+          <a:lnRef idx="2">
+            <a:schemeClr val="accent1">
+              <a:shade val="50000"/>
+            </a:schemeClr>
+          </a:lnRef>
+          <a:fillRef idx="1">
+            <a:schemeClr val="accent1"/>
+          </a:fillRef>
+          <a:effectRef idx="0">
+            <a:schemeClr val="accent1"/>
+          </a:effectRef>
+          <a:fontRef idx="minor">
+            <a:schemeClr val="lt1"/>
+          </a:fontRef>
+        </p:style>
+        <p:txBody>
+          <a:bodyPr rtlCol="0" anchor="ctr"/>
+          <a:lstStyle/>
+          <a:p>
+            <a:pPr algn="ctr"/>
+            <a:endParaRPr kumimoji="1" lang="ja-JP" altLang="en-US"/>
+          </a:p>
+        </p:txBody>
+      </p:sp>
+      <p:sp>
+        <p:nvSpPr>
+          <p:cNvPr id="13" name="四角形: 角を丸くする 12">
+            <a:extLst>
+              <a:ext uri="{FF2B5EF4-FFF2-40B4-BE49-F238E27FC236}">
+                <a16:creationId xmlns:a16="http://schemas.microsoft.com/office/drawing/2014/main" id="{3016B9F4-2DCE-4C1F-8044-812B52832CE0}"/>
+              </a:ext>
+            </a:extLst>
+          </p:cNvPr>
+          <p:cNvSpPr/>
+          <p:nvPr/>
+        </p:nvSpPr>
+        <p:spPr>
+          <a:xfrm>
+            <a:off x="1731097" y="5432499"/>
+            <a:ext cx="2658929" cy="471718"/>
+          </a:xfrm>
+          <a:prstGeom prst="roundRect">
+            <a:avLst>
+              <a:gd name="adj" fmla="val 6871"/>
+            </a:avLst>
+          </a:prstGeom>
+          <a:noFill/>
+          <a:ln w="28575">
+            <a:solidFill>
+              <a:srgbClr val="FF0000"/>
+            </a:solidFill>
+          </a:ln>
+        </p:spPr>
+        <p:style>
+          <a:lnRef idx="2">
+            <a:schemeClr val="accent1">
+              <a:shade val="50000"/>
+            </a:schemeClr>
+          </a:lnRef>
+          <a:fillRef idx="1">
+            <a:schemeClr val="accent1"/>
+          </a:fillRef>
+          <a:effectRef idx="0">
+            <a:schemeClr val="accent1"/>
+          </a:effectRef>
+          <a:fontRef idx="minor">
+            <a:schemeClr val="lt1"/>
+          </a:fontRef>
+        </p:style>
+        <p:txBody>
+          <a:bodyPr rtlCol="0" anchor="ctr"/>
+          <a:lstStyle/>
+          <a:p>
+            <a:pPr algn="ctr"/>
+            <a:endParaRPr kumimoji="1" lang="ja-JP" altLang="en-US"/>
+          </a:p>
+        </p:txBody>
+      </p:sp>
+      <p:sp>
+        <p:nvSpPr>
+          <p:cNvPr id="15" name="四角形: 角を丸くする 14">
+            <a:extLst>
+              <a:ext uri="{FF2B5EF4-FFF2-40B4-BE49-F238E27FC236}">
+                <a16:creationId xmlns:a16="http://schemas.microsoft.com/office/drawing/2014/main" id="{AB3ADA37-06F7-4333-9B4F-D7A35939B736}"/>
+              </a:ext>
+            </a:extLst>
+          </p:cNvPr>
+          <p:cNvSpPr/>
+          <p:nvPr/>
+        </p:nvSpPr>
+        <p:spPr>
+          <a:xfrm>
+            <a:off x="7738389" y="3466954"/>
+            <a:ext cx="1502417" cy="508161"/>
+          </a:xfrm>
+          <a:prstGeom prst="roundRect">
+            <a:avLst>
+              <a:gd name="adj" fmla="val 6871"/>
+            </a:avLst>
+          </a:prstGeom>
+          <a:noFill/>
+          <a:ln w="28575">
+            <a:solidFill>
+              <a:srgbClr val="FF0000"/>
+            </a:solidFill>
+          </a:ln>
+        </p:spPr>
+        <p:style>
+          <a:lnRef idx="2">
+            <a:schemeClr val="accent1">
+              <a:shade val="50000"/>
+            </a:schemeClr>
+          </a:lnRef>
+          <a:fillRef idx="1">
+            <a:schemeClr val="accent1"/>
+          </a:fillRef>
+          <a:effectRef idx="0">
+            <a:schemeClr val="accent1"/>
+          </a:effectRef>
+          <a:fontRef idx="minor">
+            <a:schemeClr val="lt1"/>
+          </a:fontRef>
+        </p:style>
+        <p:txBody>
+          <a:bodyPr rtlCol="0" anchor="ctr"/>
+          <a:lstStyle/>
+          <a:p>
+            <a:pPr algn="ctr"/>
+            <a:endParaRPr kumimoji="1" lang="ja-JP" altLang="en-US"/>
+          </a:p>
+        </p:txBody>
+      </p:sp>
+      <p:sp>
+        <p:nvSpPr>
+          <p:cNvPr id="16" name="四角形: 角を丸くする 15">
+            <a:extLst>
+              <a:ext uri="{FF2B5EF4-FFF2-40B4-BE49-F238E27FC236}">
+                <a16:creationId xmlns:a16="http://schemas.microsoft.com/office/drawing/2014/main" id="{B9B986C4-A73C-4419-9CB4-F3DC8389182A}"/>
+              </a:ext>
+            </a:extLst>
+          </p:cNvPr>
+          <p:cNvSpPr/>
+          <p:nvPr/>
+        </p:nvSpPr>
+        <p:spPr>
+          <a:xfrm>
+            <a:off x="7738389" y="4067233"/>
+            <a:ext cx="2658929" cy="1487405"/>
+          </a:xfrm>
+          <a:prstGeom prst="roundRect">
+            <a:avLst>
+              <a:gd name="adj" fmla="val 6871"/>
+            </a:avLst>
+          </a:prstGeom>
+          <a:noFill/>
+          <a:ln w="28575">
+            <a:solidFill>
+              <a:srgbClr val="FF0000"/>
+            </a:solidFill>
+          </a:ln>
+        </p:spPr>
+        <p:style>
+          <a:lnRef idx="2">
+            <a:schemeClr val="accent1">
+              <a:shade val="50000"/>
+            </a:schemeClr>
+          </a:lnRef>
+          <a:fillRef idx="1">
+            <a:schemeClr val="accent1"/>
+          </a:fillRef>
+          <a:effectRef idx="0">
+            <a:schemeClr val="accent1"/>
+          </a:effectRef>
+          <a:fontRef idx="minor">
+            <a:schemeClr val="lt1"/>
+          </a:fontRef>
+        </p:style>
+        <p:txBody>
+          <a:bodyPr rtlCol="0" anchor="ctr"/>
+          <a:lstStyle/>
+          <a:p>
+            <a:pPr algn="ctr"/>
+            <a:endParaRPr kumimoji="1" lang="ja-JP" altLang="en-US"/>
+          </a:p>
+        </p:txBody>
+      </p:sp>
+      <p:sp>
+        <p:nvSpPr>
+          <p:cNvPr id="17" name="四角形: 角を丸くする 16">
+            <a:extLst>
+              <a:ext uri="{FF2B5EF4-FFF2-40B4-BE49-F238E27FC236}">
+                <a16:creationId xmlns:a16="http://schemas.microsoft.com/office/drawing/2014/main" id="{FF113340-4F9A-461E-9763-4F855088A2B6}"/>
+              </a:ext>
+            </a:extLst>
+          </p:cNvPr>
+          <p:cNvSpPr/>
+          <p:nvPr/>
+        </p:nvSpPr>
+        <p:spPr>
+          <a:xfrm>
+            <a:off x="7738388" y="5667416"/>
+            <a:ext cx="1502417" cy="508161"/>
+          </a:xfrm>
+          <a:prstGeom prst="roundRect">
+            <a:avLst>
+              <a:gd name="adj" fmla="val 6871"/>
+            </a:avLst>
+          </a:prstGeom>
+          <a:noFill/>
+          <a:ln w="28575">
+            <a:solidFill>
+              <a:srgbClr val="FF0000"/>
+            </a:solidFill>
+          </a:ln>
+        </p:spPr>
+        <p:style>
+          <a:lnRef idx="2">
+            <a:schemeClr val="accent1">
+              <a:shade val="50000"/>
+            </a:schemeClr>
+          </a:lnRef>
+          <a:fillRef idx="1">
+            <a:schemeClr val="accent1"/>
+          </a:fillRef>
+          <a:effectRef idx="0">
+            <a:schemeClr val="accent1"/>
+          </a:effectRef>
+          <a:fontRef idx="minor">
+            <a:schemeClr val="lt1"/>
+          </a:fontRef>
+        </p:style>
+        <p:txBody>
+          <a:bodyPr rtlCol="0" anchor="ctr"/>
+          <a:lstStyle/>
+          <a:p>
+            <a:pPr algn="ctr"/>
+            <a:endParaRPr kumimoji="1" lang="ja-JP" altLang="en-US"/>
+          </a:p>
+        </p:txBody>
+      </p:sp>
+    </p:spTree>
+    <p:extLst>
+      <p:ext uri="{BB962C8B-B14F-4D97-AF65-F5344CB8AC3E}">
+        <p14:creationId xmlns:p14="http://schemas.microsoft.com/office/powerpoint/2010/main" val="291679190"/>
+      </p:ext>
+    </p:extLst>
+  </p:cSld>
+  <p:clrMapOvr>
+    <a:masterClrMapping/>
+  </p:clrMapOvr>
+</p:sld>
+</file>
+
+<file path=ppt/slides/slide4.xml><?xml version="1.0" encoding="utf-8"?>
+<p:sld xmlns:a="http://schemas.openxmlformats.org/drawingml/2006/main" xmlns:r="http://schemas.openxmlformats.org/officeDocument/2006/relationships" xmlns:p="http://schemas.openxmlformats.org/presentationml/2006/main">
+  <p:cSld>
+    <p:spTree>
+      <p:nvGrpSpPr>
+        <p:cNvPr id="1" name=""/>
+        <p:cNvGrpSpPr/>
+        <p:nvPr/>
+      </p:nvGrpSpPr>
+      <p:grpSpPr>
+        <a:xfrm>
+          <a:off x="0" y="0"/>
+          <a:ext cx="0" cy="0"/>
+          <a:chOff x="0" y="0"/>
+          <a:chExt cx="0" cy="0"/>
+        </a:xfrm>
+      </p:grpSpPr>
+      <p:pic>
+        <p:nvPicPr>
+          <p:cNvPr id="3" name="図 2" descr="スクリーンショット が含まれている画像&#10;&#10;非常に高い精度で生成された説明">
+            <a:extLst>
+              <a:ext uri="{FF2B5EF4-FFF2-40B4-BE49-F238E27FC236}">
+                <a16:creationId xmlns:a16="http://schemas.microsoft.com/office/drawing/2014/main" id="{5F4A8029-AC54-4DCA-9343-0C0B8B558895}"/>
+              </a:ext>
+            </a:extLst>
+          </p:cNvPr>
+          <p:cNvPicPr>
+            <a:picLocks noChangeAspect="1"/>
+          </p:cNvPicPr>
+          <p:nvPr/>
+        </p:nvPicPr>
+        <p:blipFill>
+          <a:blip r:embed="rId2">
+            <a:extLst>
+              <a:ext uri="{28A0092B-C50C-407E-A947-70E740481C1C}">
+                <a14:useLocalDpi xmlns:a14="http://schemas.microsoft.com/office/drawing/2010/main" val="0"/>
+              </a:ext>
+            </a:extLst>
+          </a:blip>
+          <a:stretch>
+            <a:fillRect/>
+          </a:stretch>
+        </p:blipFill>
+        <p:spPr>
+          <a:xfrm>
+            <a:off x="286071" y="240246"/>
+            <a:ext cx="9572695" cy="3238524"/>
+          </a:xfrm>
+          <a:prstGeom prst="rect">
+            <a:avLst/>
+          </a:prstGeom>
+          <a:ln>
+            <a:noFill/>
+          </a:ln>
+          <a:effectLst>
+            <a:outerShdw blurRad="292100" dist="139700" dir="2700000" algn="tl" rotWithShape="0">
+              <a:srgbClr val="333333">
+                <a:alpha val="65000"/>
+              </a:srgbClr>
+            </a:outerShdw>
+          </a:effectLst>
+        </p:spPr>
+      </p:pic>
+      <p:pic>
+        <p:nvPicPr>
+          <p:cNvPr id="4" name="図 3">
+            <a:extLst>
+              <a:ext uri="{FF2B5EF4-FFF2-40B4-BE49-F238E27FC236}">
+                <a16:creationId xmlns:a16="http://schemas.microsoft.com/office/drawing/2014/main" id="{6206C6E3-35B8-4E71-B124-8C7401B2FEE0}"/>
+              </a:ext>
+            </a:extLst>
+          </p:cNvPr>
+          <p:cNvPicPr>
+            <a:picLocks noChangeAspect="1"/>
+          </p:cNvPicPr>
+          <p:nvPr/>
+        </p:nvPicPr>
+        <p:blipFill rotWithShape="1">
+          <a:blip r:embed="rId3"/>
+          <a:srcRect b="39335"/>
+          <a:stretch/>
+        </p:blipFill>
+        <p:spPr>
+          <a:xfrm>
+            <a:off x="6160139" y="2250871"/>
+            <a:ext cx="5412715" cy="2348425"/>
+          </a:xfrm>
+          <a:prstGeom prst="rect">
+            <a:avLst/>
+          </a:prstGeom>
+          <a:ln>
+            <a:noFill/>
+          </a:ln>
+          <a:effectLst>
+            <a:outerShdw blurRad="292100" dist="139700" dir="2700000" algn="tl" rotWithShape="0">
+              <a:srgbClr val="333333">
+                <a:alpha val="65000"/>
+              </a:srgbClr>
+            </a:outerShdw>
+          </a:effectLst>
+        </p:spPr>
+      </p:pic>
+      <p:pic>
+        <p:nvPicPr>
+          <p:cNvPr id="5" name="図 4" descr="スクリーンショット が含まれている画像&#10;&#10;非常に高い精度で生成された説明">
+            <a:extLst>
+              <a:ext uri="{FF2B5EF4-FFF2-40B4-BE49-F238E27FC236}">
+                <a16:creationId xmlns:a16="http://schemas.microsoft.com/office/drawing/2014/main" id="{80FCF2A9-A17A-4B11-9ECD-779B4907BCCB}"/>
+              </a:ext>
+            </a:extLst>
+          </p:cNvPr>
+          <p:cNvPicPr>
+            <a:picLocks noChangeAspect="1"/>
+          </p:cNvPicPr>
+          <p:nvPr/>
+        </p:nvPicPr>
+        <p:blipFill rotWithShape="1">
+          <a:blip r:embed="rId4">
+            <a:extLst>
+              <a:ext uri="{BEBA8EAE-BF5A-486C-A8C5-ECC9F3942E4B}">
+                <a14:imgProps xmlns:a14="http://schemas.microsoft.com/office/drawing/2010/main">
+                  <a14:imgLayer r:embed="rId5">
+                    <a14:imgEffect>
+                      <a14:artisticBlur/>
+                    </a14:imgEffect>
+                  </a14:imgLayer>
+                </a14:imgProps>
+              </a:ext>
+              <a:ext uri="{28A0092B-C50C-407E-A947-70E740481C1C}">
+                <a14:useLocalDpi xmlns:a14="http://schemas.microsoft.com/office/drawing/2010/main" val="0"/>
+              </a:ext>
+            </a:extLst>
+          </a:blip>
+          <a:srcRect l="64305" t="66330" r="1408" b="8806"/>
+          <a:stretch/>
+        </p:blipFill>
+        <p:spPr>
+          <a:xfrm>
+            <a:off x="2730873" y="2804615"/>
+            <a:ext cx="3179395" cy="272955"/>
+          </a:xfrm>
+          <a:prstGeom prst="rect">
+            <a:avLst/>
+          </a:prstGeom>
+          <a:ln>
+            <a:noFill/>
+          </a:ln>
+          <a:effectLst/>
+        </p:spPr>
+      </p:pic>
+      <p:sp>
+        <p:nvSpPr>
+          <p:cNvPr id="6" name="楕円 5">
+            <a:extLst>
+              <a:ext uri="{FF2B5EF4-FFF2-40B4-BE49-F238E27FC236}">
+                <a16:creationId xmlns:a16="http://schemas.microsoft.com/office/drawing/2014/main" id="{5F323676-3861-4F70-9493-164F32358D78}"/>
+              </a:ext>
+            </a:extLst>
+          </p:cNvPr>
+          <p:cNvSpPr/>
+          <p:nvPr/>
+        </p:nvSpPr>
+        <p:spPr>
+          <a:xfrm>
+            <a:off x="6376872" y="1280546"/>
+            <a:ext cx="692350" cy="410769"/>
+          </a:xfrm>
+          <a:prstGeom prst="ellipse">
+            <a:avLst/>
+          </a:prstGeom>
+          <a:noFill/>
+          <a:ln w="28575">
+            <a:solidFill>
+              <a:srgbClr val="FF0000"/>
+            </a:solidFill>
+          </a:ln>
+        </p:spPr>
+        <p:style>
+          <a:lnRef idx="2">
+            <a:schemeClr val="accent1">
+              <a:shade val="50000"/>
+            </a:schemeClr>
+          </a:lnRef>
+          <a:fillRef idx="1">
+            <a:schemeClr val="accent1"/>
+          </a:fillRef>
+          <a:effectRef idx="0">
+            <a:schemeClr val="accent1"/>
+          </a:effectRef>
+          <a:fontRef idx="minor">
+            <a:schemeClr val="lt1"/>
+          </a:fontRef>
+        </p:style>
+        <p:txBody>
+          <a:bodyPr rot="0" spcFirstLastPara="0" vertOverflow="overflow" horzOverflow="overflow" vert="horz" wrap="square" lIns="91440" tIns="45720" rIns="91440" bIns="45720" numCol="1" spcCol="0" rtlCol="0" fromWordArt="0" anchor="ctr" anchorCtr="0" forceAA="0" compatLnSpc="1">
+            <a:prstTxWarp prst="textNoShape">
+              <a:avLst/>
+            </a:prstTxWarp>
+            <a:noAutofit/>
+          </a:bodyPr>
+          <a:lstStyle/>
+          <a:p>
+            <a:pPr algn="ctr"/>
+            <a:endParaRPr lang="ja-JP" altLang="en-US"/>
+          </a:p>
+        </p:txBody>
+      </p:sp>
+      <p:sp>
+        <p:nvSpPr>
+          <p:cNvPr id="7" name="四角形: 角を丸くする 6">
+            <a:extLst>
+              <a:ext uri="{FF2B5EF4-FFF2-40B4-BE49-F238E27FC236}">
+                <a16:creationId xmlns:a16="http://schemas.microsoft.com/office/drawing/2014/main" id="{F8ABFC22-4774-45EF-8712-65001C92162A}"/>
+              </a:ext>
+            </a:extLst>
+          </p:cNvPr>
+          <p:cNvSpPr/>
+          <p:nvPr/>
+        </p:nvSpPr>
+        <p:spPr>
+          <a:xfrm>
+            <a:off x="7561774" y="2374732"/>
+            <a:ext cx="1793766" cy="429883"/>
+          </a:xfrm>
+          <a:prstGeom prst="roundRect">
+            <a:avLst/>
+          </a:prstGeom>
+          <a:noFill/>
+          <a:ln w="28575">
+            <a:solidFill>
+              <a:srgbClr val="FF0000"/>
+            </a:solidFill>
+          </a:ln>
+        </p:spPr>
+        <p:style>
+          <a:lnRef idx="2">
+            <a:schemeClr val="accent1">
+              <a:shade val="50000"/>
+            </a:schemeClr>
+          </a:lnRef>
+          <a:fillRef idx="1">
+            <a:schemeClr val="accent1"/>
+          </a:fillRef>
+          <a:effectRef idx="0">
+            <a:schemeClr val="accent1"/>
+          </a:effectRef>
+          <a:fontRef idx="minor">
+            <a:schemeClr val="lt1"/>
+          </a:fontRef>
+        </p:style>
+        <p:txBody>
+          <a:bodyPr rtlCol="0" anchor="ctr"/>
+          <a:lstStyle/>
+          <a:p>
+            <a:pPr algn="ctr"/>
+            <a:endParaRPr kumimoji="1" lang="ja-JP" altLang="en-US"/>
+          </a:p>
+        </p:txBody>
+      </p:sp>
+    </p:spTree>
+    <p:extLst>
+      <p:ext uri="{BB962C8B-B14F-4D97-AF65-F5344CB8AC3E}">
+        <p14:creationId xmlns:p14="http://schemas.microsoft.com/office/powerpoint/2010/main" val="1267238788"/>
+      </p:ext>
+    </p:extLst>
+  </p:cSld>
+  <p:clrMapOvr>
+    <a:masterClrMapping/>
+  </p:clrMapOvr>
+</p:sld>
+</file>
+
+<file path=ppt/slides/slide5.xml><?xml version="1.0" encoding="utf-8"?>
+<p:sld xmlns:a="http://schemas.openxmlformats.org/drawingml/2006/main" xmlns:r="http://schemas.openxmlformats.org/officeDocument/2006/relationships" xmlns:p="http://schemas.openxmlformats.org/presentationml/2006/main">
+  <p:cSld>
+    <p:spTree>
+      <p:nvGrpSpPr>
+        <p:cNvPr id="1" name=""/>
+        <p:cNvGrpSpPr/>
+        <p:nvPr/>
+      </p:nvGrpSpPr>
+      <p:grpSpPr>
+        <a:xfrm>
+          <a:off x="0" y="0"/>
+          <a:ext cx="0" cy="0"/>
+          <a:chOff x="0" y="0"/>
+          <a:chExt cx="0" cy="0"/>
+        </a:xfrm>
+      </p:grpSpPr>
+      <p:pic>
+        <p:nvPicPr>
+          <p:cNvPr id="3" name="図 2" descr="スクリーンショット が含まれている画像&#10;&#10;非常に高い精度で生成された説明">
+            <a:extLst>
+              <a:ext uri="{FF2B5EF4-FFF2-40B4-BE49-F238E27FC236}">
+                <a16:creationId xmlns:a16="http://schemas.microsoft.com/office/drawing/2014/main" id="{C0F70EEB-CD0A-4D75-89E0-2CE61EBF997B}"/>
+              </a:ext>
+            </a:extLst>
+          </p:cNvPr>
+          <p:cNvPicPr>
+            <a:picLocks noChangeAspect="1"/>
+          </p:cNvPicPr>
+          <p:nvPr/>
+        </p:nvPicPr>
+        <p:blipFill>
+          <a:blip r:embed="rId2">
+            <a:extLst>
+              <a:ext uri="{28A0092B-C50C-407E-A947-70E740481C1C}">
+                <a14:useLocalDpi xmlns:a14="http://schemas.microsoft.com/office/drawing/2010/main" val="0"/>
+              </a:ext>
+            </a:extLst>
+          </a:blip>
+          <a:stretch>
+            <a:fillRect/>
+          </a:stretch>
+        </p:blipFill>
+        <p:spPr>
+          <a:xfrm>
+            <a:off x="864540" y="477300"/>
+            <a:ext cx="8524937" cy="4333907"/>
+          </a:xfrm>
+          <a:prstGeom prst="rect">
+            <a:avLst/>
+          </a:prstGeom>
+          <a:ln>
+            <a:noFill/>
+          </a:ln>
+          <a:effectLst>
+            <a:outerShdw blurRad="292100" dist="139700" dir="2700000" algn="tl" rotWithShape="0">
+              <a:srgbClr val="333333">
+                <a:alpha val="65000"/>
+              </a:srgbClr>
+            </a:outerShdw>
+          </a:effectLst>
+        </p:spPr>
+      </p:pic>
+      <p:sp>
+        <p:nvSpPr>
+          <p:cNvPr id="4" name="楕円 3">
+            <a:extLst>
+              <a:ext uri="{FF2B5EF4-FFF2-40B4-BE49-F238E27FC236}">
+                <a16:creationId xmlns:a16="http://schemas.microsoft.com/office/drawing/2014/main" id="{27DA00A3-98B1-4CCB-A67A-0BA497C651F6}"/>
+              </a:ext>
+            </a:extLst>
+          </p:cNvPr>
+          <p:cNvSpPr/>
+          <p:nvPr/>
+        </p:nvSpPr>
+        <p:spPr>
+          <a:xfrm>
+            <a:off x="6493076" y="4087504"/>
+            <a:ext cx="1545455" cy="410769"/>
+          </a:xfrm>
+          <a:prstGeom prst="ellipse">
+            <a:avLst/>
+          </a:prstGeom>
+          <a:noFill/>
+          <a:ln w="28575">
+            <a:solidFill>
+              <a:srgbClr val="FF0000"/>
+            </a:solidFill>
+          </a:ln>
+        </p:spPr>
+        <p:style>
+          <a:lnRef idx="2">
+            <a:schemeClr val="accent1">
+              <a:shade val="50000"/>
+            </a:schemeClr>
+          </a:lnRef>
+          <a:fillRef idx="1">
+            <a:schemeClr val="accent1"/>
+          </a:fillRef>
+          <a:effectRef idx="0">
+            <a:schemeClr val="accent1"/>
+          </a:effectRef>
+          <a:fontRef idx="minor">
+            <a:schemeClr val="lt1"/>
+          </a:fontRef>
+        </p:style>
+        <p:txBody>
+          <a:bodyPr rot="0" spcFirstLastPara="0" vertOverflow="overflow" horzOverflow="overflow" vert="horz" wrap="square" lIns="91440" tIns="45720" rIns="91440" bIns="45720" numCol="1" spcCol="0" rtlCol="0" fromWordArt="0" anchor="ctr" anchorCtr="0" forceAA="0" compatLnSpc="1">
+            <a:prstTxWarp prst="textNoShape">
+              <a:avLst/>
+            </a:prstTxWarp>
+            <a:noAutofit/>
+          </a:bodyPr>
+          <a:lstStyle/>
+          <a:p>
+            <a:pPr algn="ctr"/>
+            <a:endParaRPr lang="ja-JP" altLang="en-US"/>
+          </a:p>
+        </p:txBody>
+      </p:sp>
+      <p:sp>
+        <p:nvSpPr>
+          <p:cNvPr id="5" name="四角形: 角を丸くする 4">
+            <a:extLst>
+              <a:ext uri="{FF2B5EF4-FFF2-40B4-BE49-F238E27FC236}">
+                <a16:creationId xmlns:a16="http://schemas.microsoft.com/office/drawing/2014/main" id="{674147B5-907C-48DE-A33C-4CD18A905628}"/>
+              </a:ext>
+            </a:extLst>
+          </p:cNvPr>
+          <p:cNvSpPr/>
+          <p:nvPr/>
+        </p:nvSpPr>
+        <p:spPr>
+          <a:xfrm>
+            <a:off x="1008757" y="3698565"/>
+            <a:ext cx="1793766" cy="429883"/>
+          </a:xfrm>
+          <a:prstGeom prst="roundRect">
+            <a:avLst/>
+          </a:prstGeom>
+          <a:noFill/>
+          <a:ln w="28575">
+            <a:solidFill>
+              <a:srgbClr val="FF0000"/>
+            </a:solidFill>
+          </a:ln>
+        </p:spPr>
+        <p:style>
+          <a:lnRef idx="2">
+            <a:schemeClr val="accent1">
+              <a:shade val="50000"/>
+            </a:schemeClr>
+          </a:lnRef>
+          <a:fillRef idx="1">
+            <a:schemeClr val="accent1"/>
+          </a:fillRef>
+          <a:effectRef idx="0">
+            <a:schemeClr val="accent1"/>
+          </a:effectRef>
+          <a:fontRef idx="minor">
+            <a:schemeClr val="lt1"/>
+          </a:fontRef>
+        </p:style>
+        <p:txBody>
+          <a:bodyPr rtlCol="0" anchor="ctr"/>
+          <a:lstStyle/>
+          <a:p>
+            <a:pPr algn="ctr"/>
+            <a:endParaRPr kumimoji="1" lang="ja-JP" altLang="en-US"/>
+          </a:p>
+        </p:txBody>
+      </p:sp>
+      <p:sp>
+        <p:nvSpPr>
+          <p:cNvPr id="6" name="四角形: 角を丸くする 5">
+            <a:extLst>
+              <a:ext uri="{FF2B5EF4-FFF2-40B4-BE49-F238E27FC236}">
+                <a16:creationId xmlns:a16="http://schemas.microsoft.com/office/drawing/2014/main" id="{ABE743CC-8D39-41F6-B340-328867758853}"/>
+              </a:ext>
+            </a:extLst>
+          </p:cNvPr>
+          <p:cNvSpPr/>
+          <p:nvPr/>
+        </p:nvSpPr>
+        <p:spPr>
+          <a:xfrm>
+            <a:off x="3346890" y="957640"/>
+            <a:ext cx="1484418" cy="489023"/>
+          </a:xfrm>
+          <a:prstGeom prst="roundRect">
+            <a:avLst/>
+          </a:prstGeom>
+          <a:noFill/>
+          <a:ln w="28575">
+            <a:solidFill>
+              <a:srgbClr val="FF0000"/>
+            </a:solidFill>
+          </a:ln>
+        </p:spPr>
+        <p:style>
+          <a:lnRef idx="2">
+            <a:schemeClr val="accent1">
+              <a:shade val="50000"/>
+            </a:schemeClr>
+          </a:lnRef>
+          <a:fillRef idx="1">
+            <a:schemeClr val="accent1"/>
+          </a:fillRef>
+          <a:effectRef idx="0">
+            <a:schemeClr val="accent1"/>
+          </a:effectRef>
+          <a:fontRef idx="minor">
+            <a:schemeClr val="lt1"/>
+          </a:fontRef>
+        </p:style>
+        <p:txBody>
+          <a:bodyPr rtlCol="0" anchor="ctr"/>
+          <a:lstStyle/>
+          <a:p>
+            <a:pPr algn="ctr"/>
+            <a:endParaRPr kumimoji="1" lang="ja-JP" altLang="en-US"/>
+          </a:p>
+        </p:txBody>
+      </p:sp>
+      <p:sp>
+        <p:nvSpPr>
+          <p:cNvPr id="7" name="四角形: 角を丸くする 6">
+            <a:extLst>
+              <a:ext uri="{FF2B5EF4-FFF2-40B4-BE49-F238E27FC236}">
+                <a16:creationId xmlns:a16="http://schemas.microsoft.com/office/drawing/2014/main" id="{D02B1063-A385-4875-B5AD-E06314041591}"/>
+              </a:ext>
+            </a:extLst>
+          </p:cNvPr>
+          <p:cNvSpPr/>
+          <p:nvPr/>
+        </p:nvSpPr>
+        <p:spPr>
+          <a:xfrm>
+            <a:off x="3458347" y="2155230"/>
+            <a:ext cx="2881038" cy="1440955"/>
+          </a:xfrm>
+          <a:prstGeom prst="roundRect">
+            <a:avLst>
+              <a:gd name="adj" fmla="val 9090"/>
+            </a:avLst>
+          </a:prstGeom>
+          <a:noFill/>
+          <a:ln w="28575">
+            <a:solidFill>
+              <a:srgbClr val="FF0000"/>
+            </a:solidFill>
+          </a:ln>
+        </p:spPr>
+        <p:style>
+          <a:lnRef idx="2">
+            <a:schemeClr val="accent1">
+              <a:shade val="50000"/>
+            </a:schemeClr>
+          </a:lnRef>
+          <a:fillRef idx="1">
+            <a:schemeClr val="accent1"/>
+          </a:fillRef>
+          <a:effectRef idx="0">
+            <a:schemeClr val="accent1"/>
+          </a:effectRef>
+          <a:fontRef idx="minor">
+            <a:schemeClr val="lt1"/>
+          </a:fontRef>
+        </p:style>
+        <p:txBody>
+          <a:bodyPr rtlCol="0" anchor="ctr"/>
+          <a:lstStyle/>
+          <a:p>
+            <a:pPr algn="ctr"/>
+            <a:endParaRPr kumimoji="1" lang="ja-JP" altLang="en-US"/>
+          </a:p>
+        </p:txBody>
+      </p:sp>
+    </p:spTree>
+    <p:extLst>
+      <p:ext uri="{BB962C8B-B14F-4D97-AF65-F5344CB8AC3E}">
+        <p14:creationId xmlns:p14="http://schemas.microsoft.com/office/powerpoint/2010/main" val="2695342236"/>
+      </p:ext>
+    </p:extLst>
+  </p:cSld>
+  <p:clrMapOvr>
+    <a:masterClrMapping/>
+  </p:clrMapOvr>
+</p:sld>
+</file>
+
+<file path=ppt/slides/slide6.xml><?xml version="1.0" encoding="utf-8"?>
+<p:sld xmlns:a="http://schemas.openxmlformats.org/drawingml/2006/main" xmlns:r="http://schemas.openxmlformats.org/officeDocument/2006/relationships" xmlns:p="http://schemas.openxmlformats.org/presentationml/2006/main">
+  <p:cSld>
+    <p:spTree>
+      <p:nvGrpSpPr>
+        <p:cNvPr id="1" name=""/>
+        <p:cNvGrpSpPr/>
+        <p:nvPr/>
+      </p:nvGrpSpPr>
+      <p:grpSpPr>
+        <a:xfrm>
+          <a:off x="0" y="0"/>
+          <a:ext cx="0" cy="0"/>
+          <a:chOff x="0" y="0"/>
+          <a:chExt cx="0" cy="0"/>
+        </a:xfrm>
+      </p:grpSpPr>
+      <p:pic>
+        <p:nvPicPr>
+          <p:cNvPr id="3" name="図 2" descr="スクリーンショット が含まれている画像&#10;&#10;非常に高い精度で生成された説明">
+            <a:extLst>
+              <a:ext uri="{FF2B5EF4-FFF2-40B4-BE49-F238E27FC236}">
+                <a16:creationId xmlns:a16="http://schemas.microsoft.com/office/drawing/2014/main" id="{701FCD92-2887-44BD-A604-73D4ADC4A640}"/>
+              </a:ext>
+            </a:extLst>
+          </p:cNvPr>
+          <p:cNvPicPr>
+            <a:picLocks noChangeAspect="1"/>
+          </p:cNvPicPr>
+          <p:nvPr/>
+        </p:nvPicPr>
+        <p:blipFill>
+          <a:blip r:embed="rId2">
+            <a:extLst>
+              <a:ext uri="{28A0092B-C50C-407E-A947-70E740481C1C}">
+                <a14:useLocalDpi xmlns:a14="http://schemas.microsoft.com/office/drawing/2010/main" val="0"/>
+              </a:ext>
+            </a:extLst>
+          </a:blip>
+          <a:stretch>
+            <a:fillRect/>
+          </a:stretch>
+        </p:blipFill>
+        <p:spPr>
+          <a:xfrm>
+            <a:off x="173273" y="270170"/>
+            <a:ext cx="6686599" cy="3629052"/>
+          </a:xfrm>
+          <a:prstGeom prst="rect">
+            <a:avLst/>
+          </a:prstGeom>
+          <a:ln>
+            <a:noFill/>
+          </a:ln>
+          <a:effectLst>
+            <a:outerShdw blurRad="292100" dist="139700" dir="2700000" algn="tl" rotWithShape="0">
+              <a:srgbClr val="333333">
+                <a:alpha val="65000"/>
+              </a:srgbClr>
+            </a:outerShdw>
+          </a:effectLst>
+        </p:spPr>
+      </p:pic>
+      <p:sp>
+        <p:nvSpPr>
+          <p:cNvPr id="4" name="楕円 3">
+            <a:extLst>
+              <a:ext uri="{FF2B5EF4-FFF2-40B4-BE49-F238E27FC236}">
+                <a16:creationId xmlns:a16="http://schemas.microsoft.com/office/drawing/2014/main" id="{36F567F5-5651-4EA8-BDB9-39E8F287C187}"/>
+              </a:ext>
+            </a:extLst>
+          </p:cNvPr>
+          <p:cNvSpPr/>
+          <p:nvPr/>
+        </p:nvSpPr>
+        <p:spPr>
+          <a:xfrm>
+            <a:off x="2846203" y="1603611"/>
+            <a:ext cx="934228" cy="614150"/>
+          </a:xfrm>
+          <a:prstGeom prst="ellipse">
+            <a:avLst/>
+          </a:prstGeom>
+          <a:noFill/>
+          <a:ln w="28575">
+            <a:solidFill>
+              <a:srgbClr val="FF0000"/>
+            </a:solidFill>
+          </a:ln>
+        </p:spPr>
+        <p:style>
+          <a:lnRef idx="2">
+            <a:schemeClr val="accent1">
+              <a:shade val="50000"/>
+            </a:schemeClr>
+          </a:lnRef>
+          <a:fillRef idx="1">
+            <a:schemeClr val="accent1"/>
+          </a:fillRef>
+          <a:effectRef idx="0">
+            <a:schemeClr val="accent1"/>
+          </a:effectRef>
+          <a:fontRef idx="minor">
+            <a:schemeClr val="lt1"/>
+          </a:fontRef>
+        </p:style>
+        <p:txBody>
+          <a:bodyPr rot="0" spcFirstLastPara="0" vertOverflow="overflow" horzOverflow="overflow" vert="horz" wrap="square" lIns="91440" tIns="45720" rIns="91440" bIns="45720" numCol="1" spcCol="0" rtlCol="0" fromWordArt="0" anchor="ctr" anchorCtr="0" forceAA="0" compatLnSpc="1">
+            <a:prstTxWarp prst="textNoShape">
+              <a:avLst/>
+            </a:prstTxWarp>
+            <a:noAutofit/>
+          </a:bodyPr>
+          <a:lstStyle/>
+          <a:p>
+            <a:pPr algn="ctr"/>
+            <a:endParaRPr lang="ja-JP" altLang="en-US"/>
+          </a:p>
+        </p:txBody>
+      </p:sp>
+      <p:pic>
+        <p:nvPicPr>
+          <p:cNvPr id="6" name="図 5">
+            <a:extLst>
+              <a:ext uri="{FF2B5EF4-FFF2-40B4-BE49-F238E27FC236}">
+                <a16:creationId xmlns:a16="http://schemas.microsoft.com/office/drawing/2014/main" id="{E5A6B865-B236-40E2-8073-6A282A9DE5AF}"/>
+              </a:ext>
+            </a:extLst>
+          </p:cNvPr>
+          <p:cNvPicPr>
+            <a:picLocks noChangeAspect="1"/>
+          </p:cNvPicPr>
+          <p:nvPr/>
+        </p:nvPicPr>
+        <p:blipFill>
+          <a:blip r:embed="rId3"/>
+          <a:stretch>
+            <a:fillRect/>
+          </a:stretch>
+        </p:blipFill>
+        <p:spPr>
+          <a:xfrm>
+            <a:off x="5657490" y="535588"/>
+            <a:ext cx="5953987" cy="4258277"/>
+          </a:xfrm>
+          <a:prstGeom prst="rect">
+            <a:avLst/>
+          </a:prstGeom>
+          <a:ln>
+            <a:noFill/>
+          </a:ln>
+          <a:effectLst>
+            <a:outerShdw blurRad="292100" dist="139700" dir="2700000" algn="tl" rotWithShape="0">
+              <a:srgbClr val="333333">
+                <a:alpha val="65000"/>
+              </a:srgbClr>
+            </a:outerShdw>
+          </a:effectLst>
+        </p:spPr>
+      </p:pic>
+      <p:sp>
+        <p:nvSpPr>
+          <p:cNvPr id="7" name="四角形: 角を丸くする 6">
+            <a:extLst>
+              <a:ext uri="{FF2B5EF4-FFF2-40B4-BE49-F238E27FC236}">
+                <a16:creationId xmlns:a16="http://schemas.microsoft.com/office/drawing/2014/main" id="{EE445590-F6AB-4317-8C48-04FF28DDE0C2}"/>
+              </a:ext>
+            </a:extLst>
+          </p:cNvPr>
+          <p:cNvSpPr/>
+          <p:nvPr/>
+        </p:nvSpPr>
+        <p:spPr>
+          <a:xfrm>
+            <a:off x="7100474" y="715942"/>
+            <a:ext cx="2170457" cy="390803"/>
+          </a:xfrm>
+          <a:prstGeom prst="roundRect">
+            <a:avLst/>
+          </a:prstGeom>
+          <a:noFill/>
+          <a:ln w="28575">
+            <a:solidFill>
+              <a:srgbClr val="FF0000"/>
+            </a:solidFill>
+          </a:ln>
+        </p:spPr>
+        <p:style>
+          <a:lnRef idx="2">
+            <a:schemeClr val="accent1">
+              <a:shade val="50000"/>
+            </a:schemeClr>
+          </a:lnRef>
+          <a:fillRef idx="1">
+            <a:schemeClr val="accent1"/>
+          </a:fillRef>
+          <a:effectRef idx="0">
+            <a:schemeClr val="accent1"/>
+          </a:effectRef>
+          <a:fontRef idx="minor">
+            <a:schemeClr val="lt1"/>
+          </a:fontRef>
+        </p:style>
+        <p:txBody>
+          <a:bodyPr rtlCol="0" anchor="ctr"/>
+          <a:lstStyle/>
+          <a:p>
+            <a:pPr algn="ctr"/>
+            <a:endParaRPr kumimoji="1" lang="ja-JP" altLang="en-US"/>
+          </a:p>
+        </p:txBody>
+      </p:sp>
+    </p:spTree>
+    <p:extLst>
+      <p:ext uri="{BB962C8B-B14F-4D97-AF65-F5344CB8AC3E}">
+        <p14:creationId xmlns:p14="http://schemas.microsoft.com/office/powerpoint/2010/main" val="2147225130"/>
+      </p:ext>
+    </p:extLst>
+  </p:cSld>
+  <p:clrMapOvr>
+    <a:masterClrMapping/>
+  </p:clrMapOvr>
+</p:sld>
+</file>
+
 <file path=ppt/theme/theme1.xml><?xml version="1.0" encoding="utf-8"?>
 <a:theme xmlns:a="http://schemas.openxmlformats.org/drawingml/2006/main" name="Office テーマ">
   <a:themeElements>

--- a/document/02_develop_webdb_on_paas/図版.pptx
+++ b/document/02_develop_webdb_on_paas/図版.pptx
@@ -11,6 +11,10 @@
     <p:sldId id="297" r:id="rId5"/>
     <p:sldId id="298" r:id="rId6"/>
     <p:sldId id="299" r:id="rId7"/>
+    <p:sldId id="300" r:id="rId8"/>
+    <p:sldId id="301" r:id="rId9"/>
+    <p:sldId id="302" r:id="rId10"/>
+    <p:sldId id="303" r:id="rId11"/>
   </p:sldIdLst>
   <p:sldSz cx="12192000" cy="6858000"/>
   <p:notesSz cx="6858000" cy="9144000"/>
@@ -4065,6 +4069,272 @@
 </p:sld>
 </file>
 
+<file path=ppt/slides/slide10.xml><?xml version="1.0" encoding="utf-8"?>
+<p:sld xmlns:a="http://schemas.openxmlformats.org/drawingml/2006/main" xmlns:r="http://schemas.openxmlformats.org/officeDocument/2006/relationships" xmlns:p="http://schemas.openxmlformats.org/presentationml/2006/main">
+  <p:cSld>
+    <p:spTree>
+      <p:nvGrpSpPr>
+        <p:cNvPr id="1" name=""/>
+        <p:cNvGrpSpPr/>
+        <p:nvPr/>
+      </p:nvGrpSpPr>
+      <p:grpSpPr>
+        <a:xfrm>
+          <a:off x="0" y="0"/>
+          <a:ext cx="0" cy="0"/>
+          <a:chOff x="0" y="0"/>
+          <a:chExt cx="0" cy="0"/>
+        </a:xfrm>
+      </p:grpSpPr>
+      <p:pic>
+        <p:nvPicPr>
+          <p:cNvPr id="5" name="図 4" descr="スクリーンショット が含まれている画像&#10;&#10;非常に高い精度で生成された説明">
+            <a:extLst>
+              <a:ext uri="{FF2B5EF4-FFF2-40B4-BE49-F238E27FC236}">
+                <a16:creationId xmlns:a16="http://schemas.microsoft.com/office/drawing/2014/main" id="{D66482A9-EAD1-444C-BBB9-A84F3200AA46}"/>
+              </a:ext>
+            </a:extLst>
+          </p:cNvPr>
+          <p:cNvPicPr>
+            <a:picLocks noChangeAspect="1"/>
+          </p:cNvPicPr>
+          <p:nvPr/>
+        </p:nvPicPr>
+        <p:blipFill rotWithShape="1">
+          <a:blip r:embed="rId2">
+            <a:extLst>
+              <a:ext uri="{28A0092B-C50C-407E-A947-70E740481C1C}">
+                <a14:useLocalDpi xmlns:a14="http://schemas.microsoft.com/office/drawing/2010/main" val="0"/>
+              </a:ext>
+            </a:extLst>
+          </a:blip>
+          <a:srcRect r="20632"/>
+          <a:stretch/>
+        </p:blipFill>
+        <p:spPr>
+          <a:xfrm>
+            <a:off x="7235587" y="722239"/>
+            <a:ext cx="5996351" cy="3580560"/>
+          </a:xfrm>
+          <a:prstGeom prst="rect">
+            <a:avLst/>
+          </a:prstGeom>
+          <a:ln>
+            <a:noFill/>
+          </a:ln>
+          <a:effectLst>
+            <a:outerShdw blurRad="292100" dist="139700" dir="2700000" algn="tl" rotWithShape="0">
+              <a:srgbClr val="333333">
+                <a:alpha val="65000"/>
+              </a:srgbClr>
+            </a:outerShdw>
+          </a:effectLst>
+        </p:spPr>
+      </p:pic>
+      <p:sp>
+        <p:nvSpPr>
+          <p:cNvPr id="3" name="四角形: 角を丸くする 2">
+            <a:extLst>
+              <a:ext uri="{FF2B5EF4-FFF2-40B4-BE49-F238E27FC236}">
+                <a16:creationId xmlns:a16="http://schemas.microsoft.com/office/drawing/2014/main" id="{0EC95181-3B2C-4430-B350-95F8B535AAD4}"/>
+              </a:ext>
+            </a:extLst>
+          </p:cNvPr>
+          <p:cNvSpPr/>
+          <p:nvPr/>
+        </p:nvSpPr>
+        <p:spPr>
+          <a:xfrm>
+            <a:off x="9744500" y="1857666"/>
+            <a:ext cx="2326944" cy="783177"/>
+          </a:xfrm>
+          <a:prstGeom prst="roundRect">
+            <a:avLst/>
+          </a:prstGeom>
+          <a:noFill/>
+          <a:ln w="28575">
+            <a:solidFill>
+              <a:srgbClr val="FF0000"/>
+            </a:solidFill>
+          </a:ln>
+        </p:spPr>
+        <p:style>
+          <a:lnRef idx="2">
+            <a:schemeClr val="accent1">
+              <a:shade val="50000"/>
+            </a:schemeClr>
+          </a:lnRef>
+          <a:fillRef idx="1">
+            <a:schemeClr val="accent1"/>
+          </a:fillRef>
+          <a:effectRef idx="0">
+            <a:schemeClr val="accent1"/>
+          </a:effectRef>
+          <a:fontRef idx="minor">
+            <a:schemeClr val="lt1"/>
+          </a:fontRef>
+        </p:style>
+        <p:txBody>
+          <a:bodyPr rtlCol="0" anchor="ctr"/>
+          <a:lstStyle/>
+          <a:p>
+            <a:pPr algn="ctr"/>
+            <a:endParaRPr kumimoji="1" lang="ja-JP" altLang="en-US"/>
+          </a:p>
+        </p:txBody>
+      </p:sp>
+      <p:pic>
+        <p:nvPicPr>
+          <p:cNvPr id="14" name="図 13">
+            <a:extLst>
+              <a:ext uri="{FF2B5EF4-FFF2-40B4-BE49-F238E27FC236}">
+                <a16:creationId xmlns:a16="http://schemas.microsoft.com/office/drawing/2014/main" id="{DD8CE428-886E-44E1-898E-18CAF761DB2B}"/>
+              </a:ext>
+            </a:extLst>
+          </p:cNvPr>
+          <p:cNvPicPr>
+            <a:picLocks noChangeAspect="1"/>
+          </p:cNvPicPr>
+          <p:nvPr/>
+        </p:nvPicPr>
+        <p:blipFill rotWithShape="1">
+          <a:blip r:embed="rId3"/>
+          <a:srcRect l="12140" t="9751" r="12884" b="43383"/>
+          <a:stretch/>
+        </p:blipFill>
+        <p:spPr>
+          <a:xfrm>
+            <a:off x="-421375" y="767346"/>
+            <a:ext cx="7318612" cy="3535453"/>
+          </a:xfrm>
+          <a:prstGeom prst="rect">
+            <a:avLst/>
+          </a:prstGeom>
+          <a:ln>
+            <a:noFill/>
+          </a:ln>
+          <a:effectLst>
+            <a:outerShdw blurRad="292100" dist="139700" dir="2700000" algn="tl" rotWithShape="0">
+              <a:srgbClr val="333333">
+                <a:alpha val="65000"/>
+              </a:srgbClr>
+            </a:outerShdw>
+          </a:effectLst>
+        </p:spPr>
+      </p:pic>
+      <p:cxnSp>
+        <p:nvCxnSpPr>
+          <p:cNvPr id="15" name="直線矢印コネクタ 14">
+            <a:extLst>
+              <a:ext uri="{FF2B5EF4-FFF2-40B4-BE49-F238E27FC236}">
+                <a16:creationId xmlns:a16="http://schemas.microsoft.com/office/drawing/2014/main" id="{4BEFBE88-B367-4A3D-BF97-3BEB256AC981}"/>
+              </a:ext>
+            </a:extLst>
+          </p:cNvPr>
+          <p:cNvCxnSpPr>
+            <a:cxnSpLocks/>
+          </p:cNvCxnSpPr>
+          <p:nvPr/>
+        </p:nvCxnSpPr>
+        <p:spPr>
+          <a:xfrm flipV="1">
+            <a:off x="2260980" y="2249254"/>
+            <a:ext cx="7483520" cy="684665"/>
+          </a:xfrm>
+          <a:prstGeom prst="straightConnector1">
+            <a:avLst/>
+          </a:prstGeom>
+          <a:noFill/>
+          <a:ln w="28575">
+            <a:solidFill>
+              <a:srgbClr val="FF0000"/>
+            </a:solidFill>
+            <a:headEnd type="none" w="med" len="med"/>
+            <a:tailEnd type="arrow" w="med" len="med"/>
+          </a:ln>
+        </p:spPr>
+        <p:style>
+          <a:lnRef idx="2">
+            <a:schemeClr val="accent1">
+              <a:shade val="50000"/>
+            </a:schemeClr>
+          </a:lnRef>
+          <a:fillRef idx="1">
+            <a:schemeClr val="accent1"/>
+          </a:fillRef>
+          <a:effectRef idx="0">
+            <a:schemeClr val="accent1"/>
+          </a:effectRef>
+          <a:fontRef idx="minor">
+            <a:schemeClr val="lt1"/>
+          </a:fontRef>
+        </p:style>
+      </p:cxnSp>
+      <p:sp>
+        <p:nvSpPr>
+          <p:cNvPr id="16" name="四角形: 角を丸くする 15">
+            <a:extLst>
+              <a:ext uri="{FF2B5EF4-FFF2-40B4-BE49-F238E27FC236}">
+                <a16:creationId xmlns:a16="http://schemas.microsoft.com/office/drawing/2014/main" id="{44290984-9ABF-4BFE-BDE4-A956AF7DEF0D}"/>
+              </a:ext>
+            </a:extLst>
+          </p:cNvPr>
+          <p:cNvSpPr/>
+          <p:nvPr/>
+        </p:nvSpPr>
+        <p:spPr>
+          <a:xfrm>
+            <a:off x="-65964" y="2712877"/>
+            <a:ext cx="2326944" cy="442084"/>
+          </a:xfrm>
+          <a:prstGeom prst="roundRect">
+            <a:avLst/>
+          </a:prstGeom>
+          <a:noFill/>
+          <a:ln w="28575">
+            <a:solidFill>
+              <a:srgbClr val="FF0000"/>
+            </a:solidFill>
+          </a:ln>
+        </p:spPr>
+        <p:style>
+          <a:lnRef idx="2">
+            <a:schemeClr val="accent1">
+              <a:shade val="50000"/>
+            </a:schemeClr>
+          </a:lnRef>
+          <a:fillRef idx="1">
+            <a:schemeClr val="accent1"/>
+          </a:fillRef>
+          <a:effectRef idx="0">
+            <a:schemeClr val="accent1"/>
+          </a:effectRef>
+          <a:fontRef idx="minor">
+            <a:schemeClr val="lt1"/>
+          </a:fontRef>
+        </p:style>
+        <p:txBody>
+          <a:bodyPr rtlCol="0" anchor="ctr"/>
+          <a:lstStyle/>
+          <a:p>
+            <a:pPr algn="ctr"/>
+            <a:endParaRPr kumimoji="1" lang="ja-JP" altLang="en-US"/>
+          </a:p>
+        </p:txBody>
+      </p:sp>
+    </p:spTree>
+    <p:extLst>
+      <p:ext uri="{BB962C8B-B14F-4D97-AF65-F5344CB8AC3E}">
+        <p14:creationId xmlns:p14="http://schemas.microsoft.com/office/powerpoint/2010/main" val="3458667466"/>
+      </p:ext>
+    </p:extLst>
+  </p:cSld>
+  <p:clrMapOvr>
+    <a:masterClrMapping/>
+  </p:clrMapOvr>
+</p:sld>
+</file>
+
 <file path=ppt/slides/slide2.xml><?xml version="1.0" encoding="utf-8"?>
 <p:sld xmlns:a="http://schemas.openxmlformats.org/drawingml/2006/main" xmlns:r="http://schemas.openxmlformats.org/officeDocument/2006/relationships" xmlns:p="http://schemas.openxmlformats.org/presentationml/2006/main">
   <p:cSld>
@@ -6128,6 +6398,653 @@
     <p:extLst>
       <p:ext uri="{BB962C8B-B14F-4D97-AF65-F5344CB8AC3E}">
         <p14:creationId xmlns:p14="http://schemas.microsoft.com/office/powerpoint/2010/main" val="2147225130"/>
+      </p:ext>
+    </p:extLst>
+  </p:cSld>
+  <p:clrMapOvr>
+    <a:masterClrMapping/>
+  </p:clrMapOvr>
+</p:sld>
+</file>
+
+<file path=ppt/slides/slide7.xml><?xml version="1.0" encoding="utf-8"?>
+<p:sld xmlns:a="http://schemas.openxmlformats.org/drawingml/2006/main" xmlns:r="http://schemas.openxmlformats.org/officeDocument/2006/relationships" xmlns:p="http://schemas.openxmlformats.org/presentationml/2006/main">
+  <p:cSld>
+    <p:spTree>
+      <p:nvGrpSpPr>
+        <p:cNvPr id="1" name=""/>
+        <p:cNvGrpSpPr/>
+        <p:nvPr/>
+      </p:nvGrpSpPr>
+      <p:grpSpPr>
+        <a:xfrm>
+          <a:off x="0" y="0"/>
+          <a:ext cx="0" cy="0"/>
+          <a:chOff x="0" y="0"/>
+          <a:chExt cx="0" cy="0"/>
+        </a:xfrm>
+      </p:grpSpPr>
+      <p:pic>
+        <p:nvPicPr>
+          <p:cNvPr id="3" name="図 2">
+            <a:extLst>
+              <a:ext uri="{FF2B5EF4-FFF2-40B4-BE49-F238E27FC236}">
+                <a16:creationId xmlns:a16="http://schemas.microsoft.com/office/drawing/2014/main" id="{7275B83C-3948-47B2-BAC7-DDB66209D0EC}"/>
+              </a:ext>
+            </a:extLst>
+          </p:cNvPr>
+          <p:cNvPicPr>
+            <a:picLocks noChangeAspect="1"/>
+          </p:cNvPicPr>
+          <p:nvPr/>
+        </p:nvPicPr>
+        <p:blipFill>
+          <a:blip r:embed="rId2"/>
+          <a:stretch>
+            <a:fillRect/>
+          </a:stretch>
+        </p:blipFill>
+        <p:spPr>
+          <a:xfrm>
+            <a:off x="1515985" y="1229833"/>
+            <a:ext cx="9160030" cy="4398333"/>
+          </a:xfrm>
+          <a:prstGeom prst="rect">
+            <a:avLst/>
+          </a:prstGeom>
+          <a:ln>
+            <a:noFill/>
+          </a:ln>
+          <a:effectLst>
+            <a:outerShdw blurRad="292100" dist="139700" dir="2700000" algn="tl" rotWithShape="0">
+              <a:srgbClr val="333333">
+                <a:alpha val="65000"/>
+              </a:srgbClr>
+            </a:outerShdw>
+          </a:effectLst>
+        </p:spPr>
+      </p:pic>
+      <p:sp>
+        <p:nvSpPr>
+          <p:cNvPr id="5" name="楕円 4">
+            <a:extLst>
+              <a:ext uri="{FF2B5EF4-FFF2-40B4-BE49-F238E27FC236}">
+                <a16:creationId xmlns:a16="http://schemas.microsoft.com/office/drawing/2014/main" id="{E98EF526-B4AE-41ED-A6D1-6F67FE248507}"/>
+              </a:ext>
+            </a:extLst>
+          </p:cNvPr>
+          <p:cNvSpPr/>
+          <p:nvPr/>
+        </p:nvSpPr>
+        <p:spPr>
+          <a:xfrm>
+            <a:off x="9206060" y="2565778"/>
+            <a:ext cx="934228" cy="614150"/>
+          </a:xfrm>
+          <a:prstGeom prst="ellipse">
+            <a:avLst/>
+          </a:prstGeom>
+          <a:noFill/>
+          <a:ln w="28575">
+            <a:solidFill>
+              <a:srgbClr val="FF0000"/>
+            </a:solidFill>
+          </a:ln>
+        </p:spPr>
+        <p:style>
+          <a:lnRef idx="2">
+            <a:schemeClr val="accent1">
+              <a:shade val="50000"/>
+            </a:schemeClr>
+          </a:lnRef>
+          <a:fillRef idx="1">
+            <a:schemeClr val="accent1"/>
+          </a:fillRef>
+          <a:effectRef idx="0">
+            <a:schemeClr val="accent1"/>
+          </a:effectRef>
+          <a:fontRef idx="minor">
+            <a:schemeClr val="lt1"/>
+          </a:fontRef>
+        </p:style>
+        <p:txBody>
+          <a:bodyPr rot="0" spcFirstLastPara="0" vertOverflow="overflow" horzOverflow="overflow" vert="horz" wrap="square" lIns="91440" tIns="45720" rIns="91440" bIns="45720" numCol="1" spcCol="0" rtlCol="0" fromWordArt="0" anchor="ctr" anchorCtr="0" forceAA="0" compatLnSpc="1">
+            <a:prstTxWarp prst="textNoShape">
+              <a:avLst/>
+            </a:prstTxWarp>
+            <a:noAutofit/>
+          </a:bodyPr>
+          <a:lstStyle/>
+          <a:p>
+            <a:pPr algn="ctr"/>
+            <a:endParaRPr lang="ja-JP" altLang="en-US"/>
+          </a:p>
+        </p:txBody>
+      </p:sp>
+    </p:spTree>
+    <p:extLst>
+      <p:ext uri="{BB962C8B-B14F-4D97-AF65-F5344CB8AC3E}">
+        <p14:creationId xmlns:p14="http://schemas.microsoft.com/office/powerpoint/2010/main" val="3243908485"/>
+      </p:ext>
+    </p:extLst>
+  </p:cSld>
+  <p:clrMapOvr>
+    <a:masterClrMapping/>
+  </p:clrMapOvr>
+</p:sld>
+</file>
+
+<file path=ppt/slides/slide8.xml><?xml version="1.0" encoding="utf-8"?>
+<p:sld xmlns:a="http://schemas.openxmlformats.org/drawingml/2006/main" xmlns:r="http://schemas.openxmlformats.org/officeDocument/2006/relationships" xmlns:p="http://schemas.openxmlformats.org/presentationml/2006/main">
+  <p:cSld>
+    <p:spTree>
+      <p:nvGrpSpPr>
+        <p:cNvPr id="1" name=""/>
+        <p:cNvGrpSpPr/>
+        <p:nvPr/>
+      </p:nvGrpSpPr>
+      <p:grpSpPr>
+        <a:xfrm>
+          <a:off x="0" y="0"/>
+          <a:ext cx="0" cy="0"/>
+          <a:chOff x="0" y="0"/>
+          <a:chExt cx="0" cy="0"/>
+        </a:xfrm>
+      </p:grpSpPr>
+      <p:pic>
+        <p:nvPicPr>
+          <p:cNvPr id="3" name="図 2" descr="スクリーンショット が含まれている画像&#10;&#10;非常に高い精度で生成された説明">
+            <a:extLst>
+              <a:ext uri="{FF2B5EF4-FFF2-40B4-BE49-F238E27FC236}">
+                <a16:creationId xmlns:a16="http://schemas.microsoft.com/office/drawing/2014/main" id="{22FCDBC7-D089-42B1-A391-DD6DADA41355}"/>
+              </a:ext>
+            </a:extLst>
+          </p:cNvPr>
+          <p:cNvPicPr>
+            <a:picLocks noChangeAspect="1"/>
+          </p:cNvPicPr>
+          <p:nvPr/>
+        </p:nvPicPr>
+        <p:blipFill>
+          <a:blip r:embed="rId2">
+            <a:extLst>
+              <a:ext uri="{28A0092B-C50C-407E-A947-70E740481C1C}">
+                <a14:useLocalDpi xmlns:a14="http://schemas.microsoft.com/office/drawing/2010/main" val="0"/>
+              </a:ext>
+            </a:extLst>
+          </a:blip>
+          <a:stretch>
+            <a:fillRect/>
+          </a:stretch>
+        </p:blipFill>
+        <p:spPr>
+          <a:xfrm>
+            <a:off x="2443136" y="1400160"/>
+            <a:ext cx="7305728" cy="4057680"/>
+          </a:xfrm>
+          <a:prstGeom prst="rect">
+            <a:avLst/>
+          </a:prstGeom>
+          <a:ln>
+            <a:noFill/>
+          </a:ln>
+          <a:effectLst>
+            <a:outerShdw blurRad="292100" dist="139700" dir="2700000" algn="tl" rotWithShape="0">
+              <a:srgbClr val="333333">
+                <a:alpha val="65000"/>
+              </a:srgbClr>
+            </a:outerShdw>
+          </a:effectLst>
+        </p:spPr>
+      </p:pic>
+      <p:sp>
+        <p:nvSpPr>
+          <p:cNvPr id="4" name="楕円 3">
+            <a:extLst>
+              <a:ext uri="{FF2B5EF4-FFF2-40B4-BE49-F238E27FC236}">
+                <a16:creationId xmlns:a16="http://schemas.microsoft.com/office/drawing/2014/main" id="{FCA3D9F2-B2A6-44BC-B255-26D32DA9597F}"/>
+              </a:ext>
+            </a:extLst>
+          </p:cNvPr>
+          <p:cNvSpPr/>
+          <p:nvPr/>
+        </p:nvSpPr>
+        <p:spPr>
+          <a:xfrm>
+            <a:off x="8423649" y="3580931"/>
+            <a:ext cx="1243458" cy="419473"/>
+          </a:xfrm>
+          <a:prstGeom prst="ellipse">
+            <a:avLst/>
+          </a:prstGeom>
+          <a:noFill/>
+          <a:ln w="28575">
+            <a:solidFill>
+              <a:srgbClr val="FF0000"/>
+            </a:solidFill>
+          </a:ln>
+        </p:spPr>
+        <p:style>
+          <a:lnRef idx="2">
+            <a:schemeClr val="accent1">
+              <a:shade val="50000"/>
+            </a:schemeClr>
+          </a:lnRef>
+          <a:fillRef idx="1">
+            <a:schemeClr val="accent1"/>
+          </a:fillRef>
+          <a:effectRef idx="0">
+            <a:schemeClr val="accent1"/>
+          </a:effectRef>
+          <a:fontRef idx="minor">
+            <a:schemeClr val="lt1"/>
+          </a:fontRef>
+        </p:style>
+        <p:txBody>
+          <a:bodyPr rot="0" spcFirstLastPara="0" vertOverflow="overflow" horzOverflow="overflow" vert="horz" wrap="square" lIns="91440" tIns="45720" rIns="91440" bIns="45720" numCol="1" spcCol="0" rtlCol="0" fromWordArt="0" anchor="ctr" anchorCtr="0" forceAA="0" compatLnSpc="1">
+            <a:prstTxWarp prst="textNoShape">
+              <a:avLst/>
+            </a:prstTxWarp>
+            <a:noAutofit/>
+          </a:bodyPr>
+          <a:lstStyle/>
+          <a:p>
+            <a:pPr algn="ctr"/>
+            <a:endParaRPr lang="ja-JP" altLang="en-US"/>
+          </a:p>
+        </p:txBody>
+      </p:sp>
+      <p:sp>
+        <p:nvSpPr>
+          <p:cNvPr id="5" name="四角形: 角を丸くする 4">
+            <a:extLst>
+              <a:ext uri="{FF2B5EF4-FFF2-40B4-BE49-F238E27FC236}">
+                <a16:creationId xmlns:a16="http://schemas.microsoft.com/office/drawing/2014/main" id="{F5980B2D-F70D-4162-A5C0-BDE863828CC7}"/>
+              </a:ext>
+            </a:extLst>
+          </p:cNvPr>
+          <p:cNvSpPr/>
+          <p:nvPr/>
+        </p:nvSpPr>
+        <p:spPr>
+          <a:xfrm>
+            <a:off x="7032236" y="4338318"/>
+            <a:ext cx="2439310" cy="390803"/>
+          </a:xfrm>
+          <a:prstGeom prst="roundRect">
+            <a:avLst/>
+          </a:prstGeom>
+          <a:noFill/>
+          <a:ln w="28575">
+            <a:solidFill>
+              <a:srgbClr val="FF0000"/>
+            </a:solidFill>
+          </a:ln>
+        </p:spPr>
+        <p:style>
+          <a:lnRef idx="2">
+            <a:schemeClr val="accent1">
+              <a:shade val="50000"/>
+            </a:schemeClr>
+          </a:lnRef>
+          <a:fillRef idx="1">
+            <a:schemeClr val="accent1"/>
+          </a:fillRef>
+          <a:effectRef idx="0">
+            <a:schemeClr val="accent1"/>
+          </a:effectRef>
+          <a:fontRef idx="minor">
+            <a:schemeClr val="lt1"/>
+          </a:fontRef>
+        </p:style>
+        <p:txBody>
+          <a:bodyPr rtlCol="0" anchor="ctr"/>
+          <a:lstStyle/>
+          <a:p>
+            <a:pPr algn="ctr"/>
+            <a:endParaRPr kumimoji="1" lang="ja-JP" altLang="en-US"/>
+          </a:p>
+        </p:txBody>
+      </p:sp>
+    </p:spTree>
+    <p:extLst>
+      <p:ext uri="{BB962C8B-B14F-4D97-AF65-F5344CB8AC3E}">
+        <p14:creationId xmlns:p14="http://schemas.microsoft.com/office/powerpoint/2010/main" val="3922983983"/>
+      </p:ext>
+    </p:extLst>
+  </p:cSld>
+  <p:clrMapOvr>
+    <a:masterClrMapping/>
+  </p:clrMapOvr>
+</p:sld>
+</file>
+
+<file path=ppt/slides/slide9.xml><?xml version="1.0" encoding="utf-8"?>
+<p:sld xmlns:a="http://schemas.openxmlformats.org/drawingml/2006/main" xmlns:r="http://schemas.openxmlformats.org/officeDocument/2006/relationships" xmlns:p="http://schemas.openxmlformats.org/presentationml/2006/main">
+  <p:cSld>
+    <p:spTree>
+      <p:nvGrpSpPr>
+        <p:cNvPr id="1" name=""/>
+        <p:cNvGrpSpPr/>
+        <p:nvPr/>
+      </p:nvGrpSpPr>
+      <p:grpSpPr>
+        <a:xfrm>
+          <a:off x="0" y="0"/>
+          <a:ext cx="0" cy="0"/>
+          <a:chOff x="0" y="0"/>
+          <a:chExt cx="0" cy="0"/>
+        </a:xfrm>
+      </p:grpSpPr>
+      <p:pic>
+        <p:nvPicPr>
+          <p:cNvPr id="3" name="図 2" descr="スクリーンショット が含まれている画像&#10;&#10;非常に高い精度で生成された説明">
+            <a:extLst>
+              <a:ext uri="{FF2B5EF4-FFF2-40B4-BE49-F238E27FC236}">
+                <a16:creationId xmlns:a16="http://schemas.microsoft.com/office/drawing/2014/main" id="{E37BAFEC-92AF-4BF8-AF15-DBF6B71A92B4}"/>
+              </a:ext>
+            </a:extLst>
+          </p:cNvPr>
+          <p:cNvPicPr>
+            <a:picLocks noChangeAspect="1"/>
+          </p:cNvPicPr>
+          <p:nvPr/>
+        </p:nvPicPr>
+        <p:blipFill rotWithShape="1">
+          <a:blip r:embed="rId2">
+            <a:extLst>
+              <a:ext uri="{28A0092B-C50C-407E-A947-70E740481C1C}">
+                <a14:useLocalDpi xmlns:a14="http://schemas.microsoft.com/office/drawing/2010/main" val="0"/>
+              </a:ext>
+            </a:extLst>
+          </a:blip>
+          <a:srcRect l="2120"/>
+          <a:stretch/>
+        </p:blipFill>
+        <p:spPr>
+          <a:xfrm>
+            <a:off x="1269242" y="819203"/>
+            <a:ext cx="5570617" cy="4810160"/>
+          </a:xfrm>
+          <a:prstGeom prst="rect">
+            <a:avLst/>
+          </a:prstGeom>
+          <a:ln>
+            <a:noFill/>
+          </a:ln>
+          <a:effectLst>
+            <a:outerShdw blurRad="292100" dist="139700" dir="2700000" algn="tl" rotWithShape="0">
+              <a:srgbClr val="333333">
+                <a:alpha val="65000"/>
+              </a:srgbClr>
+            </a:outerShdw>
+          </a:effectLst>
+        </p:spPr>
+      </p:pic>
+      <p:pic>
+        <p:nvPicPr>
+          <p:cNvPr id="4" name="図 3" descr="スクリーンショット が含まれている画像&#10;&#10;非常に高い精度で生成された説明">
+            <a:extLst>
+              <a:ext uri="{FF2B5EF4-FFF2-40B4-BE49-F238E27FC236}">
+                <a16:creationId xmlns:a16="http://schemas.microsoft.com/office/drawing/2014/main" id="{DBB57E9C-7D4E-4CA9-97AA-E4CD78D5994E}"/>
+              </a:ext>
+            </a:extLst>
+          </p:cNvPr>
+          <p:cNvPicPr>
+            <a:picLocks noChangeAspect="1"/>
+          </p:cNvPicPr>
+          <p:nvPr/>
+        </p:nvPicPr>
+        <p:blipFill rotWithShape="1">
+          <a:blip r:embed="rId3">
+            <a:extLst>
+              <a:ext uri="{28A0092B-C50C-407E-A947-70E740481C1C}">
+                <a14:useLocalDpi xmlns:a14="http://schemas.microsoft.com/office/drawing/2010/main" val="0"/>
+              </a:ext>
+            </a:extLst>
+          </a:blip>
+          <a:srcRect l="64542"/>
+          <a:stretch/>
+        </p:blipFill>
+        <p:spPr>
+          <a:xfrm>
+            <a:off x="6839858" y="819203"/>
+            <a:ext cx="3354971" cy="4810160"/>
+          </a:xfrm>
+          <a:prstGeom prst="rect">
+            <a:avLst/>
+          </a:prstGeom>
+          <a:ln>
+            <a:noFill/>
+          </a:ln>
+          <a:effectLst>
+            <a:outerShdw blurRad="292100" dist="139700" dir="2700000" algn="tl" rotWithShape="0">
+              <a:srgbClr val="333333">
+                <a:alpha val="65000"/>
+              </a:srgbClr>
+            </a:outerShdw>
+          </a:effectLst>
+        </p:spPr>
+      </p:pic>
+      <p:sp>
+        <p:nvSpPr>
+          <p:cNvPr id="5" name="楕円 4">
+            <a:extLst>
+              <a:ext uri="{FF2B5EF4-FFF2-40B4-BE49-F238E27FC236}">
+                <a16:creationId xmlns:a16="http://schemas.microsoft.com/office/drawing/2014/main" id="{59947601-C8E8-457E-97AC-22BC7D66C64A}"/>
+              </a:ext>
+            </a:extLst>
+          </p:cNvPr>
+          <p:cNvSpPr/>
+          <p:nvPr/>
+        </p:nvSpPr>
+        <p:spPr>
+          <a:xfrm>
+            <a:off x="6995122" y="3050274"/>
+            <a:ext cx="1602968" cy="614150"/>
+          </a:xfrm>
+          <a:prstGeom prst="ellipse">
+            <a:avLst/>
+          </a:prstGeom>
+          <a:noFill/>
+          <a:ln w="28575">
+            <a:solidFill>
+              <a:srgbClr val="FF0000"/>
+            </a:solidFill>
+          </a:ln>
+        </p:spPr>
+        <p:style>
+          <a:lnRef idx="2">
+            <a:schemeClr val="accent1">
+              <a:shade val="50000"/>
+            </a:schemeClr>
+          </a:lnRef>
+          <a:fillRef idx="1">
+            <a:schemeClr val="accent1"/>
+          </a:fillRef>
+          <a:effectRef idx="0">
+            <a:schemeClr val="accent1"/>
+          </a:effectRef>
+          <a:fontRef idx="minor">
+            <a:schemeClr val="lt1"/>
+          </a:fontRef>
+        </p:style>
+        <p:txBody>
+          <a:bodyPr rot="0" spcFirstLastPara="0" vertOverflow="overflow" horzOverflow="overflow" vert="horz" wrap="square" lIns="91440" tIns="45720" rIns="91440" bIns="45720" numCol="1" spcCol="0" rtlCol="0" fromWordArt="0" anchor="ctr" anchorCtr="0" forceAA="0" compatLnSpc="1">
+            <a:prstTxWarp prst="textNoShape">
+              <a:avLst/>
+            </a:prstTxWarp>
+            <a:noAutofit/>
+          </a:bodyPr>
+          <a:lstStyle/>
+          <a:p>
+            <a:pPr algn="ctr"/>
+            <a:endParaRPr lang="ja-JP" altLang="en-US"/>
+          </a:p>
+        </p:txBody>
+      </p:sp>
+      <p:sp>
+        <p:nvSpPr>
+          <p:cNvPr id="6" name="四角形: 角を丸くする 5">
+            <a:extLst>
+              <a:ext uri="{FF2B5EF4-FFF2-40B4-BE49-F238E27FC236}">
+                <a16:creationId xmlns:a16="http://schemas.microsoft.com/office/drawing/2014/main" id="{359D4964-05D1-4992-9689-AFE1A6A4A348}"/>
+              </a:ext>
+            </a:extLst>
+          </p:cNvPr>
+          <p:cNvSpPr/>
+          <p:nvPr/>
+        </p:nvSpPr>
+        <p:spPr>
+          <a:xfrm>
+            <a:off x="1269241" y="3224283"/>
+            <a:ext cx="1705971" cy="390803"/>
+          </a:xfrm>
+          <a:prstGeom prst="roundRect">
+            <a:avLst/>
+          </a:prstGeom>
+          <a:noFill/>
+          <a:ln w="28575">
+            <a:solidFill>
+              <a:srgbClr val="FF0000"/>
+            </a:solidFill>
+          </a:ln>
+        </p:spPr>
+        <p:style>
+          <a:lnRef idx="2">
+            <a:schemeClr val="accent1">
+              <a:shade val="50000"/>
+            </a:schemeClr>
+          </a:lnRef>
+          <a:fillRef idx="1">
+            <a:schemeClr val="accent1"/>
+          </a:fillRef>
+          <a:effectRef idx="0">
+            <a:schemeClr val="accent1"/>
+          </a:effectRef>
+          <a:fontRef idx="minor">
+            <a:schemeClr val="lt1"/>
+          </a:fontRef>
+        </p:style>
+        <p:txBody>
+          <a:bodyPr rtlCol="0" anchor="ctr"/>
+          <a:lstStyle/>
+          <a:p>
+            <a:pPr algn="ctr"/>
+            <a:endParaRPr kumimoji="1" lang="ja-JP" altLang="en-US"/>
+          </a:p>
+        </p:txBody>
+      </p:sp>
+      <p:sp>
+        <p:nvSpPr>
+          <p:cNvPr id="7" name="四角形: 角を丸くする 6">
+            <a:extLst>
+              <a:ext uri="{FF2B5EF4-FFF2-40B4-BE49-F238E27FC236}">
+                <a16:creationId xmlns:a16="http://schemas.microsoft.com/office/drawing/2014/main" id="{C16F5CE3-095D-484F-A579-179340D77E9D}"/>
+              </a:ext>
+            </a:extLst>
+          </p:cNvPr>
+          <p:cNvSpPr/>
+          <p:nvPr/>
+        </p:nvSpPr>
+        <p:spPr>
+          <a:xfrm>
+            <a:off x="3726893" y="2086970"/>
+            <a:ext cx="2264473" cy="1761699"/>
+          </a:xfrm>
+          <a:prstGeom prst="roundRect">
+            <a:avLst>
+              <a:gd name="adj" fmla="val 7416"/>
+            </a:avLst>
+          </a:prstGeom>
+          <a:noFill/>
+          <a:ln w="28575">
+            <a:solidFill>
+              <a:srgbClr val="FF0000"/>
+            </a:solidFill>
+          </a:ln>
+        </p:spPr>
+        <p:style>
+          <a:lnRef idx="2">
+            <a:schemeClr val="accent1">
+              <a:shade val="50000"/>
+            </a:schemeClr>
+          </a:lnRef>
+          <a:fillRef idx="1">
+            <a:schemeClr val="accent1"/>
+          </a:fillRef>
+          <a:effectRef idx="0">
+            <a:schemeClr val="accent1"/>
+          </a:effectRef>
+          <a:fontRef idx="minor">
+            <a:schemeClr val="lt1"/>
+          </a:fontRef>
+        </p:style>
+        <p:txBody>
+          <a:bodyPr rtlCol="0" anchor="ctr"/>
+          <a:lstStyle/>
+          <a:p>
+            <a:pPr algn="ctr"/>
+            <a:endParaRPr kumimoji="1" lang="ja-JP" altLang="en-US"/>
+          </a:p>
+        </p:txBody>
+      </p:sp>
+      <p:sp>
+        <p:nvSpPr>
+          <p:cNvPr id="9" name="四角形: 角を丸くする 8">
+            <a:extLst>
+              <a:ext uri="{FF2B5EF4-FFF2-40B4-BE49-F238E27FC236}">
+                <a16:creationId xmlns:a16="http://schemas.microsoft.com/office/drawing/2014/main" id="{3E9A0660-FA13-4232-9D2E-A25091854E9B}"/>
+              </a:ext>
+            </a:extLst>
+          </p:cNvPr>
+          <p:cNvSpPr/>
+          <p:nvPr/>
+        </p:nvSpPr>
+        <p:spPr>
+          <a:xfrm>
+            <a:off x="3724673" y="1575179"/>
+            <a:ext cx="1705971" cy="390803"/>
+          </a:xfrm>
+          <a:prstGeom prst="roundRect">
+            <a:avLst/>
+          </a:prstGeom>
+          <a:noFill/>
+          <a:ln w="28575">
+            <a:solidFill>
+              <a:srgbClr val="FF0000"/>
+            </a:solidFill>
+          </a:ln>
+        </p:spPr>
+        <p:style>
+          <a:lnRef idx="2">
+            <a:schemeClr val="accent1">
+              <a:shade val="50000"/>
+            </a:schemeClr>
+          </a:lnRef>
+          <a:fillRef idx="1">
+            <a:schemeClr val="accent1"/>
+          </a:fillRef>
+          <a:effectRef idx="0">
+            <a:schemeClr val="accent1"/>
+          </a:effectRef>
+          <a:fontRef idx="minor">
+            <a:schemeClr val="lt1"/>
+          </a:fontRef>
+        </p:style>
+        <p:txBody>
+          <a:bodyPr rtlCol="0" anchor="ctr"/>
+          <a:lstStyle/>
+          <a:p>
+            <a:pPr algn="ctr"/>
+            <a:endParaRPr kumimoji="1" lang="ja-JP" altLang="en-US"/>
+          </a:p>
+        </p:txBody>
+      </p:sp>
+    </p:spTree>
+    <p:extLst>
+      <p:ext uri="{BB962C8B-B14F-4D97-AF65-F5344CB8AC3E}">
+        <p14:creationId xmlns:p14="http://schemas.microsoft.com/office/powerpoint/2010/main" val="1424507005"/>
       </p:ext>
     </p:extLst>
   </p:cSld>

--- a/document/02_develop_webdb_on_paas/図版.pptx
+++ b/document/02_develop_webdb_on_paas/図版.pptx
@@ -15,6 +15,10 @@
     <p:sldId id="301" r:id="rId9"/>
     <p:sldId id="302" r:id="rId10"/>
     <p:sldId id="303" r:id="rId11"/>
+    <p:sldId id="304" r:id="rId12"/>
+    <p:sldId id="305" r:id="rId13"/>
+    <p:sldId id="306" r:id="rId14"/>
+    <p:sldId id="307" r:id="rId15"/>
   </p:sldIdLst>
   <p:sldSz cx="12192000" cy="6858000"/>
   <p:notesSz cx="6858000" cy="9144000"/>
@@ -4335,6 +4339,942 @@
 </p:sld>
 </file>
 
+<file path=ppt/slides/slide11.xml><?xml version="1.0" encoding="utf-8"?>
+<p:sld xmlns:a="http://schemas.openxmlformats.org/drawingml/2006/main" xmlns:r="http://schemas.openxmlformats.org/officeDocument/2006/relationships" xmlns:p="http://schemas.openxmlformats.org/presentationml/2006/main">
+  <p:cSld>
+    <p:spTree>
+      <p:nvGrpSpPr>
+        <p:cNvPr id="1" name=""/>
+        <p:cNvGrpSpPr/>
+        <p:nvPr/>
+      </p:nvGrpSpPr>
+      <p:grpSpPr>
+        <a:xfrm>
+          <a:off x="0" y="0"/>
+          <a:ext cx="0" cy="0"/>
+          <a:chOff x="0" y="0"/>
+          <a:chExt cx="0" cy="0"/>
+        </a:xfrm>
+      </p:grpSpPr>
+      <p:pic>
+        <p:nvPicPr>
+          <p:cNvPr id="5" name="図 4" descr="スクリーンショット が含まれている画像&#10;&#10;非常に高い精度で生成された説明">
+            <a:extLst>
+              <a:ext uri="{FF2B5EF4-FFF2-40B4-BE49-F238E27FC236}">
+                <a16:creationId xmlns:a16="http://schemas.microsoft.com/office/drawing/2014/main" id="{5CE9DD38-565B-4D1F-947F-6E7403073730}"/>
+              </a:ext>
+            </a:extLst>
+          </p:cNvPr>
+          <p:cNvPicPr>
+            <a:picLocks noChangeAspect="1"/>
+          </p:cNvPicPr>
+          <p:nvPr/>
+        </p:nvPicPr>
+        <p:blipFill>
+          <a:blip r:embed="rId2">
+            <a:extLst>
+              <a:ext uri="{28A0092B-C50C-407E-A947-70E740481C1C}">
+                <a14:useLocalDpi xmlns:a14="http://schemas.microsoft.com/office/drawing/2010/main" val="0"/>
+              </a:ext>
+            </a:extLst>
+          </a:blip>
+          <a:stretch>
+            <a:fillRect/>
+          </a:stretch>
+        </p:blipFill>
+        <p:spPr>
+          <a:xfrm>
+            <a:off x="-138656" y="406168"/>
+            <a:ext cx="5986624" cy="3022832"/>
+          </a:xfrm>
+          <a:prstGeom prst="rect">
+            <a:avLst/>
+          </a:prstGeom>
+          <a:ln>
+            <a:noFill/>
+          </a:ln>
+          <a:effectLst>
+            <a:outerShdw blurRad="292100" dist="139700" dir="2700000" algn="tl" rotWithShape="0">
+              <a:srgbClr val="333333">
+                <a:alpha val="65000"/>
+              </a:srgbClr>
+            </a:outerShdw>
+          </a:effectLst>
+        </p:spPr>
+      </p:pic>
+      <p:pic>
+        <p:nvPicPr>
+          <p:cNvPr id="7" name="図 6" descr="スクリーンショット が含まれている画像&#10;&#10;非常に高い精度で生成された説明">
+            <a:extLst>
+              <a:ext uri="{FF2B5EF4-FFF2-40B4-BE49-F238E27FC236}">
+                <a16:creationId xmlns:a16="http://schemas.microsoft.com/office/drawing/2014/main" id="{8869B9BE-75EB-4ECE-8809-EC5169D2B798}"/>
+              </a:ext>
+            </a:extLst>
+          </p:cNvPr>
+          <p:cNvPicPr>
+            <a:picLocks noChangeAspect="1"/>
+          </p:cNvPicPr>
+          <p:nvPr/>
+        </p:nvPicPr>
+        <p:blipFill>
+          <a:blip r:embed="rId3">
+            <a:extLst>
+              <a:ext uri="{28A0092B-C50C-407E-A947-70E740481C1C}">
+                <a14:useLocalDpi xmlns:a14="http://schemas.microsoft.com/office/drawing/2010/main" val="0"/>
+              </a:ext>
+            </a:extLst>
+          </a:blip>
+          <a:stretch>
+            <a:fillRect/>
+          </a:stretch>
+        </p:blipFill>
+        <p:spPr>
+          <a:xfrm>
+            <a:off x="3358206" y="1390243"/>
+            <a:ext cx="8901178" cy="4500595"/>
+          </a:xfrm>
+          <a:prstGeom prst="rect">
+            <a:avLst/>
+          </a:prstGeom>
+          <a:ln>
+            <a:noFill/>
+          </a:ln>
+          <a:effectLst>
+            <a:outerShdw blurRad="292100" dist="139700" dir="2700000" algn="tl" rotWithShape="0">
+              <a:srgbClr val="333333">
+                <a:alpha val="65000"/>
+              </a:srgbClr>
+            </a:outerShdw>
+          </a:effectLst>
+        </p:spPr>
+      </p:pic>
+      <p:sp>
+        <p:nvSpPr>
+          <p:cNvPr id="8" name="楕円 7">
+            <a:extLst>
+              <a:ext uri="{FF2B5EF4-FFF2-40B4-BE49-F238E27FC236}">
+                <a16:creationId xmlns:a16="http://schemas.microsoft.com/office/drawing/2014/main" id="{B7A9DF7D-A493-46F6-9BD2-1FEF2EF7DDF5}"/>
+              </a:ext>
+            </a:extLst>
+          </p:cNvPr>
+          <p:cNvSpPr/>
+          <p:nvPr/>
+        </p:nvSpPr>
+        <p:spPr>
+          <a:xfrm>
+            <a:off x="1915760" y="658073"/>
+            <a:ext cx="995317" cy="507562"/>
+          </a:xfrm>
+          <a:prstGeom prst="ellipse">
+            <a:avLst/>
+          </a:prstGeom>
+          <a:noFill/>
+          <a:ln w="28575">
+            <a:solidFill>
+              <a:srgbClr val="FF0000"/>
+            </a:solidFill>
+          </a:ln>
+        </p:spPr>
+        <p:style>
+          <a:lnRef idx="2">
+            <a:schemeClr val="accent1">
+              <a:shade val="50000"/>
+            </a:schemeClr>
+          </a:lnRef>
+          <a:fillRef idx="1">
+            <a:schemeClr val="accent1"/>
+          </a:fillRef>
+          <a:effectRef idx="0">
+            <a:schemeClr val="accent1"/>
+          </a:effectRef>
+          <a:fontRef idx="minor">
+            <a:schemeClr val="lt1"/>
+          </a:fontRef>
+        </p:style>
+        <p:txBody>
+          <a:bodyPr rot="0" spcFirstLastPara="0" vertOverflow="overflow" horzOverflow="overflow" vert="horz" wrap="square" lIns="91440" tIns="45720" rIns="91440" bIns="45720" numCol="1" spcCol="0" rtlCol="0" fromWordArt="0" anchor="ctr" anchorCtr="0" forceAA="0" compatLnSpc="1">
+            <a:prstTxWarp prst="textNoShape">
+              <a:avLst/>
+            </a:prstTxWarp>
+            <a:noAutofit/>
+          </a:bodyPr>
+          <a:lstStyle/>
+          <a:p>
+            <a:pPr algn="ctr"/>
+            <a:endParaRPr lang="ja-JP" altLang="en-US"/>
+          </a:p>
+        </p:txBody>
+      </p:sp>
+      <p:sp>
+        <p:nvSpPr>
+          <p:cNvPr id="9" name="四角形: 角を丸くする 8">
+            <a:extLst>
+              <a:ext uri="{FF2B5EF4-FFF2-40B4-BE49-F238E27FC236}">
+                <a16:creationId xmlns:a16="http://schemas.microsoft.com/office/drawing/2014/main" id="{ED44B98D-7CDF-4298-A54E-2F110A9DBB08}"/>
+              </a:ext>
+            </a:extLst>
+          </p:cNvPr>
+          <p:cNvSpPr/>
+          <p:nvPr/>
+        </p:nvSpPr>
+        <p:spPr>
+          <a:xfrm>
+            <a:off x="6435584" y="2627100"/>
+            <a:ext cx="5339508" cy="1455950"/>
+          </a:xfrm>
+          <a:prstGeom prst="roundRect">
+            <a:avLst>
+              <a:gd name="adj" fmla="val 7416"/>
+            </a:avLst>
+          </a:prstGeom>
+          <a:noFill/>
+          <a:ln w="28575">
+            <a:solidFill>
+              <a:srgbClr val="FF0000"/>
+            </a:solidFill>
+          </a:ln>
+        </p:spPr>
+        <p:style>
+          <a:lnRef idx="2">
+            <a:schemeClr val="accent1">
+              <a:shade val="50000"/>
+            </a:schemeClr>
+          </a:lnRef>
+          <a:fillRef idx="1">
+            <a:schemeClr val="accent1"/>
+          </a:fillRef>
+          <a:effectRef idx="0">
+            <a:schemeClr val="accent1"/>
+          </a:effectRef>
+          <a:fontRef idx="minor">
+            <a:schemeClr val="lt1"/>
+          </a:fontRef>
+        </p:style>
+        <p:txBody>
+          <a:bodyPr rtlCol="0" anchor="ctr"/>
+          <a:lstStyle/>
+          <a:p>
+            <a:pPr algn="ctr"/>
+            <a:endParaRPr kumimoji="1" lang="ja-JP" altLang="en-US"/>
+          </a:p>
+        </p:txBody>
+      </p:sp>
+      <p:sp>
+        <p:nvSpPr>
+          <p:cNvPr id="10" name="四角形: 角を丸くする 9">
+            <a:extLst>
+              <a:ext uri="{FF2B5EF4-FFF2-40B4-BE49-F238E27FC236}">
+                <a16:creationId xmlns:a16="http://schemas.microsoft.com/office/drawing/2014/main" id="{2D1C5682-EA33-4156-8CB8-65F914C6B418}"/>
+              </a:ext>
+            </a:extLst>
+          </p:cNvPr>
+          <p:cNvSpPr/>
+          <p:nvPr/>
+        </p:nvSpPr>
+        <p:spPr>
+          <a:xfrm>
+            <a:off x="-11710" y="2329084"/>
+            <a:ext cx="1871465" cy="399469"/>
+          </a:xfrm>
+          <a:prstGeom prst="roundRect">
+            <a:avLst>
+              <a:gd name="adj" fmla="val 7416"/>
+            </a:avLst>
+          </a:prstGeom>
+          <a:noFill/>
+          <a:ln w="28575">
+            <a:solidFill>
+              <a:srgbClr val="FF0000"/>
+            </a:solidFill>
+          </a:ln>
+        </p:spPr>
+        <p:style>
+          <a:lnRef idx="2">
+            <a:schemeClr val="accent1">
+              <a:shade val="50000"/>
+            </a:schemeClr>
+          </a:lnRef>
+          <a:fillRef idx="1">
+            <a:schemeClr val="accent1"/>
+          </a:fillRef>
+          <a:effectRef idx="0">
+            <a:schemeClr val="accent1"/>
+          </a:effectRef>
+          <a:fontRef idx="minor">
+            <a:schemeClr val="lt1"/>
+          </a:fontRef>
+        </p:style>
+        <p:txBody>
+          <a:bodyPr rtlCol="0" anchor="ctr"/>
+          <a:lstStyle/>
+          <a:p>
+            <a:pPr algn="ctr"/>
+            <a:endParaRPr kumimoji="1" lang="ja-JP" altLang="en-US"/>
+          </a:p>
+        </p:txBody>
+      </p:sp>
+      <p:sp>
+        <p:nvSpPr>
+          <p:cNvPr id="11" name="楕円 10">
+            <a:extLst>
+              <a:ext uri="{FF2B5EF4-FFF2-40B4-BE49-F238E27FC236}">
+                <a16:creationId xmlns:a16="http://schemas.microsoft.com/office/drawing/2014/main" id="{6F13DFF6-C679-44CF-8D91-A31AF1654784}"/>
+              </a:ext>
+            </a:extLst>
+          </p:cNvPr>
+          <p:cNvSpPr/>
+          <p:nvPr/>
+        </p:nvSpPr>
+        <p:spPr>
+          <a:xfrm>
+            <a:off x="5974914" y="2021256"/>
+            <a:ext cx="995317" cy="507562"/>
+          </a:xfrm>
+          <a:prstGeom prst="ellipse">
+            <a:avLst/>
+          </a:prstGeom>
+          <a:noFill/>
+          <a:ln w="28575">
+            <a:solidFill>
+              <a:srgbClr val="FF0000"/>
+            </a:solidFill>
+          </a:ln>
+        </p:spPr>
+        <p:style>
+          <a:lnRef idx="2">
+            <a:schemeClr val="accent1">
+              <a:shade val="50000"/>
+            </a:schemeClr>
+          </a:lnRef>
+          <a:fillRef idx="1">
+            <a:schemeClr val="accent1"/>
+          </a:fillRef>
+          <a:effectRef idx="0">
+            <a:schemeClr val="accent1"/>
+          </a:effectRef>
+          <a:fontRef idx="minor">
+            <a:schemeClr val="lt1"/>
+          </a:fontRef>
+        </p:style>
+        <p:txBody>
+          <a:bodyPr rot="0" spcFirstLastPara="0" vertOverflow="overflow" horzOverflow="overflow" vert="horz" wrap="square" lIns="91440" tIns="45720" rIns="91440" bIns="45720" numCol="1" spcCol="0" rtlCol="0" fromWordArt="0" anchor="ctr" anchorCtr="0" forceAA="0" compatLnSpc="1">
+            <a:prstTxWarp prst="textNoShape">
+              <a:avLst/>
+            </a:prstTxWarp>
+            <a:noAutofit/>
+          </a:bodyPr>
+          <a:lstStyle/>
+          <a:p>
+            <a:pPr algn="ctr"/>
+            <a:endParaRPr lang="ja-JP" altLang="en-US"/>
+          </a:p>
+        </p:txBody>
+      </p:sp>
+    </p:spTree>
+    <p:extLst>
+      <p:ext uri="{BB962C8B-B14F-4D97-AF65-F5344CB8AC3E}">
+        <p14:creationId xmlns:p14="http://schemas.microsoft.com/office/powerpoint/2010/main" val="1043666654"/>
+      </p:ext>
+    </p:extLst>
+  </p:cSld>
+  <p:clrMapOvr>
+    <a:masterClrMapping/>
+  </p:clrMapOvr>
+</p:sld>
+</file>
+
+<file path=ppt/slides/slide12.xml><?xml version="1.0" encoding="utf-8"?>
+<p:sld xmlns:a="http://schemas.openxmlformats.org/drawingml/2006/main" xmlns:r="http://schemas.openxmlformats.org/officeDocument/2006/relationships" xmlns:p="http://schemas.openxmlformats.org/presentationml/2006/main">
+  <p:cSld>
+    <p:spTree>
+      <p:nvGrpSpPr>
+        <p:cNvPr id="1" name=""/>
+        <p:cNvGrpSpPr/>
+        <p:nvPr/>
+      </p:nvGrpSpPr>
+      <p:grpSpPr>
+        <a:xfrm>
+          <a:off x="0" y="0"/>
+          <a:ext cx="0" cy="0"/>
+          <a:chOff x="0" y="0"/>
+          <a:chExt cx="0" cy="0"/>
+        </a:xfrm>
+      </p:grpSpPr>
+      <p:pic>
+        <p:nvPicPr>
+          <p:cNvPr id="3" name="図 2" descr="スクリーンショット が含まれている画像&#10;&#10;非常に高い精度で生成された説明">
+            <a:extLst>
+              <a:ext uri="{FF2B5EF4-FFF2-40B4-BE49-F238E27FC236}">
+                <a16:creationId xmlns:a16="http://schemas.microsoft.com/office/drawing/2014/main" id="{270F03C8-B714-4588-8DB1-B2D5D3841EF3}"/>
+              </a:ext>
+            </a:extLst>
+          </p:cNvPr>
+          <p:cNvPicPr>
+            <a:picLocks noChangeAspect="1"/>
+          </p:cNvPicPr>
+          <p:nvPr/>
+        </p:nvPicPr>
+        <p:blipFill>
+          <a:blip r:embed="rId2">
+            <a:extLst>
+              <a:ext uri="{28A0092B-C50C-407E-A947-70E740481C1C}">
+                <a14:useLocalDpi xmlns:a14="http://schemas.microsoft.com/office/drawing/2010/main" val="0"/>
+              </a:ext>
+            </a:extLst>
+          </a:blip>
+          <a:stretch>
+            <a:fillRect/>
+          </a:stretch>
+        </p:blipFill>
+        <p:spPr>
+          <a:xfrm>
+            <a:off x="186057" y="275609"/>
+            <a:ext cx="9772721" cy="3386162"/>
+          </a:xfrm>
+          <a:prstGeom prst="rect">
+            <a:avLst/>
+          </a:prstGeom>
+          <a:ln>
+            <a:noFill/>
+          </a:ln>
+          <a:effectLst>
+            <a:outerShdw blurRad="292100" dist="139700" dir="2700000" algn="tl" rotWithShape="0">
+              <a:srgbClr val="333333">
+                <a:alpha val="65000"/>
+              </a:srgbClr>
+            </a:outerShdw>
+          </a:effectLst>
+        </p:spPr>
+      </p:pic>
+      <p:pic>
+        <p:nvPicPr>
+          <p:cNvPr id="5" name="図 4" descr="スクリーンショット が含まれている画像&#10;&#10;非常に高い精度で生成された説明">
+            <a:extLst>
+              <a:ext uri="{FF2B5EF4-FFF2-40B4-BE49-F238E27FC236}">
+                <a16:creationId xmlns:a16="http://schemas.microsoft.com/office/drawing/2014/main" id="{BA103609-1B72-46CA-8069-9A35E77FE14E}"/>
+              </a:ext>
+            </a:extLst>
+          </p:cNvPr>
+          <p:cNvPicPr>
+            <a:picLocks noChangeAspect="1"/>
+          </p:cNvPicPr>
+          <p:nvPr/>
+        </p:nvPicPr>
+        <p:blipFill>
+          <a:blip r:embed="rId3">
+            <a:extLst>
+              <a:ext uri="{28A0092B-C50C-407E-A947-70E740481C1C}">
+                <a14:useLocalDpi xmlns:a14="http://schemas.microsoft.com/office/drawing/2010/main" val="0"/>
+              </a:ext>
+            </a:extLst>
+          </a:blip>
+          <a:stretch>
+            <a:fillRect/>
+          </a:stretch>
+        </p:blipFill>
+        <p:spPr>
+          <a:xfrm>
+            <a:off x="3250412" y="3230230"/>
+            <a:ext cx="8229660" cy="1938352"/>
+          </a:xfrm>
+          <a:prstGeom prst="rect">
+            <a:avLst/>
+          </a:prstGeom>
+          <a:ln>
+            <a:noFill/>
+          </a:ln>
+          <a:effectLst>
+            <a:outerShdw blurRad="292100" dist="139700" dir="2700000" algn="tl" rotWithShape="0">
+              <a:srgbClr val="333333">
+                <a:alpha val="65000"/>
+              </a:srgbClr>
+            </a:outerShdw>
+          </a:effectLst>
+        </p:spPr>
+      </p:pic>
+      <p:sp>
+        <p:nvSpPr>
+          <p:cNvPr id="6" name="四角形: 角を丸くする 5">
+            <a:extLst>
+              <a:ext uri="{FF2B5EF4-FFF2-40B4-BE49-F238E27FC236}">
+                <a16:creationId xmlns:a16="http://schemas.microsoft.com/office/drawing/2014/main" id="{13F93811-238C-4717-BC1B-01717CDFB7B8}"/>
+              </a:ext>
+            </a:extLst>
+          </p:cNvPr>
+          <p:cNvSpPr/>
+          <p:nvPr/>
+        </p:nvSpPr>
+        <p:spPr>
+          <a:xfrm>
+            <a:off x="3413878" y="4198407"/>
+            <a:ext cx="7408797" cy="550321"/>
+          </a:xfrm>
+          <a:prstGeom prst="roundRect">
+            <a:avLst>
+              <a:gd name="adj" fmla="val 7416"/>
+            </a:avLst>
+          </a:prstGeom>
+          <a:noFill/>
+          <a:ln w="28575">
+            <a:solidFill>
+              <a:srgbClr val="FF0000"/>
+            </a:solidFill>
+          </a:ln>
+        </p:spPr>
+        <p:style>
+          <a:lnRef idx="2">
+            <a:schemeClr val="accent1">
+              <a:shade val="50000"/>
+            </a:schemeClr>
+          </a:lnRef>
+          <a:fillRef idx="1">
+            <a:schemeClr val="accent1"/>
+          </a:fillRef>
+          <a:effectRef idx="0">
+            <a:schemeClr val="accent1"/>
+          </a:effectRef>
+          <a:fontRef idx="minor">
+            <a:schemeClr val="lt1"/>
+          </a:fontRef>
+        </p:style>
+        <p:txBody>
+          <a:bodyPr rtlCol="0" anchor="ctr"/>
+          <a:lstStyle/>
+          <a:p>
+            <a:pPr algn="ctr"/>
+            <a:endParaRPr kumimoji="1" lang="ja-JP" altLang="en-US"/>
+          </a:p>
+        </p:txBody>
+      </p:sp>
+      <p:sp>
+        <p:nvSpPr>
+          <p:cNvPr id="7" name="楕円 6">
+            <a:extLst>
+              <a:ext uri="{FF2B5EF4-FFF2-40B4-BE49-F238E27FC236}">
+                <a16:creationId xmlns:a16="http://schemas.microsoft.com/office/drawing/2014/main" id="{653CE90D-7E20-4978-AAB6-B0AF416916EA}"/>
+              </a:ext>
+            </a:extLst>
+          </p:cNvPr>
+          <p:cNvSpPr/>
+          <p:nvPr/>
+        </p:nvSpPr>
+        <p:spPr>
+          <a:xfrm>
+            <a:off x="6821076" y="1877954"/>
+            <a:ext cx="1871465" cy="451130"/>
+          </a:xfrm>
+          <a:prstGeom prst="ellipse">
+            <a:avLst/>
+          </a:prstGeom>
+          <a:noFill/>
+          <a:ln w="28575">
+            <a:solidFill>
+              <a:srgbClr val="FF0000"/>
+            </a:solidFill>
+          </a:ln>
+        </p:spPr>
+        <p:style>
+          <a:lnRef idx="2">
+            <a:schemeClr val="accent1">
+              <a:shade val="50000"/>
+            </a:schemeClr>
+          </a:lnRef>
+          <a:fillRef idx="1">
+            <a:schemeClr val="accent1"/>
+          </a:fillRef>
+          <a:effectRef idx="0">
+            <a:schemeClr val="accent1"/>
+          </a:effectRef>
+          <a:fontRef idx="minor">
+            <a:schemeClr val="lt1"/>
+          </a:fontRef>
+        </p:style>
+        <p:txBody>
+          <a:bodyPr rot="0" spcFirstLastPara="0" vertOverflow="overflow" horzOverflow="overflow" vert="horz" wrap="square" lIns="91440" tIns="45720" rIns="91440" bIns="45720" numCol="1" spcCol="0" rtlCol="0" fromWordArt="0" anchor="ctr" anchorCtr="0" forceAA="0" compatLnSpc="1">
+            <a:prstTxWarp prst="textNoShape">
+              <a:avLst/>
+            </a:prstTxWarp>
+            <a:noAutofit/>
+          </a:bodyPr>
+          <a:lstStyle/>
+          <a:p>
+            <a:pPr algn="ctr"/>
+            <a:endParaRPr lang="ja-JP" altLang="en-US"/>
+          </a:p>
+        </p:txBody>
+      </p:sp>
+      <p:pic>
+        <p:nvPicPr>
+          <p:cNvPr id="8" name="図 7" descr="スクリーンショット が含まれている画像&#10;&#10;非常に高い精度で生成された説明">
+            <a:extLst>
+              <a:ext uri="{FF2B5EF4-FFF2-40B4-BE49-F238E27FC236}">
+                <a16:creationId xmlns:a16="http://schemas.microsoft.com/office/drawing/2014/main" id="{C2F59BE6-9335-426E-A44B-13862039C29C}"/>
+              </a:ext>
+            </a:extLst>
+          </p:cNvPr>
+          <p:cNvPicPr>
+            <a:picLocks noChangeAspect="1"/>
+          </p:cNvPicPr>
+          <p:nvPr/>
+        </p:nvPicPr>
+        <p:blipFill rotWithShape="1">
+          <a:blip r:embed="rId4">
+            <a:extLst>
+              <a:ext uri="{BEBA8EAE-BF5A-486C-A8C5-ECC9F3942E4B}">
+                <a14:imgProps xmlns:a14="http://schemas.microsoft.com/office/drawing/2010/main">
+                  <a14:imgLayer r:embed="rId5">
+                    <a14:imgEffect>
+                      <a14:artisticBlur/>
+                    </a14:imgEffect>
+                  </a14:imgLayer>
+                </a14:imgProps>
+              </a:ext>
+              <a:ext uri="{28A0092B-C50C-407E-A947-70E740481C1C}">
+                <a14:useLocalDpi xmlns:a14="http://schemas.microsoft.com/office/drawing/2010/main" val="0"/>
+              </a:ext>
+            </a:extLst>
+          </a:blip>
+          <a:srcRect l="64305" t="66330" r="1408" b="8806"/>
+          <a:stretch/>
+        </p:blipFill>
+        <p:spPr>
+          <a:xfrm>
+            <a:off x="2841271" y="2871614"/>
+            <a:ext cx="2890359" cy="248141"/>
+          </a:xfrm>
+          <a:prstGeom prst="rect">
+            <a:avLst/>
+          </a:prstGeom>
+          <a:ln>
+            <a:noFill/>
+          </a:ln>
+          <a:effectLst/>
+        </p:spPr>
+      </p:pic>
+    </p:spTree>
+    <p:extLst>
+      <p:ext uri="{BB962C8B-B14F-4D97-AF65-F5344CB8AC3E}">
+        <p14:creationId xmlns:p14="http://schemas.microsoft.com/office/powerpoint/2010/main" val="4129347594"/>
+      </p:ext>
+    </p:extLst>
+  </p:cSld>
+  <p:clrMapOvr>
+    <a:masterClrMapping/>
+  </p:clrMapOvr>
+</p:sld>
+</file>
+
+<file path=ppt/slides/slide13.xml><?xml version="1.0" encoding="utf-8"?>
+<p:sld xmlns:a="http://schemas.openxmlformats.org/drawingml/2006/main" xmlns:r="http://schemas.openxmlformats.org/officeDocument/2006/relationships" xmlns:p="http://schemas.openxmlformats.org/presentationml/2006/main">
+  <p:cSld>
+    <p:spTree>
+      <p:nvGrpSpPr>
+        <p:cNvPr id="1" name=""/>
+        <p:cNvGrpSpPr/>
+        <p:nvPr/>
+      </p:nvGrpSpPr>
+      <p:grpSpPr>
+        <a:xfrm>
+          <a:off x="0" y="0"/>
+          <a:ext cx="0" cy="0"/>
+          <a:chOff x="0" y="0"/>
+          <a:chExt cx="0" cy="0"/>
+        </a:xfrm>
+      </p:grpSpPr>
+      <p:pic>
+        <p:nvPicPr>
+          <p:cNvPr id="3" name="図 2" descr="スクリーンショット が含まれている画像&#10;&#10;非常に高い精度で生成された説明">
+            <a:extLst>
+              <a:ext uri="{FF2B5EF4-FFF2-40B4-BE49-F238E27FC236}">
+                <a16:creationId xmlns:a16="http://schemas.microsoft.com/office/drawing/2014/main" id="{91522F18-A2BE-468A-8683-0FD801AFACB9}"/>
+              </a:ext>
+            </a:extLst>
+          </p:cNvPr>
+          <p:cNvPicPr>
+            <a:picLocks noChangeAspect="1"/>
+          </p:cNvPicPr>
+          <p:nvPr/>
+        </p:nvPicPr>
+        <p:blipFill>
+          <a:blip r:embed="rId2">
+            <a:extLst>
+              <a:ext uri="{28A0092B-C50C-407E-A947-70E740481C1C}">
+                <a14:useLocalDpi xmlns:a14="http://schemas.microsoft.com/office/drawing/2010/main" val="0"/>
+              </a:ext>
+            </a:extLst>
+          </a:blip>
+          <a:stretch>
+            <a:fillRect/>
+          </a:stretch>
+        </p:blipFill>
+        <p:spPr>
+          <a:xfrm>
+            <a:off x="1342356" y="719725"/>
+            <a:ext cx="7705781" cy="4681572"/>
+          </a:xfrm>
+          <a:prstGeom prst="rect">
+            <a:avLst/>
+          </a:prstGeom>
+          <a:ln>
+            <a:noFill/>
+          </a:ln>
+          <a:effectLst>
+            <a:outerShdw blurRad="292100" dist="139700" dir="2700000" algn="tl" rotWithShape="0">
+              <a:srgbClr val="333333">
+                <a:alpha val="65000"/>
+              </a:srgbClr>
+            </a:outerShdw>
+          </a:effectLst>
+        </p:spPr>
+      </p:pic>
+      <p:sp>
+        <p:nvSpPr>
+          <p:cNvPr id="4" name="四角形: 角を丸くする 3">
+            <a:extLst>
+              <a:ext uri="{FF2B5EF4-FFF2-40B4-BE49-F238E27FC236}">
+                <a16:creationId xmlns:a16="http://schemas.microsoft.com/office/drawing/2014/main" id="{F4C61D30-0DEE-4544-9350-50CAD17062F8}"/>
+              </a:ext>
+            </a:extLst>
+          </p:cNvPr>
+          <p:cNvSpPr/>
+          <p:nvPr/>
+        </p:nvSpPr>
+        <p:spPr>
+          <a:xfrm>
+            <a:off x="1342357" y="4621488"/>
+            <a:ext cx="1612384" cy="550321"/>
+          </a:xfrm>
+          <a:prstGeom prst="roundRect">
+            <a:avLst>
+              <a:gd name="adj" fmla="val 7416"/>
+            </a:avLst>
+          </a:prstGeom>
+          <a:noFill/>
+          <a:ln w="28575">
+            <a:solidFill>
+              <a:srgbClr val="FF0000"/>
+            </a:solidFill>
+          </a:ln>
+        </p:spPr>
+        <p:style>
+          <a:lnRef idx="2">
+            <a:schemeClr val="accent1">
+              <a:shade val="50000"/>
+            </a:schemeClr>
+          </a:lnRef>
+          <a:fillRef idx="1">
+            <a:schemeClr val="accent1"/>
+          </a:fillRef>
+          <a:effectRef idx="0">
+            <a:schemeClr val="accent1"/>
+          </a:effectRef>
+          <a:fontRef idx="minor">
+            <a:schemeClr val="lt1"/>
+          </a:fontRef>
+        </p:style>
+        <p:txBody>
+          <a:bodyPr rtlCol="0" anchor="ctr"/>
+          <a:lstStyle/>
+          <a:p>
+            <a:pPr algn="ctr"/>
+            <a:endParaRPr kumimoji="1" lang="ja-JP" altLang="en-US"/>
+          </a:p>
+        </p:txBody>
+      </p:sp>
+      <p:sp>
+        <p:nvSpPr>
+          <p:cNvPr id="5" name="楕円 4">
+            <a:extLst>
+              <a:ext uri="{FF2B5EF4-FFF2-40B4-BE49-F238E27FC236}">
+                <a16:creationId xmlns:a16="http://schemas.microsoft.com/office/drawing/2014/main" id="{EA744506-FE15-477A-85FE-D38406DBBE6E}"/>
+              </a:ext>
+            </a:extLst>
+          </p:cNvPr>
+          <p:cNvSpPr/>
+          <p:nvPr/>
+        </p:nvSpPr>
+        <p:spPr>
+          <a:xfrm>
+            <a:off x="3600641" y="1014538"/>
+            <a:ext cx="655937" cy="451130"/>
+          </a:xfrm>
+          <a:prstGeom prst="ellipse">
+            <a:avLst/>
+          </a:prstGeom>
+          <a:noFill/>
+          <a:ln w="28575">
+            <a:solidFill>
+              <a:srgbClr val="FF0000"/>
+            </a:solidFill>
+          </a:ln>
+        </p:spPr>
+        <p:style>
+          <a:lnRef idx="2">
+            <a:schemeClr val="accent1">
+              <a:shade val="50000"/>
+            </a:schemeClr>
+          </a:lnRef>
+          <a:fillRef idx="1">
+            <a:schemeClr val="accent1"/>
+          </a:fillRef>
+          <a:effectRef idx="0">
+            <a:schemeClr val="accent1"/>
+          </a:effectRef>
+          <a:fontRef idx="minor">
+            <a:schemeClr val="lt1"/>
+          </a:fontRef>
+        </p:style>
+        <p:txBody>
+          <a:bodyPr rot="0" spcFirstLastPara="0" vertOverflow="overflow" horzOverflow="overflow" vert="horz" wrap="square" lIns="91440" tIns="45720" rIns="91440" bIns="45720" numCol="1" spcCol="0" rtlCol="0" fromWordArt="0" anchor="ctr" anchorCtr="0" forceAA="0" compatLnSpc="1">
+            <a:prstTxWarp prst="textNoShape">
+              <a:avLst/>
+            </a:prstTxWarp>
+            <a:noAutofit/>
+          </a:bodyPr>
+          <a:lstStyle/>
+          <a:p>
+            <a:pPr algn="ctr"/>
+            <a:endParaRPr lang="ja-JP" altLang="en-US"/>
+          </a:p>
+        </p:txBody>
+      </p:sp>
+      <p:sp>
+        <p:nvSpPr>
+          <p:cNvPr id="6" name="四角形: 角を丸くする 5">
+            <a:extLst>
+              <a:ext uri="{FF2B5EF4-FFF2-40B4-BE49-F238E27FC236}">
+                <a16:creationId xmlns:a16="http://schemas.microsoft.com/office/drawing/2014/main" id="{8E62A756-14B6-491B-A992-1E2291999F6C}"/>
+              </a:ext>
+            </a:extLst>
+          </p:cNvPr>
+          <p:cNvSpPr/>
+          <p:nvPr/>
+        </p:nvSpPr>
+        <p:spPr>
+          <a:xfrm>
+            <a:off x="3669299" y="3359070"/>
+            <a:ext cx="4389703" cy="550321"/>
+          </a:xfrm>
+          <a:prstGeom prst="roundRect">
+            <a:avLst>
+              <a:gd name="adj" fmla="val 7416"/>
+            </a:avLst>
+          </a:prstGeom>
+          <a:noFill/>
+          <a:ln w="28575">
+            <a:solidFill>
+              <a:srgbClr val="FF0000"/>
+            </a:solidFill>
+          </a:ln>
+        </p:spPr>
+        <p:style>
+          <a:lnRef idx="2">
+            <a:schemeClr val="accent1">
+              <a:shade val="50000"/>
+            </a:schemeClr>
+          </a:lnRef>
+          <a:fillRef idx="1">
+            <a:schemeClr val="accent1"/>
+          </a:fillRef>
+          <a:effectRef idx="0">
+            <a:schemeClr val="accent1"/>
+          </a:effectRef>
+          <a:fontRef idx="minor">
+            <a:schemeClr val="lt1"/>
+          </a:fontRef>
+        </p:style>
+        <p:txBody>
+          <a:bodyPr rtlCol="0" anchor="ctr"/>
+          <a:lstStyle/>
+          <a:p>
+            <a:pPr algn="ctr"/>
+            <a:endParaRPr kumimoji="1" lang="ja-JP" altLang="en-US"/>
+          </a:p>
+        </p:txBody>
+      </p:sp>
+    </p:spTree>
+    <p:extLst>
+      <p:ext uri="{BB962C8B-B14F-4D97-AF65-F5344CB8AC3E}">
+        <p14:creationId xmlns:p14="http://schemas.microsoft.com/office/powerpoint/2010/main" val="386557250"/>
+      </p:ext>
+    </p:extLst>
+  </p:cSld>
+  <p:clrMapOvr>
+    <a:masterClrMapping/>
+  </p:clrMapOvr>
+</p:sld>
+</file>
+
+<file path=ppt/slides/slide14.xml><?xml version="1.0" encoding="utf-8"?>
+<p:sld xmlns:a="http://schemas.openxmlformats.org/drawingml/2006/main" xmlns:r="http://schemas.openxmlformats.org/officeDocument/2006/relationships" xmlns:p="http://schemas.openxmlformats.org/presentationml/2006/main">
+  <p:cSld>
+    <p:spTree>
+      <p:nvGrpSpPr>
+        <p:cNvPr id="1" name=""/>
+        <p:cNvGrpSpPr/>
+        <p:nvPr/>
+      </p:nvGrpSpPr>
+      <p:grpSpPr>
+        <a:xfrm>
+          <a:off x="0" y="0"/>
+          <a:ext cx="0" cy="0"/>
+          <a:chOff x="0" y="0"/>
+          <a:chExt cx="0" cy="0"/>
+        </a:xfrm>
+      </p:grpSpPr>
+      <p:pic>
+        <p:nvPicPr>
+          <p:cNvPr id="6" name="図 5">
+            <a:extLst>
+              <a:ext uri="{FF2B5EF4-FFF2-40B4-BE49-F238E27FC236}">
+                <a16:creationId xmlns:a16="http://schemas.microsoft.com/office/drawing/2014/main" id="{6BF55891-B439-4810-801E-5CC4775D85F7}"/>
+              </a:ext>
+            </a:extLst>
+          </p:cNvPr>
+          <p:cNvPicPr>
+            <a:picLocks noChangeAspect="1"/>
+          </p:cNvPicPr>
+          <p:nvPr/>
+        </p:nvPicPr>
+        <p:blipFill>
+          <a:blip r:embed="rId2"/>
+          <a:stretch>
+            <a:fillRect/>
+          </a:stretch>
+        </p:blipFill>
+        <p:spPr>
+          <a:xfrm>
+            <a:off x="1724789" y="356349"/>
+            <a:ext cx="8742422" cy="6145301"/>
+          </a:xfrm>
+          <a:prstGeom prst="rect">
+            <a:avLst/>
+          </a:prstGeom>
+          <a:ln>
+            <a:noFill/>
+          </a:ln>
+          <a:effectLst>
+            <a:outerShdw blurRad="292100" dist="139700" dir="2700000" algn="tl" rotWithShape="0">
+              <a:srgbClr val="333333">
+                <a:alpha val="65000"/>
+              </a:srgbClr>
+            </a:outerShdw>
+          </a:effectLst>
+        </p:spPr>
+      </p:pic>
+    </p:spTree>
+    <p:extLst>
+      <p:ext uri="{BB962C8B-B14F-4D97-AF65-F5344CB8AC3E}">
+        <p14:creationId xmlns:p14="http://schemas.microsoft.com/office/powerpoint/2010/main" val="4099428860"/>
+      </p:ext>
+    </p:extLst>
+  </p:cSld>
+  <p:clrMapOvr>
+    <a:masterClrMapping/>
+  </p:clrMapOvr>
+</p:sld>
+</file>
+
 <file path=ppt/slides/slide2.xml><?xml version="1.0" encoding="utf-8"?>
 <p:sld xmlns:a="http://schemas.openxmlformats.org/drawingml/2006/main" xmlns:r="http://schemas.openxmlformats.org/officeDocument/2006/relationships" xmlns:p="http://schemas.openxmlformats.org/presentationml/2006/main">
   <p:cSld>

--- a/document/02_develop_webdb_on_paas/図版.pptx
+++ b/document/02_develop_webdb_on_paas/図版.pptx
@@ -19,6 +19,7 @@
     <p:sldId id="305" r:id="rId13"/>
     <p:sldId id="306" r:id="rId14"/>
     <p:sldId id="307" r:id="rId15"/>
+    <p:sldId id="308" r:id="rId16"/>
   </p:sldIdLst>
   <p:sldSz cx="12192000" cy="6858000"/>
   <p:notesSz cx="6858000" cy="9144000"/>
@@ -5275,6 +5276,187 @@
 </p:sld>
 </file>
 
+<file path=ppt/slides/slide15.xml><?xml version="1.0" encoding="utf-8"?>
+<p:sld xmlns:a="http://schemas.openxmlformats.org/drawingml/2006/main" xmlns:r="http://schemas.openxmlformats.org/officeDocument/2006/relationships" xmlns:p="http://schemas.openxmlformats.org/presentationml/2006/main">
+  <p:cSld>
+    <p:spTree>
+      <p:nvGrpSpPr>
+        <p:cNvPr id="1" name=""/>
+        <p:cNvGrpSpPr/>
+        <p:nvPr/>
+      </p:nvGrpSpPr>
+      <p:grpSpPr>
+        <a:xfrm>
+          <a:off x="0" y="0"/>
+          <a:ext cx="0" cy="0"/>
+          <a:chOff x="0" y="0"/>
+          <a:chExt cx="0" cy="0"/>
+        </a:xfrm>
+      </p:grpSpPr>
+      <p:pic>
+        <p:nvPicPr>
+          <p:cNvPr id="3" name="図 2" descr="スクリーンショット が含まれている画像&#10;&#10;非常に高い精度で生成された説明">
+            <a:extLst>
+              <a:ext uri="{FF2B5EF4-FFF2-40B4-BE49-F238E27FC236}">
+                <a16:creationId xmlns:a16="http://schemas.microsoft.com/office/drawing/2014/main" id="{105F7ED2-122B-4707-B0BE-C01499CB6800}"/>
+              </a:ext>
+            </a:extLst>
+          </p:cNvPr>
+          <p:cNvPicPr>
+            <a:picLocks noChangeAspect="1"/>
+          </p:cNvPicPr>
+          <p:nvPr/>
+        </p:nvPicPr>
+        <p:blipFill>
+          <a:blip r:embed="rId2">
+            <a:extLst>
+              <a:ext uri="{28A0092B-C50C-407E-A947-70E740481C1C}">
+                <a14:useLocalDpi xmlns:a14="http://schemas.microsoft.com/office/drawing/2010/main" val="0"/>
+              </a:ext>
+            </a:extLst>
+          </a:blip>
+          <a:stretch>
+            <a:fillRect/>
+          </a:stretch>
+        </p:blipFill>
+        <p:spPr>
+          <a:xfrm>
+            <a:off x="1283458" y="978676"/>
+            <a:ext cx="9625083" cy="4900648"/>
+          </a:xfrm>
+          <a:prstGeom prst="rect">
+            <a:avLst/>
+          </a:prstGeom>
+          <a:ln>
+            <a:noFill/>
+          </a:ln>
+          <a:effectLst>
+            <a:outerShdw blurRad="292100" dist="139700" dir="2700000" algn="tl" rotWithShape="0">
+              <a:srgbClr val="333333">
+                <a:alpha val="65000"/>
+              </a:srgbClr>
+            </a:outerShdw>
+          </a:effectLst>
+        </p:spPr>
+      </p:pic>
+      <p:pic>
+        <p:nvPicPr>
+          <p:cNvPr id="4" name="図 3" descr="スクリーンショット が含まれている画像&#10;&#10;非常に高い精度で生成された説明">
+            <a:extLst>
+              <a:ext uri="{FF2B5EF4-FFF2-40B4-BE49-F238E27FC236}">
+                <a16:creationId xmlns:a16="http://schemas.microsoft.com/office/drawing/2014/main" id="{A5D59324-1D94-4013-8E3B-6BCF3250475B}"/>
+              </a:ext>
+            </a:extLst>
+          </p:cNvPr>
+          <p:cNvPicPr>
+            <a:picLocks noChangeAspect="1"/>
+          </p:cNvPicPr>
+          <p:nvPr/>
+        </p:nvPicPr>
+        <p:blipFill rotWithShape="1">
+          <a:blip r:embed="rId3">
+            <a:extLst>
+              <a:ext uri="{BEBA8EAE-BF5A-486C-A8C5-ECC9F3942E4B}">
+                <a14:imgProps xmlns:a14="http://schemas.microsoft.com/office/drawing/2010/main">
+                  <a14:imgLayer r:embed="rId4">
+                    <a14:imgEffect>
+                      <a14:artisticBlur/>
+                    </a14:imgEffect>
+                  </a14:imgLayer>
+                </a14:imgProps>
+              </a:ext>
+              <a:ext uri="{28A0092B-C50C-407E-A947-70E740481C1C}">
+                <a14:useLocalDpi xmlns:a14="http://schemas.microsoft.com/office/drawing/2010/main" val="0"/>
+              </a:ext>
+            </a:extLst>
+          </a:blip>
+          <a:srcRect l="64305" t="66330" r="1408" b="8806"/>
+          <a:stretch/>
+        </p:blipFill>
+        <p:spPr>
+          <a:xfrm>
+            <a:off x="6799122" y="1820736"/>
+            <a:ext cx="3511783" cy="649509"/>
+          </a:xfrm>
+          <a:prstGeom prst="rect">
+            <a:avLst/>
+          </a:prstGeom>
+          <a:ln>
+            <a:noFill/>
+          </a:ln>
+          <a:effectLst/>
+        </p:spPr>
+      </p:pic>
+      <p:sp>
+        <p:nvSpPr>
+          <p:cNvPr id="5" name="楕円 4">
+            <a:extLst>
+              <a:ext uri="{FF2B5EF4-FFF2-40B4-BE49-F238E27FC236}">
+                <a16:creationId xmlns:a16="http://schemas.microsoft.com/office/drawing/2014/main" id="{8B3F051C-4771-4B0C-974F-ADA0D7424D52}"/>
+              </a:ext>
+            </a:extLst>
+          </p:cNvPr>
+          <p:cNvSpPr/>
+          <p:nvPr/>
+        </p:nvSpPr>
+        <p:spPr>
+          <a:xfrm>
+            <a:off x="5440062" y="1321613"/>
+            <a:ext cx="1438410" cy="451130"/>
+          </a:xfrm>
+          <a:prstGeom prst="ellipse">
+            <a:avLst/>
+          </a:prstGeom>
+          <a:noFill/>
+          <a:ln w="28575">
+            <a:solidFill>
+              <a:srgbClr val="FF0000"/>
+            </a:solidFill>
+          </a:ln>
+        </p:spPr>
+        <p:style>
+          <a:lnRef idx="2">
+            <a:schemeClr val="accent1">
+              <a:shade val="50000"/>
+            </a:schemeClr>
+          </a:lnRef>
+          <a:fillRef idx="1">
+            <a:schemeClr val="accent1"/>
+          </a:fillRef>
+          <a:effectRef idx="0">
+            <a:schemeClr val="accent1"/>
+          </a:effectRef>
+          <a:fontRef idx="minor">
+            <a:schemeClr val="lt1"/>
+          </a:fontRef>
+        </p:style>
+        <p:txBody>
+          <a:bodyPr rot="0" spcFirstLastPara="0" vertOverflow="overflow" horzOverflow="overflow" vert="horz" wrap="square" lIns="91440" tIns="45720" rIns="91440" bIns="45720" numCol="1" spcCol="0" rtlCol="0" fromWordArt="0" anchor="ctr" anchorCtr="0" forceAA="0" compatLnSpc="1">
+            <a:prstTxWarp prst="textNoShape">
+              <a:avLst/>
+            </a:prstTxWarp>
+            <a:noAutofit/>
+          </a:bodyPr>
+          <a:lstStyle/>
+          <a:p>
+            <a:pPr algn="ctr"/>
+            <a:endParaRPr lang="ja-JP" altLang="en-US"/>
+          </a:p>
+        </p:txBody>
+      </p:sp>
+    </p:spTree>
+    <p:extLst>
+      <p:ext uri="{BB962C8B-B14F-4D97-AF65-F5344CB8AC3E}">
+        <p14:creationId xmlns:p14="http://schemas.microsoft.com/office/powerpoint/2010/main" val="1507219452"/>
+      </p:ext>
+    </p:extLst>
+  </p:cSld>
+  <p:clrMapOvr>
+    <a:masterClrMapping/>
+  </p:clrMapOvr>
+</p:sld>
+</file>
+
 <file path=ppt/slides/slide2.xml><?xml version="1.0" encoding="utf-8"?>
 <p:sld xmlns:a="http://schemas.openxmlformats.org/drawingml/2006/main" xmlns:r="http://schemas.openxmlformats.org/officeDocument/2006/relationships" xmlns:p="http://schemas.openxmlformats.org/presentationml/2006/main">
   <p:cSld>

--- a/document/02_develop_webdb_on_paas/図版.pptx
+++ b/document/02_develop_webdb_on_paas/図版.pptx
@@ -4,6 +4,9 @@
   <p:sldMasterIdLst>
     <p:sldMasterId id="2147483648" r:id="rId1"/>
   </p:sldMasterIdLst>
+  <p:notesMasterIdLst>
+    <p:notesMasterId r:id="rId17"/>
+  </p:notesMasterIdLst>
   <p:sldIdLst>
     <p:sldId id="293" r:id="rId2"/>
     <p:sldId id="295" r:id="rId3"/>
@@ -126,6 +129,471 @@
 </p:presentation>
 </file>
 
+<file path=ppt/notesMasters/notesMaster1.xml><?xml version="1.0" encoding="utf-8"?>
+<p:notesMaster xmlns:a="http://schemas.openxmlformats.org/drawingml/2006/main" xmlns:r="http://schemas.openxmlformats.org/officeDocument/2006/relationships" xmlns:p="http://schemas.openxmlformats.org/presentationml/2006/main">
+  <p:cSld>
+    <p:bg>
+      <p:bgRef idx="1001">
+        <a:schemeClr val="bg1"/>
+      </p:bgRef>
+    </p:bg>
+    <p:spTree>
+      <p:nvGrpSpPr>
+        <p:cNvPr id="1" name=""/>
+        <p:cNvGrpSpPr/>
+        <p:nvPr/>
+      </p:nvGrpSpPr>
+      <p:grpSpPr>
+        <a:xfrm>
+          <a:off x="0" y="0"/>
+          <a:ext cx="0" cy="0"/>
+          <a:chOff x="0" y="0"/>
+          <a:chExt cx="0" cy="0"/>
+        </a:xfrm>
+      </p:grpSpPr>
+      <p:sp>
+        <p:nvSpPr>
+          <p:cNvPr id="2" name="ヘッダー プレースホルダー 1"/>
+          <p:cNvSpPr>
+            <a:spLocks noGrp="1"/>
+          </p:cNvSpPr>
+          <p:nvPr>
+            <p:ph type="hdr" sz="quarter"/>
+          </p:nvPr>
+        </p:nvSpPr>
+        <p:spPr>
+          <a:xfrm>
+            <a:off x="0" y="0"/>
+            <a:ext cx="2971800" cy="458788"/>
+          </a:xfrm>
+          <a:prstGeom prst="rect">
+            <a:avLst/>
+          </a:prstGeom>
+        </p:spPr>
+        <p:txBody>
+          <a:bodyPr vert="horz" lIns="91440" tIns="45720" rIns="91440" bIns="45720" rtlCol="0"/>
+          <a:lstStyle>
+            <a:lvl1pPr algn="l">
+              <a:defRPr sz="1200"/>
+            </a:lvl1pPr>
+          </a:lstStyle>
+          <a:p>
+            <a:endParaRPr kumimoji="1" lang="ja-JP" altLang="en-US"/>
+          </a:p>
+        </p:txBody>
+      </p:sp>
+      <p:sp>
+        <p:nvSpPr>
+          <p:cNvPr id="3" name="日付プレースホルダー 2"/>
+          <p:cNvSpPr>
+            <a:spLocks noGrp="1"/>
+          </p:cNvSpPr>
+          <p:nvPr>
+            <p:ph type="dt" idx="1"/>
+          </p:nvPr>
+        </p:nvSpPr>
+        <p:spPr>
+          <a:xfrm>
+            <a:off x="3884613" y="0"/>
+            <a:ext cx="2971800" cy="458788"/>
+          </a:xfrm>
+          <a:prstGeom prst="rect">
+            <a:avLst/>
+          </a:prstGeom>
+        </p:spPr>
+        <p:txBody>
+          <a:bodyPr vert="horz" lIns="91440" tIns="45720" rIns="91440" bIns="45720" rtlCol="0"/>
+          <a:lstStyle>
+            <a:lvl1pPr algn="r">
+              <a:defRPr sz="1200"/>
+            </a:lvl1pPr>
+          </a:lstStyle>
+          <a:p>
+            <a:fld id="{C1745761-AD93-44F7-A46B-FB9C617016E8}" type="datetimeFigureOut">
+              <a:rPr kumimoji="1" lang="ja-JP" altLang="en-US" smtClean="0"/>
+              <a:t>2018/9/6</a:t>
+            </a:fld>
+            <a:endParaRPr kumimoji="1" lang="ja-JP" altLang="en-US"/>
+          </a:p>
+        </p:txBody>
+      </p:sp>
+      <p:sp>
+        <p:nvSpPr>
+          <p:cNvPr id="4" name="スライド イメージ プレースホルダー 3"/>
+          <p:cNvSpPr>
+            <a:spLocks noGrp="1" noRot="1" noChangeAspect="1"/>
+          </p:cNvSpPr>
+          <p:nvPr>
+            <p:ph type="sldImg" idx="2"/>
+          </p:nvPr>
+        </p:nvSpPr>
+        <p:spPr>
+          <a:xfrm>
+            <a:off x="685800" y="1143000"/>
+            <a:ext cx="5486400" cy="3086100"/>
+          </a:xfrm>
+          <a:prstGeom prst="rect">
+            <a:avLst/>
+          </a:prstGeom>
+          <a:noFill/>
+          <a:ln w="12700">
+            <a:solidFill>
+              <a:prstClr val="black"/>
+            </a:solidFill>
+          </a:ln>
+        </p:spPr>
+        <p:txBody>
+          <a:bodyPr vert="horz" lIns="91440" tIns="45720" rIns="91440" bIns="45720" rtlCol="0" anchor="ctr"/>
+          <a:lstStyle/>
+          <a:p>
+            <a:endParaRPr lang="ja-JP" altLang="en-US"/>
+          </a:p>
+        </p:txBody>
+      </p:sp>
+      <p:sp>
+        <p:nvSpPr>
+          <p:cNvPr id="5" name="ノート プレースホルダー 4"/>
+          <p:cNvSpPr>
+            <a:spLocks noGrp="1"/>
+          </p:cNvSpPr>
+          <p:nvPr>
+            <p:ph type="body" sz="quarter" idx="3"/>
+          </p:nvPr>
+        </p:nvSpPr>
+        <p:spPr>
+          <a:xfrm>
+            <a:off x="685800" y="4400550"/>
+            <a:ext cx="5486400" cy="3600450"/>
+          </a:xfrm>
+          <a:prstGeom prst="rect">
+            <a:avLst/>
+          </a:prstGeom>
+        </p:spPr>
+        <p:txBody>
+          <a:bodyPr vert="horz" lIns="91440" tIns="45720" rIns="91440" bIns="45720" rtlCol="0"/>
+          <a:lstStyle/>
+          <a:p>
+            <a:pPr lvl="0"/>
+            <a:r>
+              <a:rPr kumimoji="1" lang="ja-JP" altLang="en-US"/>
+              <a:t>マスター テキストの書式設定</a:t>
+            </a:r>
+          </a:p>
+          <a:p>
+            <a:pPr lvl="1"/>
+            <a:r>
+              <a:rPr kumimoji="1" lang="ja-JP" altLang="en-US"/>
+              <a:t>第 </a:t>
+            </a:r>
+            <a:r>
+              <a:rPr kumimoji="1" lang="en-US" altLang="ja-JP"/>
+              <a:t>2 </a:t>
+            </a:r>
+            <a:r>
+              <a:rPr kumimoji="1" lang="ja-JP" altLang="en-US"/>
+              <a:t>レベル</a:t>
+            </a:r>
+          </a:p>
+          <a:p>
+            <a:pPr lvl="2"/>
+            <a:r>
+              <a:rPr kumimoji="1" lang="ja-JP" altLang="en-US"/>
+              <a:t>第 </a:t>
+            </a:r>
+            <a:r>
+              <a:rPr kumimoji="1" lang="en-US" altLang="ja-JP"/>
+              <a:t>3 </a:t>
+            </a:r>
+            <a:r>
+              <a:rPr kumimoji="1" lang="ja-JP" altLang="en-US"/>
+              <a:t>レベル</a:t>
+            </a:r>
+          </a:p>
+          <a:p>
+            <a:pPr lvl="3"/>
+            <a:r>
+              <a:rPr kumimoji="1" lang="ja-JP" altLang="en-US"/>
+              <a:t>第 </a:t>
+            </a:r>
+            <a:r>
+              <a:rPr kumimoji="1" lang="en-US" altLang="ja-JP"/>
+              <a:t>4 </a:t>
+            </a:r>
+            <a:r>
+              <a:rPr kumimoji="1" lang="ja-JP" altLang="en-US"/>
+              <a:t>レベル</a:t>
+            </a:r>
+          </a:p>
+          <a:p>
+            <a:pPr lvl="4"/>
+            <a:r>
+              <a:rPr kumimoji="1" lang="ja-JP" altLang="en-US"/>
+              <a:t>第 </a:t>
+            </a:r>
+            <a:r>
+              <a:rPr kumimoji="1" lang="en-US" altLang="ja-JP"/>
+              <a:t>5 </a:t>
+            </a:r>
+            <a:r>
+              <a:rPr kumimoji="1" lang="ja-JP" altLang="en-US"/>
+              <a:t>レベル</a:t>
+            </a:r>
+          </a:p>
+        </p:txBody>
+      </p:sp>
+      <p:sp>
+        <p:nvSpPr>
+          <p:cNvPr id="6" name="フッター プレースホルダー 5"/>
+          <p:cNvSpPr>
+            <a:spLocks noGrp="1"/>
+          </p:cNvSpPr>
+          <p:nvPr>
+            <p:ph type="ftr" sz="quarter" idx="4"/>
+          </p:nvPr>
+        </p:nvSpPr>
+        <p:spPr>
+          <a:xfrm>
+            <a:off x="0" y="8685213"/>
+            <a:ext cx="2971800" cy="458787"/>
+          </a:xfrm>
+          <a:prstGeom prst="rect">
+            <a:avLst/>
+          </a:prstGeom>
+        </p:spPr>
+        <p:txBody>
+          <a:bodyPr vert="horz" lIns="91440" tIns="45720" rIns="91440" bIns="45720" rtlCol="0" anchor="b"/>
+          <a:lstStyle>
+            <a:lvl1pPr algn="l">
+              <a:defRPr sz="1200"/>
+            </a:lvl1pPr>
+          </a:lstStyle>
+          <a:p>
+            <a:endParaRPr kumimoji="1" lang="ja-JP" altLang="en-US"/>
+          </a:p>
+        </p:txBody>
+      </p:sp>
+      <p:sp>
+        <p:nvSpPr>
+          <p:cNvPr id="7" name="スライド番号プレースホルダー 6"/>
+          <p:cNvSpPr>
+            <a:spLocks noGrp="1"/>
+          </p:cNvSpPr>
+          <p:nvPr>
+            <p:ph type="sldNum" sz="quarter" idx="5"/>
+          </p:nvPr>
+        </p:nvSpPr>
+        <p:spPr>
+          <a:xfrm>
+            <a:off x="3884613" y="8685213"/>
+            <a:ext cx="2971800" cy="458787"/>
+          </a:xfrm>
+          <a:prstGeom prst="rect">
+            <a:avLst/>
+          </a:prstGeom>
+        </p:spPr>
+        <p:txBody>
+          <a:bodyPr vert="horz" lIns="91440" tIns="45720" rIns="91440" bIns="45720" rtlCol="0" anchor="b"/>
+          <a:lstStyle>
+            <a:lvl1pPr algn="r">
+              <a:defRPr sz="1200"/>
+            </a:lvl1pPr>
+          </a:lstStyle>
+          <a:p>
+            <a:fld id="{846AF2CD-718F-4997-BE8F-BD332265F48C}" type="slidenum">
+              <a:rPr kumimoji="1" lang="ja-JP" altLang="en-US" smtClean="0"/>
+              <a:t>‹#›</a:t>
+            </a:fld>
+            <a:endParaRPr kumimoji="1" lang="ja-JP" altLang="en-US"/>
+          </a:p>
+        </p:txBody>
+      </p:sp>
+    </p:spTree>
+    <p:extLst>
+      <p:ext uri="{BB962C8B-B14F-4D97-AF65-F5344CB8AC3E}">
+        <p14:creationId xmlns:p14="http://schemas.microsoft.com/office/powerpoint/2010/main" val="3004439923"/>
+      </p:ext>
+    </p:extLst>
+  </p:cSld>
+  <p:clrMap bg1="lt1" tx1="dk1" bg2="lt2" tx2="dk2" accent1="accent1" accent2="accent2" accent3="accent3" accent4="accent4" accent5="accent5" accent6="accent6" hlink="hlink" folHlink="folHlink"/>
+  <p:notesStyle>
+    <a:lvl1pPr marL="0" algn="l" defTabSz="914400" rtl="0" eaLnBrk="1" latinLnBrk="0" hangingPunct="1">
+      <a:defRPr kumimoji="1" sz="1200" kern="1200">
+        <a:solidFill>
+          <a:schemeClr val="tx1"/>
+        </a:solidFill>
+        <a:latin typeface="+mn-lt"/>
+        <a:ea typeface="+mn-ea"/>
+        <a:cs typeface="+mn-cs"/>
+      </a:defRPr>
+    </a:lvl1pPr>
+    <a:lvl2pPr marL="457200" algn="l" defTabSz="914400" rtl="0" eaLnBrk="1" latinLnBrk="0" hangingPunct="1">
+      <a:defRPr kumimoji="1" sz="1200" kern="1200">
+        <a:solidFill>
+          <a:schemeClr val="tx1"/>
+        </a:solidFill>
+        <a:latin typeface="+mn-lt"/>
+        <a:ea typeface="+mn-ea"/>
+        <a:cs typeface="+mn-cs"/>
+      </a:defRPr>
+    </a:lvl2pPr>
+    <a:lvl3pPr marL="914400" algn="l" defTabSz="914400" rtl="0" eaLnBrk="1" latinLnBrk="0" hangingPunct="1">
+      <a:defRPr kumimoji="1" sz="1200" kern="1200">
+        <a:solidFill>
+          <a:schemeClr val="tx1"/>
+        </a:solidFill>
+        <a:latin typeface="+mn-lt"/>
+        <a:ea typeface="+mn-ea"/>
+        <a:cs typeface="+mn-cs"/>
+      </a:defRPr>
+    </a:lvl3pPr>
+    <a:lvl4pPr marL="1371600" algn="l" defTabSz="914400" rtl="0" eaLnBrk="1" latinLnBrk="0" hangingPunct="1">
+      <a:defRPr kumimoji="1" sz="1200" kern="1200">
+        <a:solidFill>
+          <a:schemeClr val="tx1"/>
+        </a:solidFill>
+        <a:latin typeface="+mn-lt"/>
+        <a:ea typeface="+mn-ea"/>
+        <a:cs typeface="+mn-cs"/>
+      </a:defRPr>
+    </a:lvl4pPr>
+    <a:lvl5pPr marL="1828800" algn="l" defTabSz="914400" rtl="0" eaLnBrk="1" latinLnBrk="0" hangingPunct="1">
+      <a:defRPr kumimoji="1" sz="1200" kern="1200">
+        <a:solidFill>
+          <a:schemeClr val="tx1"/>
+        </a:solidFill>
+        <a:latin typeface="+mn-lt"/>
+        <a:ea typeface="+mn-ea"/>
+        <a:cs typeface="+mn-cs"/>
+      </a:defRPr>
+    </a:lvl5pPr>
+    <a:lvl6pPr marL="2286000" algn="l" defTabSz="914400" rtl="0" eaLnBrk="1" latinLnBrk="0" hangingPunct="1">
+      <a:defRPr kumimoji="1" sz="1200" kern="1200">
+        <a:solidFill>
+          <a:schemeClr val="tx1"/>
+        </a:solidFill>
+        <a:latin typeface="+mn-lt"/>
+        <a:ea typeface="+mn-ea"/>
+        <a:cs typeface="+mn-cs"/>
+      </a:defRPr>
+    </a:lvl6pPr>
+    <a:lvl7pPr marL="2743200" algn="l" defTabSz="914400" rtl="0" eaLnBrk="1" latinLnBrk="0" hangingPunct="1">
+      <a:defRPr kumimoji="1" sz="1200" kern="1200">
+        <a:solidFill>
+          <a:schemeClr val="tx1"/>
+        </a:solidFill>
+        <a:latin typeface="+mn-lt"/>
+        <a:ea typeface="+mn-ea"/>
+        <a:cs typeface="+mn-cs"/>
+      </a:defRPr>
+    </a:lvl7pPr>
+    <a:lvl8pPr marL="3200400" algn="l" defTabSz="914400" rtl="0" eaLnBrk="1" latinLnBrk="0" hangingPunct="1">
+      <a:defRPr kumimoji="1" sz="1200" kern="1200">
+        <a:solidFill>
+          <a:schemeClr val="tx1"/>
+        </a:solidFill>
+        <a:latin typeface="+mn-lt"/>
+        <a:ea typeface="+mn-ea"/>
+        <a:cs typeface="+mn-cs"/>
+      </a:defRPr>
+    </a:lvl8pPr>
+    <a:lvl9pPr marL="3657600" algn="l" defTabSz="914400" rtl="0" eaLnBrk="1" latinLnBrk="0" hangingPunct="1">
+      <a:defRPr kumimoji="1" sz="1200" kern="1200">
+        <a:solidFill>
+          <a:schemeClr val="tx1"/>
+        </a:solidFill>
+        <a:latin typeface="+mn-lt"/>
+        <a:ea typeface="+mn-ea"/>
+        <a:cs typeface="+mn-cs"/>
+      </a:defRPr>
+    </a:lvl9pPr>
+  </p:notesStyle>
+</p:notesMaster>
+</file>
+
+<file path=ppt/notesSlides/notesSlide1.xml><?xml version="1.0" encoding="utf-8"?>
+<p:notes xmlns:a="http://schemas.openxmlformats.org/drawingml/2006/main" xmlns:r="http://schemas.openxmlformats.org/officeDocument/2006/relationships" xmlns:p="http://schemas.openxmlformats.org/presentationml/2006/main">
+  <p:cSld>
+    <p:spTree>
+      <p:nvGrpSpPr>
+        <p:cNvPr id="1" name=""/>
+        <p:cNvGrpSpPr/>
+        <p:nvPr/>
+      </p:nvGrpSpPr>
+      <p:grpSpPr>
+        <a:xfrm>
+          <a:off x="0" y="0"/>
+          <a:ext cx="0" cy="0"/>
+          <a:chOff x="0" y="0"/>
+          <a:chExt cx="0" cy="0"/>
+        </a:xfrm>
+      </p:grpSpPr>
+      <p:sp>
+        <p:nvSpPr>
+          <p:cNvPr id="2" name="スライド イメージ プレースホルダー 1"/>
+          <p:cNvSpPr>
+            <a:spLocks noGrp="1" noRot="1" noChangeAspect="1"/>
+          </p:cNvSpPr>
+          <p:nvPr>
+            <p:ph type="sldImg"/>
+          </p:nvPr>
+        </p:nvSpPr>
+        <p:spPr/>
+      </p:sp>
+      <p:sp>
+        <p:nvSpPr>
+          <p:cNvPr id="3" name="ノート プレースホルダー 2"/>
+          <p:cNvSpPr>
+            <a:spLocks noGrp="1"/>
+          </p:cNvSpPr>
+          <p:nvPr>
+            <p:ph type="body" idx="1"/>
+          </p:nvPr>
+        </p:nvSpPr>
+        <p:spPr/>
+        <p:txBody>
+          <a:bodyPr/>
+          <a:lstStyle/>
+          <a:p>
+            <a:endParaRPr kumimoji="1" lang="ja-JP" altLang="en-US"/>
+          </a:p>
+        </p:txBody>
+      </p:sp>
+      <p:sp>
+        <p:nvSpPr>
+          <p:cNvPr id="4" name="スライド番号プレースホルダー 3"/>
+          <p:cNvSpPr>
+            <a:spLocks noGrp="1"/>
+          </p:cNvSpPr>
+          <p:nvPr>
+            <p:ph type="sldNum" sz="quarter" idx="5"/>
+          </p:nvPr>
+        </p:nvSpPr>
+        <p:spPr/>
+        <p:txBody>
+          <a:bodyPr/>
+          <a:lstStyle/>
+          <a:p>
+            <a:fld id="{846AF2CD-718F-4997-BE8F-BD332265F48C}" type="slidenum">
+              <a:rPr kumimoji="1" lang="ja-JP" altLang="en-US" smtClean="0"/>
+              <a:t>3</a:t>
+            </a:fld>
+            <a:endParaRPr kumimoji="1" lang="ja-JP" altLang="en-US"/>
+          </a:p>
+        </p:txBody>
+      </p:sp>
+    </p:spTree>
+    <p:extLst>
+      <p:ext uri="{BB962C8B-B14F-4D97-AF65-F5344CB8AC3E}">
+        <p14:creationId xmlns:p14="http://schemas.microsoft.com/office/powerpoint/2010/main" val="2455280928"/>
+      </p:ext>
+    </p:extLst>
+  </p:cSld>
+  <p:clrMapOvr>
+    <a:masterClrMapping/>
+  </p:clrMapOvr>
+</p:notes>
+</file>
+
 <file path=ppt/slideLayouts/slideLayout1.xml><?xml version="1.0" encoding="utf-8"?>
 <p:sldLayout xmlns:a="http://schemas.openxmlformats.org/drawingml/2006/main" xmlns:r="http://schemas.openxmlformats.org/officeDocument/2006/relationships" xmlns:p="http://schemas.openxmlformats.org/presentationml/2006/main" type="title" preserve="1">
   <p:cSld name="タイトル スライド">
@@ -273,7 +741,7 @@
           <a:p>
             <a:fld id="{BAD14A03-038F-4C81-AA81-028A8293EF95}" type="datetimeFigureOut">
               <a:rPr kumimoji="1" lang="ja-JP" altLang="en-US" smtClean="0"/>
-              <a:t>2018/9/4</a:t>
+              <a:t>2018/9/6</a:t>
             </a:fld>
             <a:endParaRPr kumimoji="1" lang="ja-JP" altLang="en-US"/>
           </a:p>
@@ -503,7 +971,7 @@
           <a:p>
             <a:fld id="{BAD14A03-038F-4C81-AA81-028A8293EF95}" type="datetimeFigureOut">
               <a:rPr kumimoji="1" lang="ja-JP" altLang="en-US" smtClean="0"/>
-              <a:t>2018/9/4</a:t>
+              <a:t>2018/9/6</a:t>
             </a:fld>
             <a:endParaRPr kumimoji="1" lang="ja-JP" altLang="en-US"/>
           </a:p>
@@ -743,7 +1211,7 @@
           <a:p>
             <a:fld id="{BAD14A03-038F-4C81-AA81-028A8293EF95}" type="datetimeFigureOut">
               <a:rPr kumimoji="1" lang="ja-JP" altLang="en-US" smtClean="0"/>
-              <a:t>2018/9/4</a:t>
+              <a:t>2018/9/6</a:t>
             </a:fld>
             <a:endParaRPr kumimoji="1" lang="ja-JP" altLang="en-US"/>
           </a:p>
@@ -973,7 +1441,7 @@
           <a:p>
             <a:fld id="{BAD14A03-038F-4C81-AA81-028A8293EF95}" type="datetimeFigureOut">
               <a:rPr kumimoji="1" lang="ja-JP" altLang="en-US" smtClean="0"/>
-              <a:t>2018/9/4</a:t>
+              <a:t>2018/9/6</a:t>
             </a:fld>
             <a:endParaRPr kumimoji="1" lang="ja-JP" altLang="en-US"/>
           </a:p>
@@ -1248,7 +1716,7 @@
           <a:p>
             <a:fld id="{BAD14A03-038F-4C81-AA81-028A8293EF95}" type="datetimeFigureOut">
               <a:rPr kumimoji="1" lang="ja-JP" altLang="en-US" smtClean="0"/>
-              <a:t>2018/9/4</a:t>
+              <a:t>2018/9/6</a:t>
             </a:fld>
             <a:endParaRPr kumimoji="1" lang="ja-JP" altLang="en-US"/>
           </a:p>
@@ -1577,7 +2045,7 @@
           <a:p>
             <a:fld id="{BAD14A03-038F-4C81-AA81-028A8293EF95}" type="datetimeFigureOut">
               <a:rPr kumimoji="1" lang="ja-JP" altLang="en-US" smtClean="0"/>
-              <a:t>2018/9/4</a:t>
+              <a:t>2018/9/6</a:t>
             </a:fld>
             <a:endParaRPr kumimoji="1" lang="ja-JP" altLang="en-US"/>
           </a:p>
@@ -2053,7 +2521,7 @@
           <a:p>
             <a:fld id="{BAD14A03-038F-4C81-AA81-028A8293EF95}" type="datetimeFigureOut">
               <a:rPr kumimoji="1" lang="ja-JP" altLang="en-US" smtClean="0"/>
-              <a:t>2018/9/4</a:t>
+              <a:t>2018/9/6</a:t>
             </a:fld>
             <a:endParaRPr kumimoji="1" lang="ja-JP" altLang="en-US"/>
           </a:p>
@@ -2194,7 +2662,7 @@
           <a:p>
             <a:fld id="{BAD14A03-038F-4C81-AA81-028A8293EF95}" type="datetimeFigureOut">
               <a:rPr kumimoji="1" lang="ja-JP" altLang="en-US" smtClean="0"/>
-              <a:t>2018/9/4</a:t>
+              <a:t>2018/9/6</a:t>
             </a:fld>
             <a:endParaRPr kumimoji="1" lang="ja-JP" altLang="en-US"/>
           </a:p>
@@ -2307,7 +2775,7 @@
           <a:p>
             <a:fld id="{BAD14A03-038F-4C81-AA81-028A8293EF95}" type="datetimeFigureOut">
               <a:rPr kumimoji="1" lang="ja-JP" altLang="en-US" smtClean="0"/>
-              <a:t>2018/9/4</a:t>
+              <a:t>2018/9/6</a:t>
             </a:fld>
             <a:endParaRPr kumimoji="1" lang="ja-JP" altLang="en-US"/>
           </a:p>
@@ -2650,7 +3118,7 @@
           <a:p>
             <a:fld id="{BAD14A03-038F-4C81-AA81-028A8293EF95}" type="datetimeFigureOut">
               <a:rPr kumimoji="1" lang="ja-JP" altLang="en-US" smtClean="0"/>
-              <a:t>2018/9/4</a:t>
+              <a:t>2018/9/6</a:t>
             </a:fld>
             <a:endParaRPr kumimoji="1" lang="ja-JP" altLang="en-US"/>
           </a:p>
@@ -2938,7 +3406,7 @@
           <a:p>
             <a:fld id="{BAD14A03-038F-4C81-AA81-028A8293EF95}" type="datetimeFigureOut">
               <a:rPr kumimoji="1" lang="ja-JP" altLang="en-US" smtClean="0"/>
-              <a:t>2018/9/4</a:t>
+              <a:t>2018/9/6</a:t>
             </a:fld>
             <a:endParaRPr kumimoji="1" lang="ja-JP" altLang="en-US"/>
           </a:p>
@@ -3211,7 +3679,7 @@
           <a:p>
             <a:fld id="{BAD14A03-038F-4C81-AA81-028A8293EF95}" type="datetimeFigureOut">
               <a:rPr kumimoji="1" lang="ja-JP" altLang="en-US" smtClean="0"/>
-              <a:t>2018/9/4</a:t>
+              <a:t>2018/9/6</a:t>
             </a:fld>
             <a:endParaRPr kumimoji="1" lang="ja-JP" altLang="en-US"/>
           </a:p>
@@ -6126,7 +6594,7 @@
           <p:nvPr/>
         </p:nvPicPr>
         <p:blipFill>
-          <a:blip r:embed="rId2">
+          <a:blip r:embed="rId3">
             <a:extLst>
               <a:ext uri="{28A0092B-C50C-407E-A947-70E740481C1C}">
                 <a14:useLocalDpi xmlns:a14="http://schemas.microsoft.com/office/drawing/2010/main" val="0"/>
@@ -6172,7 +6640,7 @@
           <p:nvPr/>
         </p:nvPicPr>
         <p:blipFill>
-          <a:blip r:embed="rId3">
+          <a:blip r:embed="rId4">
             <a:extLst>
               <a:ext uri="{28A0092B-C50C-407E-A947-70E740481C1C}">
                 <a14:useLocalDpi xmlns:a14="http://schemas.microsoft.com/office/drawing/2010/main" val="0"/>
@@ -6218,7 +6686,7 @@
           <p:nvPr/>
         </p:nvPicPr>
         <p:blipFill>
-          <a:blip r:embed="rId4">
+          <a:blip r:embed="rId5">
             <a:extLst>
               <a:ext uri="{28A0092B-C50C-407E-A947-70E740481C1C}">
                 <a14:useLocalDpi xmlns:a14="http://schemas.microsoft.com/office/drawing/2010/main" val="0"/>
@@ -6695,6 +7163,58 @@
             <a:avLst>
               <a:gd name="adj" fmla="val 6871"/>
             </a:avLst>
+          </a:prstGeom>
+          <a:noFill/>
+          <a:ln w="28575">
+            <a:solidFill>
+              <a:srgbClr val="FF0000"/>
+            </a:solidFill>
+          </a:ln>
+        </p:spPr>
+        <p:style>
+          <a:lnRef idx="2">
+            <a:schemeClr val="accent1">
+              <a:shade val="50000"/>
+            </a:schemeClr>
+          </a:lnRef>
+          <a:fillRef idx="1">
+            <a:schemeClr val="accent1"/>
+          </a:fillRef>
+          <a:effectRef idx="0">
+            <a:schemeClr val="accent1"/>
+          </a:effectRef>
+          <a:fontRef idx="minor">
+            <a:schemeClr val="lt1"/>
+          </a:fontRef>
+        </p:style>
+        <p:txBody>
+          <a:bodyPr rtlCol="0" anchor="ctr"/>
+          <a:lstStyle/>
+          <a:p>
+            <a:pPr algn="ctr"/>
+            <a:endParaRPr kumimoji="1" lang="ja-JP" altLang="en-US"/>
+          </a:p>
+        </p:txBody>
+      </p:sp>
+      <p:sp>
+        <p:nvSpPr>
+          <p:cNvPr id="14" name="四角形: 角を丸くする 13">
+            <a:extLst>
+              <a:ext uri="{FF2B5EF4-FFF2-40B4-BE49-F238E27FC236}">
+                <a16:creationId xmlns:a16="http://schemas.microsoft.com/office/drawing/2014/main" id="{3BCA70C2-A640-41F6-9AE3-B862B518021C}"/>
+              </a:ext>
+            </a:extLst>
+          </p:cNvPr>
+          <p:cNvSpPr/>
+          <p:nvPr/>
+        </p:nvSpPr>
+        <p:spPr>
+          <a:xfrm>
+            <a:off x="6380739" y="1660251"/>
+            <a:ext cx="4383994" cy="429883"/>
+          </a:xfrm>
+          <a:prstGeom prst="roundRect">
+            <a:avLst/>
           </a:prstGeom>
           <a:noFill/>
           <a:ln w="28575">
@@ -8469,4 +8989,299 @@
     </a:ext>
   </a:extLst>
 </a:theme>
+</file>
+
+<file path=ppt/theme/theme2.xml><?xml version="1.0" encoding="utf-8"?>
+<a:theme xmlns:a="http://schemas.openxmlformats.org/drawingml/2006/main" name="Office テーマ">
+  <a:themeElements>
+    <a:clrScheme name="Office">
+      <a:dk1>
+        <a:sysClr val="windowText" lastClr="000000"/>
+      </a:dk1>
+      <a:lt1>
+        <a:sysClr val="window" lastClr="FFFFFF"/>
+      </a:lt1>
+      <a:dk2>
+        <a:srgbClr val="44546A"/>
+      </a:dk2>
+      <a:lt2>
+        <a:srgbClr val="E7E6E6"/>
+      </a:lt2>
+      <a:accent1>
+        <a:srgbClr val="4472C4"/>
+      </a:accent1>
+      <a:accent2>
+        <a:srgbClr val="ED7D31"/>
+      </a:accent2>
+      <a:accent3>
+        <a:srgbClr val="A5A5A5"/>
+      </a:accent3>
+      <a:accent4>
+        <a:srgbClr val="FFC000"/>
+      </a:accent4>
+      <a:accent5>
+        <a:srgbClr val="5B9BD5"/>
+      </a:accent5>
+      <a:accent6>
+        <a:srgbClr val="70AD47"/>
+      </a:accent6>
+      <a:hlink>
+        <a:srgbClr val="0563C1"/>
+      </a:hlink>
+      <a:folHlink>
+        <a:srgbClr val="954F72"/>
+      </a:folHlink>
+    </a:clrScheme>
+    <a:fontScheme name="Office">
+      <a:majorFont>
+        <a:latin typeface="游ゴシック Light" panose="020F0302020204030204"/>
+        <a:ea typeface=""/>
+        <a:cs typeface=""/>
+        <a:font script="Jpan" typeface="游ゴシック Light"/>
+        <a:font script="Hang" typeface="맑은 고딕"/>
+        <a:font script="Hans" typeface="等线 Light"/>
+        <a:font script="Hant" typeface="新細明體"/>
+        <a:font script="Arab" typeface="Times New Roman"/>
+        <a:font script="Hebr" typeface="Times New Roman"/>
+        <a:font script="Thai" typeface="Angsana New"/>
+        <a:font script="Ethi" typeface="Nyala"/>
+        <a:font script="Beng" typeface="Vrinda"/>
+        <a:font script="Gujr" typeface="Shruti"/>
+        <a:font script="Khmr" typeface="MoolBoran"/>
+        <a:font script="Knda" typeface="Tunga"/>
+        <a:font script="Guru" typeface="Raavi"/>
+        <a:font script="Cans" typeface="Euphemia"/>
+        <a:font script="Cher" typeface="Plantagenet Cherokee"/>
+        <a:font script="Yiii" typeface="Microsoft Yi Baiti"/>
+        <a:font script="Tibt" typeface="Microsoft Himalaya"/>
+        <a:font script="Thaa" typeface="MV Boli"/>
+        <a:font script="Deva" typeface="Mangal"/>
+        <a:font script="Telu" typeface="Gautami"/>
+        <a:font script="Taml" typeface="Latha"/>
+        <a:font script="Syrc" typeface="Estrangelo Edessa"/>
+        <a:font script="Orya" typeface="Kalinga"/>
+        <a:font script="Mlym" typeface="Kartika"/>
+        <a:font script="Laoo" typeface="DokChampa"/>
+        <a:font script="Sinh" typeface="Iskoola Pota"/>
+        <a:font script="Mong" typeface="Mongolian Baiti"/>
+        <a:font script="Viet" typeface="Times New Roman"/>
+        <a:font script="Uigh" typeface="Microsoft Uighur"/>
+        <a:font script="Geor" typeface="Sylfaen"/>
+        <a:font script="Armn" typeface="Arial"/>
+        <a:font script="Bugi" typeface="Leelawadee UI"/>
+        <a:font script="Bopo" typeface="Microsoft JhengHei"/>
+        <a:font script="Java" typeface="Javanese Text"/>
+        <a:font script="Lisu" typeface="Segoe UI"/>
+        <a:font script="Mymr" typeface="Myanmar Text"/>
+        <a:font script="Nkoo" typeface="Ebrima"/>
+        <a:font script="Olck" typeface="Nirmala UI"/>
+        <a:font script="Osma" typeface="Ebrima"/>
+        <a:font script="Phag" typeface="Phagspa"/>
+        <a:font script="Syrn" typeface="Estrangelo Edessa"/>
+        <a:font script="Syrj" typeface="Estrangelo Edessa"/>
+        <a:font script="Syre" typeface="Estrangelo Edessa"/>
+        <a:font script="Sora" typeface="Nirmala UI"/>
+        <a:font script="Tale" typeface="Microsoft Tai Le"/>
+        <a:font script="Talu" typeface="Microsoft New Tai Lue"/>
+        <a:font script="Tfng" typeface="Ebrima"/>
+      </a:majorFont>
+      <a:minorFont>
+        <a:latin typeface="游ゴシック" panose="020F0502020204030204"/>
+        <a:ea typeface=""/>
+        <a:cs typeface=""/>
+        <a:font script="Jpan" typeface="游ゴシック"/>
+        <a:font script="Hang" typeface="맑은 고딕"/>
+        <a:font script="Hans" typeface="等线"/>
+        <a:font script="Hant" typeface="新細明體"/>
+        <a:font script="Arab" typeface="Arial"/>
+        <a:font script="Hebr" typeface="Arial"/>
+        <a:font script="Thai" typeface="Cordia New"/>
+        <a:font script="Ethi" typeface="Nyala"/>
+        <a:font script="Beng" typeface="Vrinda"/>
+        <a:font script="Gujr" typeface="Shruti"/>
+        <a:font script="Khmr" typeface="DaunPenh"/>
+        <a:font script="Knda" typeface="Tunga"/>
+        <a:font script="Guru" typeface="Raavi"/>
+        <a:font script="Cans" typeface="Euphemia"/>
+        <a:font script="Cher" typeface="Plantagenet Cherokee"/>
+        <a:font script="Yiii" typeface="Microsoft Yi Baiti"/>
+        <a:font script="Tibt" typeface="Microsoft Himalaya"/>
+        <a:font script="Thaa" typeface="MV Boli"/>
+        <a:font script="Deva" typeface="Mangal"/>
+        <a:font script="Telu" typeface="Gautami"/>
+        <a:font script="Taml" typeface="Latha"/>
+        <a:font script="Syrc" typeface="Estrangelo Edessa"/>
+        <a:font script="Orya" typeface="Kalinga"/>
+        <a:font script="Mlym" typeface="Kartika"/>
+        <a:font script="Laoo" typeface="DokChampa"/>
+        <a:font script="Sinh" typeface="Iskoola Pota"/>
+        <a:font script="Mong" typeface="Mongolian Baiti"/>
+        <a:font script="Viet" typeface="Arial"/>
+        <a:font script="Uigh" typeface="Microsoft Uighur"/>
+        <a:font script="Geor" typeface="Sylfaen"/>
+        <a:font script="Armn" typeface="Arial"/>
+        <a:font script="Bugi" typeface="Leelawadee UI"/>
+        <a:font script="Bopo" typeface="Microsoft JhengHei"/>
+        <a:font script="Java" typeface="Javanese Text"/>
+        <a:font script="Lisu" typeface="Segoe UI"/>
+        <a:font script="Mymr" typeface="Myanmar Text"/>
+        <a:font script="Nkoo" typeface="Ebrima"/>
+        <a:font script="Olck" typeface="Nirmala UI"/>
+        <a:font script="Osma" typeface="Ebrima"/>
+        <a:font script="Phag" typeface="Phagspa"/>
+        <a:font script="Syrn" typeface="Estrangelo Edessa"/>
+        <a:font script="Syrj" typeface="Estrangelo Edessa"/>
+        <a:font script="Syre" typeface="Estrangelo Edessa"/>
+        <a:font script="Sora" typeface="Nirmala UI"/>
+        <a:font script="Tale" typeface="Microsoft Tai Le"/>
+        <a:font script="Talu" typeface="Microsoft New Tai Lue"/>
+        <a:font script="Tfng" typeface="Ebrima"/>
+      </a:minorFont>
+    </a:fontScheme>
+    <a:fmtScheme name="Office">
+      <a:fillStyleLst>
+        <a:solidFill>
+          <a:schemeClr val="phClr"/>
+        </a:solidFill>
+        <a:gradFill rotWithShape="1">
+          <a:gsLst>
+            <a:gs pos="0">
+              <a:schemeClr val="phClr">
+                <a:lumMod val="110000"/>
+                <a:satMod val="105000"/>
+                <a:tint val="67000"/>
+              </a:schemeClr>
+            </a:gs>
+            <a:gs pos="50000">
+              <a:schemeClr val="phClr">
+                <a:lumMod val="105000"/>
+                <a:satMod val="103000"/>
+                <a:tint val="73000"/>
+              </a:schemeClr>
+            </a:gs>
+            <a:gs pos="100000">
+              <a:schemeClr val="phClr">
+                <a:lumMod val="105000"/>
+                <a:satMod val="109000"/>
+                <a:tint val="81000"/>
+              </a:schemeClr>
+            </a:gs>
+          </a:gsLst>
+          <a:lin ang="5400000" scaled="0"/>
+        </a:gradFill>
+        <a:gradFill rotWithShape="1">
+          <a:gsLst>
+            <a:gs pos="0">
+              <a:schemeClr val="phClr">
+                <a:satMod val="103000"/>
+                <a:lumMod val="102000"/>
+                <a:tint val="94000"/>
+              </a:schemeClr>
+            </a:gs>
+            <a:gs pos="50000">
+              <a:schemeClr val="phClr">
+                <a:satMod val="110000"/>
+                <a:lumMod val="100000"/>
+                <a:shade val="100000"/>
+              </a:schemeClr>
+            </a:gs>
+            <a:gs pos="100000">
+              <a:schemeClr val="phClr">
+                <a:lumMod val="99000"/>
+                <a:satMod val="120000"/>
+                <a:shade val="78000"/>
+              </a:schemeClr>
+            </a:gs>
+          </a:gsLst>
+          <a:lin ang="5400000" scaled="0"/>
+        </a:gradFill>
+      </a:fillStyleLst>
+      <a:lnStyleLst>
+        <a:ln w="6350" cap="flat" cmpd="sng" algn="ctr">
+          <a:solidFill>
+            <a:schemeClr val="phClr"/>
+          </a:solidFill>
+          <a:prstDash val="solid"/>
+          <a:miter lim="800000"/>
+        </a:ln>
+        <a:ln w="12700" cap="flat" cmpd="sng" algn="ctr">
+          <a:solidFill>
+            <a:schemeClr val="phClr"/>
+          </a:solidFill>
+          <a:prstDash val="solid"/>
+          <a:miter lim="800000"/>
+        </a:ln>
+        <a:ln w="19050" cap="flat" cmpd="sng" algn="ctr">
+          <a:solidFill>
+            <a:schemeClr val="phClr"/>
+          </a:solidFill>
+          <a:prstDash val="solid"/>
+          <a:miter lim="800000"/>
+        </a:ln>
+      </a:lnStyleLst>
+      <a:effectStyleLst>
+        <a:effectStyle>
+          <a:effectLst/>
+        </a:effectStyle>
+        <a:effectStyle>
+          <a:effectLst/>
+        </a:effectStyle>
+        <a:effectStyle>
+          <a:effectLst>
+            <a:outerShdw blurRad="57150" dist="19050" dir="5400000" algn="ctr" rotWithShape="0">
+              <a:srgbClr val="000000">
+                <a:alpha val="63000"/>
+              </a:srgbClr>
+            </a:outerShdw>
+          </a:effectLst>
+        </a:effectStyle>
+      </a:effectStyleLst>
+      <a:bgFillStyleLst>
+        <a:solidFill>
+          <a:schemeClr val="phClr"/>
+        </a:solidFill>
+        <a:solidFill>
+          <a:schemeClr val="phClr">
+            <a:tint val="95000"/>
+            <a:satMod val="170000"/>
+          </a:schemeClr>
+        </a:solidFill>
+        <a:gradFill rotWithShape="1">
+          <a:gsLst>
+            <a:gs pos="0">
+              <a:schemeClr val="phClr">
+                <a:tint val="93000"/>
+                <a:satMod val="150000"/>
+                <a:shade val="98000"/>
+                <a:lumMod val="102000"/>
+              </a:schemeClr>
+            </a:gs>
+            <a:gs pos="50000">
+              <a:schemeClr val="phClr">
+                <a:tint val="98000"/>
+                <a:satMod val="130000"/>
+                <a:shade val="90000"/>
+                <a:lumMod val="103000"/>
+              </a:schemeClr>
+            </a:gs>
+            <a:gs pos="100000">
+              <a:schemeClr val="phClr">
+                <a:shade val="63000"/>
+                <a:satMod val="120000"/>
+              </a:schemeClr>
+            </a:gs>
+          </a:gsLst>
+          <a:lin ang="5400000" scaled="0"/>
+        </a:gradFill>
+      </a:bgFillStyleLst>
+    </a:fmtScheme>
+  </a:themeElements>
+  <a:objectDefaults/>
+  <a:extraClrSchemeLst/>
+  <a:extLst>
+    <a:ext uri="{05A4C25C-085E-4340-85A3-A5531E510DB2}">
+      <thm15:themeFamily xmlns:thm15="http://schemas.microsoft.com/office/thememl/2012/main" name="Office Theme" id="{62F939B6-93AF-4DB8-9C6B-D6C7DFDC589F}" vid="{4A3C46E8-61CC-4603-A589-7422A47A8E4A}"/>
+    </a:ext>
+  </a:extLst>
+</a:theme>
 </file>